--- a/posts/miscellanea/integral/images/曲线曲面示意图.pptx
+++ b/posts/miscellanea/integral/images/曲线曲面示意图.pptx
@@ -6,8 +6,9 @@
   </p:sldMasterIdLst>
   <p:sldIdLst>
     <p:sldId id="257" r:id="rId2"/>
-    <p:sldId id="256" r:id="rId3"/>
-    <p:sldId id="258" r:id="rId4"/>
+    <p:sldId id="259" r:id="rId3"/>
+    <p:sldId id="256" r:id="rId4"/>
+    <p:sldId id="258" r:id="rId5"/>
   </p:sldIdLst>
   <p:sldSz cx="12192000" cy="6858000"/>
   <p:notesSz cx="6858000" cy="9144000"/>
@@ -4850,6 +4851,7 @@
             </a:extLst>
           </p:cNvPr>
           <p:cNvCxnSpPr>
+            <a:cxnSpLocks/>
             <a:endCxn id="42" idx="2"/>
           </p:cNvCxnSpPr>
           <p:nvPr/>
@@ -4875,86 +4877,6 @@
           </a:fillRef>
           <a:effectRef idx="0">
             <a:schemeClr val="dk1"/>
-          </a:effectRef>
-          <a:fontRef idx="minor">
-            <a:schemeClr val="tx1"/>
-          </a:fontRef>
-        </p:style>
-      </p:cxnSp>
-      <p:cxnSp>
-        <p:nvCxnSpPr>
-          <p:cNvPr id="96" name="Straight Arrow Connector 95">
-            <a:extLst>
-              <a:ext uri="{FF2B5EF4-FFF2-40B4-BE49-F238E27FC236}">
-                <a16:creationId xmlns:a16="http://schemas.microsoft.com/office/drawing/2014/main" id="{56DE5AB7-B3A3-497E-9284-1AE20AEF9C0C}"/>
-              </a:ext>
-            </a:extLst>
-          </p:cNvPr>
-          <p:cNvCxnSpPr>
-            <a:stCxn id="42" idx="1"/>
-            <a:endCxn id="42" idx="2"/>
-          </p:cNvCxnSpPr>
-          <p:nvPr/>
-        </p:nvCxnSpPr>
-        <p:spPr>
-          <a:xfrm flipV="1">
-            <a:off x="6159260" y="1475117"/>
-            <a:ext cx="500332" cy="250166"/>
-          </a:xfrm>
-          <a:prstGeom prst="straightConnector1">
-            <a:avLst/>
-          </a:prstGeom>
-          <a:ln>
-            <a:tailEnd type="triangle"/>
-          </a:ln>
-        </p:spPr>
-        <p:style>
-          <a:lnRef idx="2">
-            <a:schemeClr val="accent1"/>
-          </a:lnRef>
-          <a:fillRef idx="0">
-            <a:schemeClr val="accent1"/>
-          </a:fillRef>
-          <a:effectRef idx="1">
-            <a:schemeClr val="accent1"/>
-          </a:effectRef>
-          <a:fontRef idx="minor">
-            <a:schemeClr val="tx1"/>
-          </a:fontRef>
-        </p:style>
-      </p:cxnSp>
-      <p:cxnSp>
-        <p:nvCxnSpPr>
-          <p:cNvPr id="103" name="Straight Connector 102">
-            <a:extLst>
-              <a:ext uri="{FF2B5EF4-FFF2-40B4-BE49-F238E27FC236}">
-                <a16:creationId xmlns:a16="http://schemas.microsoft.com/office/drawing/2014/main" id="{F633FC40-46F6-4BFE-88BC-A3E84F709448}"/>
-              </a:ext>
-            </a:extLst>
-          </p:cNvPr>
-          <p:cNvCxnSpPr>
-            <a:cxnSpLocks/>
-          </p:cNvCxnSpPr>
-          <p:nvPr/>
-        </p:nvCxnSpPr>
-        <p:spPr>
-          <a:xfrm>
-            <a:off x="2295065" y="2424023"/>
-            <a:ext cx="445662" cy="0"/>
-          </a:xfrm>
-          <a:prstGeom prst="line">
-            <a:avLst/>
-          </a:prstGeom>
-        </p:spPr>
-        <p:style>
-          <a:lnRef idx="3">
-            <a:schemeClr val="accent1"/>
-          </a:lnRef>
-          <a:fillRef idx="0">
-            <a:schemeClr val="accent1"/>
-          </a:fillRef>
-          <a:effectRef idx="2">
-            <a:schemeClr val="accent1"/>
           </a:effectRef>
           <a:fontRef idx="minor">
             <a:schemeClr val="tx1"/>
@@ -5271,6 +5193,1956 @@
 </file>
 
 <file path=ppt/slides/slide2.xml><?xml version="1.0" encoding="utf-8"?>
+<p:sld xmlns:a="http://schemas.openxmlformats.org/drawingml/2006/main" xmlns:r="http://schemas.openxmlformats.org/officeDocument/2006/relationships" xmlns:p="http://schemas.openxmlformats.org/presentationml/2006/main">
+  <p:cSld>
+    <p:spTree>
+      <p:nvGrpSpPr>
+        <p:cNvPr id="1" name=""/>
+        <p:cNvGrpSpPr/>
+        <p:nvPr/>
+      </p:nvGrpSpPr>
+      <p:grpSpPr>
+        <a:xfrm>
+          <a:off x="0" y="0"/>
+          <a:ext cx="0" cy="0"/>
+          <a:chOff x="0" y="0"/>
+          <a:chExt cx="0" cy="0"/>
+        </a:xfrm>
+      </p:grpSpPr>
+      <p:cxnSp>
+        <p:nvCxnSpPr>
+          <p:cNvPr id="5" name="Straight Arrow Connector 4">
+            <a:extLst>
+              <a:ext uri="{FF2B5EF4-FFF2-40B4-BE49-F238E27FC236}">
+                <a16:creationId xmlns:a16="http://schemas.microsoft.com/office/drawing/2014/main" id="{ED306833-0DE3-43A2-8E6D-4DD57DF8B6C4}"/>
+              </a:ext>
+            </a:extLst>
+          </p:cNvPr>
+          <p:cNvCxnSpPr>
+            <a:cxnSpLocks/>
+          </p:cNvCxnSpPr>
+          <p:nvPr/>
+        </p:nvCxnSpPr>
+        <p:spPr>
+          <a:xfrm>
+            <a:off x="1475117" y="2424023"/>
+            <a:ext cx="2191109" cy="0"/>
+          </a:xfrm>
+          <a:prstGeom prst="straightConnector1">
+            <a:avLst/>
+          </a:prstGeom>
+          <a:ln w="12700">
+            <a:tailEnd type="triangle"/>
+          </a:ln>
+        </p:spPr>
+        <p:style>
+          <a:lnRef idx="1">
+            <a:schemeClr val="dk1"/>
+          </a:lnRef>
+          <a:fillRef idx="0">
+            <a:schemeClr val="dk1"/>
+          </a:fillRef>
+          <a:effectRef idx="0">
+            <a:schemeClr val="dk1"/>
+          </a:effectRef>
+          <a:fontRef idx="minor">
+            <a:schemeClr val="tx1"/>
+          </a:fontRef>
+        </p:style>
+      </p:cxnSp>
+      <p:cxnSp>
+        <p:nvCxnSpPr>
+          <p:cNvPr id="8" name="Straight Connector 7">
+            <a:extLst>
+              <a:ext uri="{FF2B5EF4-FFF2-40B4-BE49-F238E27FC236}">
+                <a16:creationId xmlns:a16="http://schemas.microsoft.com/office/drawing/2014/main" id="{DC325EF6-7873-4663-AB04-B7A25BCF817E}"/>
+              </a:ext>
+            </a:extLst>
+          </p:cNvPr>
+          <p:cNvCxnSpPr>
+            <a:cxnSpLocks/>
+          </p:cNvCxnSpPr>
+          <p:nvPr/>
+        </p:nvCxnSpPr>
+        <p:spPr>
+          <a:xfrm>
+            <a:off x="1871932" y="2355011"/>
+            <a:ext cx="0" cy="60386"/>
+          </a:xfrm>
+          <a:prstGeom prst="line">
+            <a:avLst/>
+          </a:prstGeom>
+          <a:ln w="12700"/>
+        </p:spPr>
+        <p:style>
+          <a:lnRef idx="1">
+            <a:schemeClr val="dk1"/>
+          </a:lnRef>
+          <a:fillRef idx="0">
+            <a:schemeClr val="dk1"/>
+          </a:fillRef>
+          <a:effectRef idx="0">
+            <a:schemeClr val="dk1"/>
+          </a:effectRef>
+          <a:fontRef idx="minor">
+            <a:schemeClr val="tx1"/>
+          </a:fontRef>
+        </p:style>
+      </p:cxnSp>
+      <p:cxnSp>
+        <p:nvCxnSpPr>
+          <p:cNvPr id="14" name="Straight Connector 13">
+            <a:extLst>
+              <a:ext uri="{FF2B5EF4-FFF2-40B4-BE49-F238E27FC236}">
+                <a16:creationId xmlns:a16="http://schemas.microsoft.com/office/drawing/2014/main" id="{031BA9B3-F886-4792-857F-91594C97D0B4}"/>
+              </a:ext>
+            </a:extLst>
+          </p:cNvPr>
+          <p:cNvCxnSpPr>
+            <a:cxnSpLocks/>
+          </p:cNvCxnSpPr>
+          <p:nvPr/>
+        </p:nvCxnSpPr>
+        <p:spPr>
+          <a:xfrm>
+            <a:off x="3286705" y="2329132"/>
+            <a:ext cx="0" cy="86264"/>
+          </a:xfrm>
+          <a:prstGeom prst="line">
+            <a:avLst/>
+          </a:prstGeom>
+          <a:ln w="12700"/>
+        </p:spPr>
+        <p:style>
+          <a:lnRef idx="1">
+            <a:schemeClr val="dk1"/>
+          </a:lnRef>
+          <a:fillRef idx="0">
+            <a:schemeClr val="dk1"/>
+          </a:fillRef>
+          <a:effectRef idx="0">
+            <a:schemeClr val="dk1"/>
+          </a:effectRef>
+          <a:fontRef idx="minor">
+            <a:schemeClr val="tx1"/>
+          </a:fontRef>
+        </p:style>
+      </p:cxnSp>
+      <mc:AlternateContent xmlns:mc="http://schemas.openxmlformats.org/markup-compatibility/2006">
+        <mc:Choice xmlns:a14="http://schemas.microsoft.com/office/drawing/2010/main" Requires="a14">
+          <p:sp>
+            <p:nvSpPr>
+              <p:cNvPr id="18" name="TextBox 17">
+                <a:extLst>
+                  <a:ext uri="{FF2B5EF4-FFF2-40B4-BE49-F238E27FC236}">
+                    <a16:creationId xmlns:a16="http://schemas.microsoft.com/office/drawing/2014/main" id="{C525E05E-8B2E-4CBD-80B7-7DF54D2D72FC}"/>
+                  </a:ext>
+                </a:extLst>
+              </p:cNvPr>
+              <p:cNvSpPr txBox="1"/>
+              <p:nvPr/>
+            </p:nvSpPr>
+            <p:spPr>
+              <a:xfrm>
+                <a:off x="1713139" y="2385204"/>
+                <a:ext cx="317586" cy="276999"/>
+              </a:xfrm>
+              <a:prstGeom prst="rect">
+                <a:avLst/>
+              </a:prstGeom>
+              <a:noFill/>
+            </p:spPr>
+            <p:txBody>
+              <a:bodyPr wrap="none" rtlCol="0">
+                <a:spAutoFit/>
+              </a:bodyPr>
+              <a:lstStyle/>
+              <a:p>
+                <a:pPr/>
+                <a14:m>
+                  <m:oMathPara xmlns:m="http://schemas.openxmlformats.org/officeDocument/2006/math">
+                    <m:oMathParaPr>
+                      <m:jc m:val="centerGroup"/>
+                    </m:oMathParaPr>
+                    <m:oMath xmlns:m="http://schemas.openxmlformats.org/officeDocument/2006/math">
+                      <m:r>
+                        <a:rPr lang="en-US" sz="1200" i="1" smtClean="0">
+                          <a:latin typeface="Cambria Math" panose="02040503050406030204" pitchFamily="18" charset="0"/>
+                          <a:ea typeface="Cambria Math" panose="02040503050406030204" pitchFamily="18" charset="0"/>
+                        </a:rPr>
+                        <m:t>𝛼</m:t>
+                      </m:r>
+                    </m:oMath>
+                  </m:oMathPara>
+                </a14:m>
+                <a:endParaRPr lang="en-US" dirty="0"/>
+              </a:p>
+            </p:txBody>
+          </p:sp>
+        </mc:Choice>
+        <mc:Fallback>
+          <p:sp>
+            <p:nvSpPr>
+              <p:cNvPr id="18" name="TextBox 17">
+                <a:extLst>
+                  <a:ext uri="{FF2B5EF4-FFF2-40B4-BE49-F238E27FC236}">
+                    <a16:creationId xmlns:a16="http://schemas.microsoft.com/office/drawing/2014/main" id="{C525E05E-8B2E-4CBD-80B7-7DF54D2D72FC}"/>
+                  </a:ext>
+                </a:extLst>
+              </p:cNvPr>
+              <p:cNvSpPr txBox="1">
+                <a:spLocks noRot="1" noChangeAspect="1" noMove="1" noResize="1" noEditPoints="1" noAdjustHandles="1" noChangeArrowheads="1" noChangeShapeType="1" noTextEdit="1"/>
+              </p:cNvSpPr>
+              <p:nvPr/>
+            </p:nvSpPr>
+            <p:spPr>
+              <a:xfrm>
+                <a:off x="1713139" y="2385204"/>
+                <a:ext cx="317586" cy="276999"/>
+              </a:xfrm>
+              <a:prstGeom prst="rect">
+                <a:avLst/>
+              </a:prstGeom>
+              <a:blipFill>
+                <a:blip r:embed="rId2"/>
+                <a:stretch>
+                  <a:fillRect/>
+                </a:stretch>
+              </a:blipFill>
+            </p:spPr>
+            <p:txBody>
+              <a:bodyPr/>
+              <a:lstStyle/>
+              <a:p>
+                <a:r>
+                  <a:rPr lang="en-US">
+                    <a:noFill/>
+                  </a:rPr>
+                  <a:t> </a:t>
+                </a:r>
+              </a:p>
+            </p:txBody>
+          </p:sp>
+        </mc:Fallback>
+      </mc:AlternateContent>
+      <mc:AlternateContent xmlns:mc="http://schemas.openxmlformats.org/markup-compatibility/2006">
+        <mc:Choice xmlns:a14="http://schemas.microsoft.com/office/drawing/2010/main" Requires="a14">
+          <p:sp>
+            <p:nvSpPr>
+              <p:cNvPr id="19" name="TextBox 18">
+                <a:extLst>
+                  <a:ext uri="{FF2B5EF4-FFF2-40B4-BE49-F238E27FC236}">
+                    <a16:creationId xmlns:a16="http://schemas.microsoft.com/office/drawing/2014/main" id="{24BFBB3E-4059-42E6-B3F5-067C4C3B4113}"/>
+                  </a:ext>
+                </a:extLst>
+              </p:cNvPr>
+              <p:cNvSpPr txBox="1"/>
+              <p:nvPr/>
+            </p:nvSpPr>
+            <p:spPr>
+              <a:xfrm>
+                <a:off x="3107763" y="2397839"/>
+                <a:ext cx="317586" cy="276999"/>
+              </a:xfrm>
+              <a:prstGeom prst="rect">
+                <a:avLst/>
+              </a:prstGeom>
+              <a:noFill/>
+            </p:spPr>
+            <p:txBody>
+              <a:bodyPr wrap="none" rtlCol="0">
+                <a:spAutoFit/>
+              </a:bodyPr>
+              <a:lstStyle/>
+              <a:p>
+                <a:pPr/>
+                <a14:m>
+                  <m:oMathPara xmlns:m="http://schemas.openxmlformats.org/officeDocument/2006/math">
+                    <m:oMathParaPr>
+                      <m:jc m:val="centerGroup"/>
+                    </m:oMathParaPr>
+                    <m:oMath xmlns:m="http://schemas.openxmlformats.org/officeDocument/2006/math">
+                      <m:r>
+                        <a:rPr lang="en-US" sz="1200" i="1" smtClean="0">
+                          <a:latin typeface="Cambria Math" panose="02040503050406030204" pitchFamily="18" charset="0"/>
+                          <a:ea typeface="Cambria Math" panose="02040503050406030204" pitchFamily="18" charset="0"/>
+                        </a:rPr>
+                        <m:t>𝛽</m:t>
+                      </m:r>
+                    </m:oMath>
+                  </m:oMathPara>
+                </a14:m>
+                <a:endParaRPr lang="en-US" sz="1200" dirty="0"/>
+              </a:p>
+            </p:txBody>
+          </p:sp>
+        </mc:Choice>
+        <mc:Fallback>
+          <p:sp>
+            <p:nvSpPr>
+              <p:cNvPr id="19" name="TextBox 18">
+                <a:extLst>
+                  <a:ext uri="{FF2B5EF4-FFF2-40B4-BE49-F238E27FC236}">
+                    <a16:creationId xmlns:a16="http://schemas.microsoft.com/office/drawing/2014/main" id="{24BFBB3E-4059-42E6-B3F5-067C4C3B4113}"/>
+                  </a:ext>
+                </a:extLst>
+              </p:cNvPr>
+              <p:cNvSpPr txBox="1">
+                <a:spLocks noRot="1" noChangeAspect="1" noMove="1" noResize="1" noEditPoints="1" noAdjustHandles="1" noChangeArrowheads="1" noChangeShapeType="1" noTextEdit="1"/>
+              </p:cNvSpPr>
+              <p:nvPr/>
+            </p:nvSpPr>
+            <p:spPr>
+              <a:xfrm>
+                <a:off x="3107763" y="2397839"/>
+                <a:ext cx="317586" cy="276999"/>
+              </a:xfrm>
+              <a:prstGeom prst="rect">
+                <a:avLst/>
+              </a:prstGeom>
+              <a:blipFill>
+                <a:blip r:embed="rId3"/>
+                <a:stretch>
+                  <a:fillRect b="-4348"/>
+                </a:stretch>
+              </a:blipFill>
+            </p:spPr>
+            <p:txBody>
+              <a:bodyPr/>
+              <a:lstStyle/>
+              <a:p>
+                <a:r>
+                  <a:rPr lang="en-US">
+                    <a:noFill/>
+                  </a:rPr>
+                  <a:t> </a:t>
+                </a:r>
+              </a:p>
+            </p:txBody>
+          </p:sp>
+        </mc:Fallback>
+      </mc:AlternateContent>
+      <mc:AlternateContent xmlns:mc="http://schemas.openxmlformats.org/markup-compatibility/2006">
+        <mc:Choice xmlns:a14="http://schemas.microsoft.com/office/drawing/2010/main" Requires="a14">
+          <p:sp>
+            <p:nvSpPr>
+              <p:cNvPr id="20" name="TextBox 19">
+                <a:extLst>
+                  <a:ext uri="{FF2B5EF4-FFF2-40B4-BE49-F238E27FC236}">
+                    <a16:creationId xmlns:a16="http://schemas.microsoft.com/office/drawing/2014/main" id="{63339690-FE0F-4310-B6F1-C9443E99543A}"/>
+                  </a:ext>
+                </a:extLst>
+              </p:cNvPr>
+              <p:cNvSpPr txBox="1"/>
+              <p:nvPr/>
+            </p:nvSpPr>
+            <p:spPr>
+              <a:xfrm>
+                <a:off x="3497913" y="2411388"/>
+                <a:ext cx="284629" cy="276999"/>
+              </a:xfrm>
+              <a:prstGeom prst="rect">
+                <a:avLst/>
+              </a:prstGeom>
+              <a:noFill/>
+            </p:spPr>
+            <p:txBody>
+              <a:bodyPr wrap="none" rtlCol="0">
+                <a:spAutoFit/>
+              </a:bodyPr>
+              <a:lstStyle/>
+              <a:p>
+                <a:pPr/>
+                <a14:m>
+                  <m:oMathPara xmlns:m="http://schemas.openxmlformats.org/officeDocument/2006/math">
+                    <m:oMathParaPr>
+                      <m:jc m:val="centerGroup"/>
+                    </m:oMathParaPr>
+                    <m:oMath xmlns:m="http://schemas.openxmlformats.org/officeDocument/2006/math">
+                      <m:r>
+                        <a:rPr lang="en-US" sz="1200" b="0" i="1" smtClean="0">
+                          <a:latin typeface="Cambria Math" panose="02040503050406030204" pitchFamily="18" charset="0"/>
+                          <a:ea typeface="Cambria Math" panose="02040503050406030204" pitchFamily="18" charset="0"/>
+                        </a:rPr>
+                        <m:t>𝑡</m:t>
+                      </m:r>
+                    </m:oMath>
+                  </m:oMathPara>
+                </a14:m>
+                <a:endParaRPr lang="en-US" sz="1200" dirty="0"/>
+              </a:p>
+            </p:txBody>
+          </p:sp>
+        </mc:Choice>
+        <mc:Fallback>
+          <p:sp>
+            <p:nvSpPr>
+              <p:cNvPr id="20" name="TextBox 19">
+                <a:extLst>
+                  <a:ext uri="{FF2B5EF4-FFF2-40B4-BE49-F238E27FC236}">
+                    <a16:creationId xmlns:a16="http://schemas.microsoft.com/office/drawing/2014/main" id="{63339690-FE0F-4310-B6F1-C9443E99543A}"/>
+                  </a:ext>
+                </a:extLst>
+              </p:cNvPr>
+              <p:cNvSpPr txBox="1">
+                <a:spLocks noRot="1" noChangeAspect="1" noMove="1" noResize="1" noEditPoints="1" noAdjustHandles="1" noChangeArrowheads="1" noChangeShapeType="1" noTextEdit="1"/>
+              </p:cNvSpPr>
+              <p:nvPr/>
+            </p:nvSpPr>
+            <p:spPr>
+              <a:xfrm>
+                <a:off x="3497913" y="2411388"/>
+                <a:ext cx="284629" cy="276999"/>
+              </a:xfrm>
+              <a:prstGeom prst="rect">
+                <a:avLst/>
+              </a:prstGeom>
+              <a:blipFill>
+                <a:blip r:embed="rId4"/>
+                <a:stretch>
+                  <a:fillRect/>
+                </a:stretch>
+              </a:blipFill>
+            </p:spPr>
+            <p:txBody>
+              <a:bodyPr/>
+              <a:lstStyle/>
+              <a:p>
+                <a:r>
+                  <a:rPr lang="en-US">
+                    <a:noFill/>
+                  </a:rPr>
+                  <a:t> </a:t>
+                </a:r>
+              </a:p>
+            </p:txBody>
+          </p:sp>
+        </mc:Fallback>
+      </mc:AlternateContent>
+      <p:cxnSp>
+        <p:nvCxnSpPr>
+          <p:cNvPr id="22" name="Straight Arrow Connector 21">
+            <a:extLst>
+              <a:ext uri="{FF2B5EF4-FFF2-40B4-BE49-F238E27FC236}">
+                <a16:creationId xmlns:a16="http://schemas.microsoft.com/office/drawing/2014/main" id="{3CB38A04-3809-4E87-AFC0-F8EE22B5BB94}"/>
+              </a:ext>
+            </a:extLst>
+          </p:cNvPr>
+          <p:cNvCxnSpPr/>
+          <p:nvPr/>
+        </p:nvCxnSpPr>
+        <p:spPr>
+          <a:xfrm>
+            <a:off x="5607170" y="2553896"/>
+            <a:ext cx="1673524" cy="0"/>
+          </a:xfrm>
+          <a:prstGeom prst="straightConnector1">
+            <a:avLst/>
+          </a:prstGeom>
+          <a:ln w="12700">
+            <a:tailEnd type="triangle"/>
+          </a:ln>
+        </p:spPr>
+        <p:style>
+          <a:lnRef idx="1">
+            <a:schemeClr val="dk1"/>
+          </a:lnRef>
+          <a:fillRef idx="0">
+            <a:schemeClr val="dk1"/>
+          </a:fillRef>
+          <a:effectRef idx="0">
+            <a:schemeClr val="dk1"/>
+          </a:effectRef>
+          <a:fontRef idx="minor">
+            <a:schemeClr val="tx1"/>
+          </a:fontRef>
+        </p:style>
+      </p:cxnSp>
+      <p:cxnSp>
+        <p:nvCxnSpPr>
+          <p:cNvPr id="23" name="Straight Arrow Connector 22">
+            <a:extLst>
+              <a:ext uri="{FF2B5EF4-FFF2-40B4-BE49-F238E27FC236}">
+                <a16:creationId xmlns:a16="http://schemas.microsoft.com/office/drawing/2014/main" id="{88938710-8E86-41C2-AE98-8CE569591AF9}"/>
+              </a:ext>
+            </a:extLst>
+          </p:cNvPr>
+          <p:cNvCxnSpPr>
+            <a:cxnSpLocks/>
+          </p:cNvCxnSpPr>
+          <p:nvPr/>
+        </p:nvCxnSpPr>
+        <p:spPr>
+          <a:xfrm flipV="1">
+            <a:off x="5607170" y="974785"/>
+            <a:ext cx="0" cy="1579112"/>
+          </a:xfrm>
+          <a:prstGeom prst="straightConnector1">
+            <a:avLst/>
+          </a:prstGeom>
+          <a:ln w="12700">
+            <a:tailEnd type="triangle"/>
+          </a:ln>
+        </p:spPr>
+        <p:style>
+          <a:lnRef idx="1">
+            <a:schemeClr val="dk1"/>
+          </a:lnRef>
+          <a:fillRef idx="0">
+            <a:schemeClr val="dk1"/>
+          </a:fillRef>
+          <a:effectRef idx="0">
+            <a:schemeClr val="dk1"/>
+          </a:effectRef>
+          <a:fontRef idx="minor">
+            <a:schemeClr val="tx1"/>
+          </a:fontRef>
+        </p:style>
+      </p:cxnSp>
+      <p:cxnSp>
+        <p:nvCxnSpPr>
+          <p:cNvPr id="27" name="Straight Arrow Connector 26">
+            <a:extLst>
+              <a:ext uri="{FF2B5EF4-FFF2-40B4-BE49-F238E27FC236}">
+                <a16:creationId xmlns:a16="http://schemas.microsoft.com/office/drawing/2014/main" id="{BC08FEE1-656F-4A3D-8B0C-5145BF313F92}"/>
+              </a:ext>
+            </a:extLst>
+          </p:cNvPr>
+          <p:cNvCxnSpPr>
+            <a:cxnSpLocks/>
+          </p:cNvCxnSpPr>
+          <p:nvPr/>
+        </p:nvCxnSpPr>
+        <p:spPr>
+          <a:xfrm flipH="1">
+            <a:off x="4799162" y="2553420"/>
+            <a:ext cx="808008" cy="1069064"/>
+          </a:xfrm>
+          <a:prstGeom prst="straightConnector1">
+            <a:avLst/>
+          </a:prstGeom>
+          <a:ln w="12700">
+            <a:tailEnd type="triangle"/>
+          </a:ln>
+        </p:spPr>
+        <p:style>
+          <a:lnRef idx="1">
+            <a:schemeClr val="dk1"/>
+          </a:lnRef>
+          <a:fillRef idx="0">
+            <a:schemeClr val="dk1"/>
+          </a:fillRef>
+          <a:effectRef idx="0">
+            <a:schemeClr val="dk1"/>
+          </a:effectRef>
+          <a:fontRef idx="minor">
+            <a:schemeClr val="tx1"/>
+          </a:fontRef>
+        </p:style>
+      </p:cxnSp>
+      <p:cxnSp>
+        <p:nvCxnSpPr>
+          <p:cNvPr id="29" name="Straight Arrow Connector 28">
+            <a:extLst>
+              <a:ext uri="{FF2B5EF4-FFF2-40B4-BE49-F238E27FC236}">
+                <a16:creationId xmlns:a16="http://schemas.microsoft.com/office/drawing/2014/main" id="{CEB61469-5E4A-4E92-BAD2-F2098E864899}"/>
+              </a:ext>
+            </a:extLst>
+          </p:cNvPr>
+          <p:cNvCxnSpPr/>
+          <p:nvPr/>
+        </p:nvCxnSpPr>
+        <p:spPr>
+          <a:xfrm>
+            <a:off x="5607170" y="2554373"/>
+            <a:ext cx="1673524" cy="0"/>
+          </a:xfrm>
+          <a:prstGeom prst="straightConnector1">
+            <a:avLst/>
+          </a:prstGeom>
+          <a:ln w="12700">
+            <a:tailEnd type="triangle"/>
+          </a:ln>
+        </p:spPr>
+        <p:style>
+          <a:lnRef idx="1">
+            <a:schemeClr val="dk1"/>
+          </a:lnRef>
+          <a:fillRef idx="0">
+            <a:schemeClr val="dk1"/>
+          </a:fillRef>
+          <a:effectRef idx="0">
+            <a:schemeClr val="dk1"/>
+          </a:effectRef>
+          <a:fontRef idx="minor">
+            <a:schemeClr val="tx1"/>
+          </a:fontRef>
+        </p:style>
+      </p:cxnSp>
+      <mc:AlternateContent xmlns:mc="http://schemas.openxmlformats.org/markup-compatibility/2006">
+        <mc:Choice xmlns:a14="http://schemas.microsoft.com/office/drawing/2010/main" Requires="a14">
+          <p:sp>
+            <p:nvSpPr>
+              <p:cNvPr id="35" name="TextBox 34">
+                <a:extLst>
+                  <a:ext uri="{FF2B5EF4-FFF2-40B4-BE49-F238E27FC236}">
+                    <a16:creationId xmlns:a16="http://schemas.microsoft.com/office/drawing/2014/main" id="{A52FC8A2-521C-4CB7-AEF1-4C1D50578CF2}"/>
+                  </a:ext>
+                </a:extLst>
+              </p:cNvPr>
+              <p:cNvSpPr txBox="1"/>
+              <p:nvPr/>
+            </p:nvSpPr>
+            <p:spPr>
+              <a:xfrm>
+                <a:off x="4799161" y="3513702"/>
+                <a:ext cx="306366" cy="276999"/>
+              </a:xfrm>
+              <a:prstGeom prst="rect">
+                <a:avLst/>
+              </a:prstGeom>
+              <a:noFill/>
+            </p:spPr>
+            <p:txBody>
+              <a:bodyPr wrap="none" rtlCol="0">
+                <a:spAutoFit/>
+              </a:bodyPr>
+              <a:lstStyle/>
+              <a:p>
+                <a:pPr/>
+                <a14:m>
+                  <m:oMathPara xmlns:m="http://schemas.openxmlformats.org/officeDocument/2006/math">
+                    <m:oMathParaPr>
+                      <m:jc m:val="centerGroup"/>
+                    </m:oMathParaPr>
+                    <m:oMath xmlns:m="http://schemas.openxmlformats.org/officeDocument/2006/math">
+                      <m:r>
+                        <a:rPr lang="en-US" sz="1200" b="0" i="1" smtClean="0">
+                          <a:latin typeface="Cambria Math" panose="02040503050406030204" pitchFamily="18" charset="0"/>
+                          <a:ea typeface="Cambria Math" panose="02040503050406030204" pitchFamily="18" charset="0"/>
+                        </a:rPr>
+                        <m:t>𝑥</m:t>
+                      </m:r>
+                    </m:oMath>
+                  </m:oMathPara>
+                </a14:m>
+                <a:endParaRPr lang="en-US" sz="1200" dirty="0"/>
+              </a:p>
+            </p:txBody>
+          </p:sp>
+        </mc:Choice>
+        <mc:Fallback>
+          <p:sp>
+            <p:nvSpPr>
+              <p:cNvPr id="35" name="TextBox 34">
+                <a:extLst>
+                  <a:ext uri="{FF2B5EF4-FFF2-40B4-BE49-F238E27FC236}">
+                    <a16:creationId xmlns:a16="http://schemas.microsoft.com/office/drawing/2014/main" id="{A52FC8A2-521C-4CB7-AEF1-4C1D50578CF2}"/>
+                  </a:ext>
+                </a:extLst>
+              </p:cNvPr>
+              <p:cNvSpPr txBox="1">
+                <a:spLocks noRot="1" noChangeAspect="1" noMove="1" noResize="1" noEditPoints="1" noAdjustHandles="1" noChangeArrowheads="1" noChangeShapeType="1" noTextEdit="1"/>
+              </p:cNvSpPr>
+              <p:nvPr/>
+            </p:nvSpPr>
+            <p:spPr>
+              <a:xfrm>
+                <a:off x="4799161" y="3513702"/>
+                <a:ext cx="306366" cy="276999"/>
+              </a:xfrm>
+              <a:prstGeom prst="rect">
+                <a:avLst/>
+              </a:prstGeom>
+              <a:blipFill>
+                <a:blip r:embed="rId5"/>
+                <a:stretch>
+                  <a:fillRect/>
+                </a:stretch>
+              </a:blipFill>
+            </p:spPr>
+            <p:txBody>
+              <a:bodyPr/>
+              <a:lstStyle/>
+              <a:p>
+                <a:r>
+                  <a:rPr lang="en-US">
+                    <a:noFill/>
+                  </a:rPr>
+                  <a:t> </a:t>
+                </a:r>
+              </a:p>
+            </p:txBody>
+          </p:sp>
+        </mc:Fallback>
+      </mc:AlternateContent>
+      <mc:AlternateContent xmlns:mc="http://schemas.openxmlformats.org/markup-compatibility/2006">
+        <mc:Choice xmlns:a14="http://schemas.microsoft.com/office/drawing/2010/main" Requires="a14">
+          <p:sp>
+            <p:nvSpPr>
+              <p:cNvPr id="36" name="TextBox 35">
+                <a:extLst>
+                  <a:ext uri="{FF2B5EF4-FFF2-40B4-BE49-F238E27FC236}">
+                    <a16:creationId xmlns:a16="http://schemas.microsoft.com/office/drawing/2014/main" id="{4D6D8DA7-3A1A-495D-B010-B7F83F854DBD}"/>
+                  </a:ext>
+                </a:extLst>
+              </p:cNvPr>
+              <p:cNvSpPr txBox="1"/>
+              <p:nvPr/>
+            </p:nvSpPr>
+            <p:spPr>
+              <a:xfrm>
+                <a:off x="1309499" y="2436659"/>
+                <a:ext cx="327910" cy="276999"/>
+              </a:xfrm>
+              <a:prstGeom prst="rect">
+                <a:avLst/>
+              </a:prstGeom>
+              <a:noFill/>
+            </p:spPr>
+            <p:txBody>
+              <a:bodyPr wrap="none" rtlCol="0">
+                <a:spAutoFit/>
+              </a:bodyPr>
+              <a:lstStyle/>
+              <a:p>
+                <a:pPr/>
+                <a14:m>
+                  <m:oMathPara xmlns:m="http://schemas.openxmlformats.org/officeDocument/2006/math">
+                    <m:oMathParaPr>
+                      <m:jc m:val="centerGroup"/>
+                    </m:oMathParaPr>
+                    <m:oMath xmlns:m="http://schemas.openxmlformats.org/officeDocument/2006/math">
+                      <m:r>
+                        <a:rPr lang="en-US" sz="1200" b="0" i="1" smtClean="0">
+                          <a:latin typeface="Cambria Math" panose="02040503050406030204" pitchFamily="18" charset="0"/>
+                        </a:rPr>
+                        <m:t>𝑂</m:t>
+                      </m:r>
+                    </m:oMath>
+                  </m:oMathPara>
+                </a14:m>
+                <a:endParaRPr lang="en-US" sz="1200" dirty="0"/>
+              </a:p>
+            </p:txBody>
+          </p:sp>
+        </mc:Choice>
+        <mc:Fallback>
+          <p:sp>
+            <p:nvSpPr>
+              <p:cNvPr id="36" name="TextBox 35">
+                <a:extLst>
+                  <a:ext uri="{FF2B5EF4-FFF2-40B4-BE49-F238E27FC236}">
+                    <a16:creationId xmlns:a16="http://schemas.microsoft.com/office/drawing/2014/main" id="{4D6D8DA7-3A1A-495D-B010-B7F83F854DBD}"/>
+                  </a:ext>
+                </a:extLst>
+              </p:cNvPr>
+              <p:cNvSpPr txBox="1">
+                <a:spLocks noRot="1" noChangeAspect="1" noMove="1" noResize="1" noEditPoints="1" noAdjustHandles="1" noChangeArrowheads="1" noChangeShapeType="1" noTextEdit="1"/>
+              </p:cNvSpPr>
+              <p:nvPr/>
+            </p:nvSpPr>
+            <p:spPr>
+              <a:xfrm>
+                <a:off x="1309499" y="2436659"/>
+                <a:ext cx="327910" cy="276999"/>
+              </a:xfrm>
+              <a:prstGeom prst="rect">
+                <a:avLst/>
+              </a:prstGeom>
+              <a:blipFill>
+                <a:blip r:embed="rId6"/>
+                <a:stretch>
+                  <a:fillRect/>
+                </a:stretch>
+              </a:blipFill>
+            </p:spPr>
+            <p:txBody>
+              <a:bodyPr/>
+              <a:lstStyle/>
+              <a:p>
+                <a:r>
+                  <a:rPr lang="en-US">
+                    <a:noFill/>
+                  </a:rPr>
+                  <a:t> </a:t>
+                </a:r>
+              </a:p>
+            </p:txBody>
+          </p:sp>
+        </mc:Fallback>
+      </mc:AlternateContent>
+      <mc:AlternateContent xmlns:mc="http://schemas.openxmlformats.org/markup-compatibility/2006">
+        <mc:Choice xmlns:a14="http://schemas.microsoft.com/office/drawing/2010/main" Requires="a14">
+          <p:sp>
+            <p:nvSpPr>
+              <p:cNvPr id="37" name="TextBox 36">
+                <a:extLst>
+                  <a:ext uri="{FF2B5EF4-FFF2-40B4-BE49-F238E27FC236}">
+                    <a16:creationId xmlns:a16="http://schemas.microsoft.com/office/drawing/2014/main" id="{BF1E4C60-3D30-45B9-9342-6B847B008391}"/>
+                  </a:ext>
+                </a:extLst>
+              </p:cNvPr>
+              <p:cNvSpPr txBox="1"/>
+              <p:nvPr/>
+            </p:nvSpPr>
+            <p:spPr>
+              <a:xfrm>
+                <a:off x="5529426" y="2575157"/>
+                <a:ext cx="327910" cy="276999"/>
+              </a:xfrm>
+              <a:prstGeom prst="rect">
+                <a:avLst/>
+              </a:prstGeom>
+              <a:noFill/>
+            </p:spPr>
+            <p:txBody>
+              <a:bodyPr wrap="none" rtlCol="0">
+                <a:spAutoFit/>
+              </a:bodyPr>
+              <a:lstStyle/>
+              <a:p>
+                <a:pPr/>
+                <a14:m>
+                  <m:oMathPara xmlns:m="http://schemas.openxmlformats.org/officeDocument/2006/math">
+                    <m:oMathParaPr>
+                      <m:jc m:val="centerGroup"/>
+                    </m:oMathParaPr>
+                    <m:oMath xmlns:m="http://schemas.openxmlformats.org/officeDocument/2006/math">
+                      <m:r>
+                        <a:rPr lang="en-US" sz="1200" b="0" i="1" smtClean="0">
+                          <a:latin typeface="Cambria Math" panose="02040503050406030204" pitchFamily="18" charset="0"/>
+                        </a:rPr>
+                        <m:t>𝑂</m:t>
+                      </m:r>
+                    </m:oMath>
+                  </m:oMathPara>
+                </a14:m>
+                <a:endParaRPr lang="en-US" sz="1200" dirty="0"/>
+              </a:p>
+            </p:txBody>
+          </p:sp>
+        </mc:Choice>
+        <mc:Fallback>
+          <p:sp>
+            <p:nvSpPr>
+              <p:cNvPr id="37" name="TextBox 36">
+                <a:extLst>
+                  <a:ext uri="{FF2B5EF4-FFF2-40B4-BE49-F238E27FC236}">
+                    <a16:creationId xmlns:a16="http://schemas.microsoft.com/office/drawing/2014/main" id="{BF1E4C60-3D30-45B9-9342-6B847B008391}"/>
+                  </a:ext>
+                </a:extLst>
+              </p:cNvPr>
+              <p:cNvSpPr txBox="1">
+                <a:spLocks noRot="1" noChangeAspect="1" noMove="1" noResize="1" noEditPoints="1" noAdjustHandles="1" noChangeArrowheads="1" noChangeShapeType="1" noTextEdit="1"/>
+              </p:cNvSpPr>
+              <p:nvPr/>
+            </p:nvSpPr>
+            <p:spPr>
+              <a:xfrm>
+                <a:off x="5529426" y="2575157"/>
+                <a:ext cx="327910" cy="276999"/>
+              </a:xfrm>
+              <a:prstGeom prst="rect">
+                <a:avLst/>
+              </a:prstGeom>
+              <a:blipFill>
+                <a:blip r:embed="rId7"/>
+                <a:stretch>
+                  <a:fillRect/>
+                </a:stretch>
+              </a:blipFill>
+            </p:spPr>
+            <p:txBody>
+              <a:bodyPr/>
+              <a:lstStyle/>
+              <a:p>
+                <a:r>
+                  <a:rPr lang="en-US">
+                    <a:noFill/>
+                  </a:rPr>
+                  <a:t> </a:t>
+                </a:r>
+              </a:p>
+            </p:txBody>
+          </p:sp>
+        </mc:Fallback>
+      </mc:AlternateContent>
+      <mc:AlternateContent xmlns:mc="http://schemas.openxmlformats.org/markup-compatibility/2006">
+        <mc:Choice xmlns:a14="http://schemas.microsoft.com/office/drawing/2010/main" Requires="a14">
+          <p:sp>
+            <p:nvSpPr>
+              <p:cNvPr id="38" name="TextBox 37">
+                <a:extLst>
+                  <a:ext uri="{FF2B5EF4-FFF2-40B4-BE49-F238E27FC236}">
+                    <a16:creationId xmlns:a16="http://schemas.microsoft.com/office/drawing/2014/main" id="{1241DAA3-F61A-41A0-905B-B3E501F7BD89}"/>
+                  </a:ext>
+                </a:extLst>
+              </p:cNvPr>
+              <p:cNvSpPr txBox="1"/>
+              <p:nvPr/>
+            </p:nvSpPr>
+            <p:spPr>
+              <a:xfrm>
+                <a:off x="7127511" y="2575158"/>
+                <a:ext cx="309123" cy="276999"/>
+              </a:xfrm>
+              <a:prstGeom prst="rect">
+                <a:avLst/>
+              </a:prstGeom>
+              <a:noFill/>
+            </p:spPr>
+            <p:txBody>
+              <a:bodyPr wrap="none" rtlCol="0">
+                <a:spAutoFit/>
+              </a:bodyPr>
+              <a:lstStyle/>
+              <a:p>
+                <a:pPr/>
+                <a14:m>
+                  <m:oMathPara xmlns:m="http://schemas.openxmlformats.org/officeDocument/2006/math">
+                    <m:oMathParaPr>
+                      <m:jc m:val="centerGroup"/>
+                    </m:oMathParaPr>
+                    <m:oMath xmlns:m="http://schemas.openxmlformats.org/officeDocument/2006/math">
+                      <m:r>
+                        <a:rPr lang="en-US" sz="1200" b="0" i="1" smtClean="0">
+                          <a:latin typeface="Cambria Math" panose="02040503050406030204" pitchFamily="18" charset="0"/>
+                        </a:rPr>
+                        <m:t>𝑦</m:t>
+                      </m:r>
+                    </m:oMath>
+                  </m:oMathPara>
+                </a14:m>
+                <a:endParaRPr lang="en-US" sz="1200" dirty="0"/>
+              </a:p>
+            </p:txBody>
+          </p:sp>
+        </mc:Choice>
+        <mc:Fallback>
+          <p:sp>
+            <p:nvSpPr>
+              <p:cNvPr id="38" name="TextBox 37">
+                <a:extLst>
+                  <a:ext uri="{FF2B5EF4-FFF2-40B4-BE49-F238E27FC236}">
+                    <a16:creationId xmlns:a16="http://schemas.microsoft.com/office/drawing/2014/main" id="{1241DAA3-F61A-41A0-905B-B3E501F7BD89}"/>
+                  </a:ext>
+                </a:extLst>
+              </p:cNvPr>
+              <p:cNvSpPr txBox="1">
+                <a:spLocks noRot="1" noChangeAspect="1" noMove="1" noResize="1" noEditPoints="1" noAdjustHandles="1" noChangeArrowheads="1" noChangeShapeType="1" noTextEdit="1"/>
+              </p:cNvSpPr>
+              <p:nvPr/>
+            </p:nvSpPr>
+            <p:spPr>
+              <a:xfrm>
+                <a:off x="7127511" y="2575158"/>
+                <a:ext cx="309123" cy="276999"/>
+              </a:xfrm>
+              <a:prstGeom prst="rect">
+                <a:avLst/>
+              </a:prstGeom>
+              <a:blipFill>
+                <a:blip r:embed="rId8"/>
+                <a:stretch>
+                  <a:fillRect/>
+                </a:stretch>
+              </a:blipFill>
+            </p:spPr>
+            <p:txBody>
+              <a:bodyPr/>
+              <a:lstStyle/>
+              <a:p>
+                <a:r>
+                  <a:rPr lang="en-US">
+                    <a:noFill/>
+                  </a:rPr>
+                  <a:t> </a:t>
+                </a:r>
+              </a:p>
+            </p:txBody>
+          </p:sp>
+        </mc:Fallback>
+      </mc:AlternateContent>
+      <mc:AlternateContent xmlns:mc="http://schemas.openxmlformats.org/markup-compatibility/2006">
+        <mc:Choice xmlns:a14="http://schemas.microsoft.com/office/drawing/2010/main" Requires="a14">
+          <p:sp>
+            <p:nvSpPr>
+              <p:cNvPr id="39" name="TextBox 38">
+                <a:extLst>
+                  <a:ext uri="{FF2B5EF4-FFF2-40B4-BE49-F238E27FC236}">
+                    <a16:creationId xmlns:a16="http://schemas.microsoft.com/office/drawing/2014/main" id="{EF45C652-8EEC-499C-9ADD-352BFD4FD54F}"/>
+                  </a:ext>
+                </a:extLst>
+              </p:cNvPr>
+              <p:cNvSpPr txBox="1"/>
+              <p:nvPr/>
+            </p:nvSpPr>
+            <p:spPr>
+              <a:xfrm>
+                <a:off x="5607170" y="728458"/>
+                <a:ext cx="296299" cy="276999"/>
+              </a:xfrm>
+              <a:prstGeom prst="rect">
+                <a:avLst/>
+              </a:prstGeom>
+              <a:noFill/>
+            </p:spPr>
+            <p:txBody>
+              <a:bodyPr wrap="none" rtlCol="0">
+                <a:spAutoFit/>
+              </a:bodyPr>
+              <a:lstStyle/>
+              <a:p>
+                <a:pPr/>
+                <a14:m>
+                  <m:oMathPara xmlns:m="http://schemas.openxmlformats.org/officeDocument/2006/math">
+                    <m:oMathParaPr>
+                      <m:jc m:val="centerGroup"/>
+                    </m:oMathParaPr>
+                    <m:oMath xmlns:m="http://schemas.openxmlformats.org/officeDocument/2006/math">
+                      <m:r>
+                        <a:rPr lang="en-US" sz="1200" b="0" i="1" smtClean="0">
+                          <a:latin typeface="Cambria Math" panose="02040503050406030204" pitchFamily="18" charset="0"/>
+                        </a:rPr>
+                        <m:t>𝑧</m:t>
+                      </m:r>
+                    </m:oMath>
+                  </m:oMathPara>
+                </a14:m>
+                <a:endParaRPr lang="en-US" sz="1200" dirty="0"/>
+              </a:p>
+            </p:txBody>
+          </p:sp>
+        </mc:Choice>
+        <mc:Fallback>
+          <p:sp>
+            <p:nvSpPr>
+              <p:cNvPr id="39" name="TextBox 38">
+                <a:extLst>
+                  <a:ext uri="{FF2B5EF4-FFF2-40B4-BE49-F238E27FC236}">
+                    <a16:creationId xmlns:a16="http://schemas.microsoft.com/office/drawing/2014/main" id="{EF45C652-8EEC-499C-9ADD-352BFD4FD54F}"/>
+                  </a:ext>
+                </a:extLst>
+              </p:cNvPr>
+              <p:cNvSpPr txBox="1">
+                <a:spLocks noRot="1" noChangeAspect="1" noMove="1" noResize="1" noEditPoints="1" noAdjustHandles="1" noChangeArrowheads="1" noChangeShapeType="1" noTextEdit="1"/>
+              </p:cNvSpPr>
+              <p:nvPr/>
+            </p:nvSpPr>
+            <p:spPr>
+              <a:xfrm>
+                <a:off x="5607170" y="728458"/>
+                <a:ext cx="296299" cy="276999"/>
+              </a:xfrm>
+              <a:prstGeom prst="rect">
+                <a:avLst/>
+              </a:prstGeom>
+              <a:blipFill>
+                <a:blip r:embed="rId9"/>
+                <a:stretch>
+                  <a:fillRect/>
+                </a:stretch>
+              </a:blipFill>
+            </p:spPr>
+            <p:txBody>
+              <a:bodyPr/>
+              <a:lstStyle/>
+              <a:p>
+                <a:r>
+                  <a:rPr lang="en-US">
+                    <a:noFill/>
+                  </a:rPr>
+                  <a:t> </a:t>
+                </a:r>
+              </a:p>
+            </p:txBody>
+          </p:sp>
+        </mc:Fallback>
+      </mc:AlternateContent>
+      <p:sp>
+        <p:nvSpPr>
+          <p:cNvPr id="42" name="Freeform: Shape 41">
+            <a:extLst>
+              <a:ext uri="{FF2B5EF4-FFF2-40B4-BE49-F238E27FC236}">
+                <a16:creationId xmlns:a16="http://schemas.microsoft.com/office/drawing/2014/main" id="{EBCD764E-5D17-4857-AA26-12080E2D3150}"/>
+              </a:ext>
+            </a:extLst>
+          </p:cNvPr>
+          <p:cNvSpPr/>
+          <p:nvPr/>
+        </p:nvSpPr>
+        <p:spPr>
+          <a:xfrm>
+            <a:off x="5883215" y="1440611"/>
+            <a:ext cx="1337094" cy="888521"/>
+          </a:xfrm>
+          <a:custGeom>
+            <a:avLst/>
+            <a:gdLst>
+              <a:gd name="connsiteX0" fmla="*/ 0 w 1337094"/>
+              <a:gd name="connsiteY0" fmla="*/ 888521 h 888521"/>
+              <a:gd name="connsiteX1" fmla="*/ 276045 w 1337094"/>
+              <a:gd name="connsiteY1" fmla="*/ 284672 h 888521"/>
+              <a:gd name="connsiteX2" fmla="*/ 776377 w 1337094"/>
+              <a:gd name="connsiteY2" fmla="*/ 34506 h 888521"/>
+              <a:gd name="connsiteX3" fmla="*/ 1337094 w 1337094"/>
+              <a:gd name="connsiteY3" fmla="*/ 0 h 888521"/>
+            </a:gdLst>
+            <a:ahLst/>
+            <a:cxnLst>
+              <a:cxn ang="0">
+                <a:pos x="connsiteX0" y="connsiteY0"/>
+              </a:cxn>
+              <a:cxn ang="0">
+                <a:pos x="connsiteX1" y="connsiteY1"/>
+              </a:cxn>
+              <a:cxn ang="0">
+                <a:pos x="connsiteX2" y="connsiteY2"/>
+              </a:cxn>
+              <a:cxn ang="0">
+                <a:pos x="connsiteX3" y="connsiteY3"/>
+              </a:cxn>
+            </a:cxnLst>
+            <a:rect l="l" t="t" r="r" b="b"/>
+            <a:pathLst>
+              <a:path w="1337094" h="888521">
+                <a:moveTo>
+                  <a:pt x="0" y="888521"/>
+                </a:moveTo>
+                <a:cubicBezTo>
+                  <a:pt x="73324" y="657764"/>
+                  <a:pt x="146649" y="427008"/>
+                  <a:pt x="276045" y="284672"/>
+                </a:cubicBezTo>
+                <a:cubicBezTo>
+                  <a:pt x="405441" y="142336"/>
+                  <a:pt x="599536" y="81951"/>
+                  <a:pt x="776377" y="34506"/>
+                </a:cubicBezTo>
+                <a:cubicBezTo>
+                  <a:pt x="953219" y="-12939"/>
+                  <a:pt x="1229264" y="5751"/>
+                  <a:pt x="1337094" y="0"/>
+                </a:cubicBezTo>
+              </a:path>
+            </a:pathLst>
+          </a:custGeom>
+          <a:ln w="12700"/>
+        </p:spPr>
+        <p:style>
+          <a:lnRef idx="1">
+            <a:schemeClr val="dk1"/>
+          </a:lnRef>
+          <a:fillRef idx="0">
+            <a:schemeClr val="dk1"/>
+          </a:fillRef>
+          <a:effectRef idx="0">
+            <a:schemeClr val="dk1"/>
+          </a:effectRef>
+          <a:fontRef idx="minor">
+            <a:schemeClr val="tx1"/>
+          </a:fontRef>
+        </p:style>
+        <p:txBody>
+          <a:bodyPr rtlCol="0" anchor="ctr"/>
+          <a:lstStyle/>
+          <a:p>
+            <a:pPr algn="ctr"/>
+            <a:endParaRPr lang="en-US"/>
+          </a:p>
+        </p:txBody>
+      </p:sp>
+      <p:cxnSp>
+        <p:nvCxnSpPr>
+          <p:cNvPr id="55" name="Straight Connector 54">
+            <a:extLst>
+              <a:ext uri="{FF2B5EF4-FFF2-40B4-BE49-F238E27FC236}">
+                <a16:creationId xmlns:a16="http://schemas.microsoft.com/office/drawing/2014/main" id="{29005273-F71B-40CF-BC4D-4EE0BBD61237}"/>
+              </a:ext>
+            </a:extLst>
+          </p:cNvPr>
+          <p:cNvCxnSpPr>
+            <a:stCxn id="42" idx="1"/>
+          </p:cNvCxnSpPr>
+          <p:nvPr/>
+        </p:nvCxnSpPr>
+        <p:spPr>
+          <a:xfrm flipH="1" flipV="1">
+            <a:off x="6096000" y="1639019"/>
+            <a:ext cx="63260" cy="86264"/>
+          </a:xfrm>
+          <a:prstGeom prst="line">
+            <a:avLst/>
+          </a:prstGeom>
+          <a:ln w="12700"/>
+        </p:spPr>
+        <p:style>
+          <a:lnRef idx="1">
+            <a:schemeClr val="dk1"/>
+          </a:lnRef>
+          <a:fillRef idx="0">
+            <a:schemeClr val="dk1"/>
+          </a:fillRef>
+          <a:effectRef idx="0">
+            <a:schemeClr val="dk1"/>
+          </a:effectRef>
+          <a:fontRef idx="minor">
+            <a:schemeClr val="tx1"/>
+          </a:fontRef>
+        </p:style>
+      </p:cxnSp>
+      <p:cxnSp>
+        <p:nvCxnSpPr>
+          <p:cNvPr id="59" name="Straight Connector 58">
+            <a:extLst>
+              <a:ext uri="{FF2B5EF4-FFF2-40B4-BE49-F238E27FC236}">
+                <a16:creationId xmlns:a16="http://schemas.microsoft.com/office/drawing/2014/main" id="{F6FDF9A9-61CE-4B8A-8504-8AE8EFF3C076}"/>
+              </a:ext>
+            </a:extLst>
+          </p:cNvPr>
+          <p:cNvCxnSpPr>
+            <a:cxnSpLocks/>
+            <a:stCxn id="42" idx="2"/>
+          </p:cNvCxnSpPr>
+          <p:nvPr/>
+        </p:nvCxnSpPr>
+        <p:spPr>
+          <a:xfrm flipH="1" flipV="1">
+            <a:off x="6581955" y="1380226"/>
+            <a:ext cx="77637" cy="94891"/>
+          </a:xfrm>
+          <a:prstGeom prst="line">
+            <a:avLst/>
+          </a:prstGeom>
+          <a:ln w="12700"/>
+        </p:spPr>
+        <p:style>
+          <a:lnRef idx="1">
+            <a:schemeClr val="dk1"/>
+          </a:lnRef>
+          <a:fillRef idx="0">
+            <a:schemeClr val="dk1"/>
+          </a:fillRef>
+          <a:effectRef idx="0">
+            <a:schemeClr val="dk1"/>
+          </a:effectRef>
+          <a:fontRef idx="minor">
+            <a:schemeClr val="tx1"/>
+          </a:fontRef>
+        </p:style>
+      </p:cxnSp>
+      <mc:AlternateContent xmlns:mc="http://schemas.openxmlformats.org/markup-compatibility/2006">
+        <mc:Choice xmlns:a14="http://schemas.microsoft.com/office/drawing/2010/main" Requires="a14">
+          <p:sp>
+            <p:nvSpPr>
+              <p:cNvPr id="78" name="TextBox 77">
+                <a:extLst>
+                  <a:ext uri="{FF2B5EF4-FFF2-40B4-BE49-F238E27FC236}">
+                    <a16:creationId xmlns:a16="http://schemas.microsoft.com/office/drawing/2014/main" id="{0928CBEE-FAC0-4720-8145-5178F1CAC5C2}"/>
+                  </a:ext>
+                </a:extLst>
+              </p:cNvPr>
+              <p:cNvSpPr txBox="1"/>
+              <p:nvPr/>
+            </p:nvSpPr>
+            <p:spPr>
+              <a:xfrm>
+                <a:off x="2158600" y="2385204"/>
+                <a:ext cx="476412" cy="276999"/>
+              </a:xfrm>
+              <a:prstGeom prst="rect">
+                <a:avLst/>
+              </a:prstGeom>
+              <a:noFill/>
+            </p:spPr>
+            <p:txBody>
+              <a:bodyPr wrap="none" rtlCol="0">
+                <a:spAutoFit/>
+              </a:bodyPr>
+              <a:lstStyle/>
+              <a:p>
+                <a:pPr/>
+                <a14:m>
+                  <m:oMathPara xmlns:m="http://schemas.openxmlformats.org/officeDocument/2006/math">
+                    <m:oMathParaPr>
+                      <m:jc m:val="centerGroup"/>
+                    </m:oMathParaPr>
+                    <m:oMath xmlns:m="http://schemas.openxmlformats.org/officeDocument/2006/math">
+                      <m:sSub>
+                        <m:sSubPr>
+                          <m:ctrlPr>
+                            <a:rPr lang="en-US" sz="1200" b="0" i="1" smtClean="0">
+                              <a:latin typeface="Cambria Math" panose="02040503050406030204" pitchFamily="18" charset="0"/>
+                            </a:rPr>
+                          </m:ctrlPr>
+                        </m:sSubPr>
+                        <m:e>
+                          <m:r>
+                            <a:rPr lang="en-US" sz="1200" b="0" i="1" smtClean="0">
+                              <a:latin typeface="Cambria Math" panose="02040503050406030204" pitchFamily="18" charset="0"/>
+                            </a:rPr>
+                            <m:t>𝑡</m:t>
+                          </m:r>
+                        </m:e>
+                        <m:sub>
+                          <m:r>
+                            <a:rPr lang="en-US" sz="1200" b="0" i="1" smtClean="0">
+                              <a:latin typeface="Cambria Math" panose="02040503050406030204" pitchFamily="18" charset="0"/>
+                            </a:rPr>
+                            <m:t>𝑖</m:t>
+                          </m:r>
+                          <m:r>
+                            <a:rPr lang="en-US" sz="1200" b="0" i="1" smtClean="0">
+                              <a:latin typeface="Cambria Math" panose="02040503050406030204" pitchFamily="18" charset="0"/>
+                            </a:rPr>
+                            <m:t>−1</m:t>
+                          </m:r>
+                        </m:sub>
+                      </m:sSub>
+                    </m:oMath>
+                  </m:oMathPara>
+                </a14:m>
+                <a:endParaRPr lang="en-US" sz="1200" dirty="0"/>
+              </a:p>
+            </p:txBody>
+          </p:sp>
+        </mc:Choice>
+        <mc:Fallback>
+          <p:sp>
+            <p:nvSpPr>
+              <p:cNvPr id="78" name="TextBox 77">
+                <a:extLst>
+                  <a:ext uri="{FF2B5EF4-FFF2-40B4-BE49-F238E27FC236}">
+                    <a16:creationId xmlns:a16="http://schemas.microsoft.com/office/drawing/2014/main" id="{0928CBEE-FAC0-4720-8145-5178F1CAC5C2}"/>
+                  </a:ext>
+                </a:extLst>
+              </p:cNvPr>
+              <p:cNvSpPr txBox="1">
+                <a:spLocks noRot="1" noChangeAspect="1" noMove="1" noResize="1" noEditPoints="1" noAdjustHandles="1" noChangeArrowheads="1" noChangeShapeType="1" noTextEdit="1"/>
+              </p:cNvSpPr>
+              <p:nvPr/>
+            </p:nvSpPr>
+            <p:spPr>
+              <a:xfrm>
+                <a:off x="2158600" y="2385204"/>
+                <a:ext cx="476412" cy="276999"/>
+              </a:xfrm>
+              <a:prstGeom prst="rect">
+                <a:avLst/>
+              </a:prstGeom>
+              <a:blipFill>
+                <a:blip r:embed="rId10"/>
+                <a:stretch>
+                  <a:fillRect/>
+                </a:stretch>
+              </a:blipFill>
+            </p:spPr>
+            <p:txBody>
+              <a:bodyPr/>
+              <a:lstStyle/>
+              <a:p>
+                <a:r>
+                  <a:rPr lang="en-US">
+                    <a:noFill/>
+                  </a:rPr>
+                  <a:t> </a:t>
+                </a:r>
+              </a:p>
+            </p:txBody>
+          </p:sp>
+        </mc:Fallback>
+      </mc:AlternateContent>
+      <mc:AlternateContent xmlns:mc="http://schemas.openxmlformats.org/markup-compatibility/2006">
+        <mc:Choice xmlns:a14="http://schemas.microsoft.com/office/drawing/2010/main" Requires="a14">
+          <p:sp>
+            <p:nvSpPr>
+              <p:cNvPr id="85" name="TextBox 84">
+                <a:extLst>
+                  <a:ext uri="{FF2B5EF4-FFF2-40B4-BE49-F238E27FC236}">
+                    <a16:creationId xmlns:a16="http://schemas.microsoft.com/office/drawing/2014/main" id="{4FCC15C2-2A37-4540-A573-CDAF80B785D8}"/>
+                  </a:ext>
+                </a:extLst>
+              </p:cNvPr>
+              <p:cNvSpPr txBox="1"/>
+              <p:nvPr/>
+            </p:nvSpPr>
+            <p:spPr>
+              <a:xfrm>
+                <a:off x="2593513" y="2394957"/>
+                <a:ext cx="328936" cy="276999"/>
+              </a:xfrm>
+              <a:prstGeom prst="rect">
+                <a:avLst/>
+              </a:prstGeom>
+              <a:noFill/>
+            </p:spPr>
+            <p:txBody>
+              <a:bodyPr wrap="none" rtlCol="0">
+                <a:spAutoFit/>
+              </a:bodyPr>
+              <a:lstStyle/>
+              <a:p>
+                <a:pPr/>
+                <a14:m>
+                  <m:oMathPara xmlns:m="http://schemas.openxmlformats.org/officeDocument/2006/math">
+                    <m:oMathParaPr>
+                      <m:jc m:val="centerGroup"/>
+                    </m:oMathParaPr>
+                    <m:oMath xmlns:m="http://schemas.openxmlformats.org/officeDocument/2006/math">
+                      <m:sSub>
+                        <m:sSubPr>
+                          <m:ctrlPr>
+                            <a:rPr lang="en-US" sz="1200" b="0" i="1" smtClean="0">
+                              <a:latin typeface="Cambria Math" panose="02040503050406030204" pitchFamily="18" charset="0"/>
+                            </a:rPr>
+                          </m:ctrlPr>
+                        </m:sSubPr>
+                        <m:e>
+                          <m:r>
+                            <a:rPr lang="en-US" sz="1200" b="0" i="1" smtClean="0">
+                              <a:latin typeface="Cambria Math" panose="02040503050406030204" pitchFamily="18" charset="0"/>
+                            </a:rPr>
+                            <m:t>𝑡</m:t>
+                          </m:r>
+                        </m:e>
+                        <m:sub>
+                          <m:r>
+                            <a:rPr lang="en-US" sz="1200" b="0" i="1" smtClean="0">
+                              <a:latin typeface="Cambria Math" panose="02040503050406030204" pitchFamily="18" charset="0"/>
+                            </a:rPr>
+                            <m:t>𝑖</m:t>
+                          </m:r>
+                        </m:sub>
+                      </m:sSub>
+                    </m:oMath>
+                  </m:oMathPara>
+                </a14:m>
+                <a:endParaRPr lang="en-US" sz="1200" dirty="0"/>
+              </a:p>
+            </p:txBody>
+          </p:sp>
+        </mc:Choice>
+        <mc:Fallback>
+          <p:sp>
+            <p:nvSpPr>
+              <p:cNvPr id="85" name="TextBox 84">
+                <a:extLst>
+                  <a:ext uri="{FF2B5EF4-FFF2-40B4-BE49-F238E27FC236}">
+                    <a16:creationId xmlns:a16="http://schemas.microsoft.com/office/drawing/2014/main" id="{4FCC15C2-2A37-4540-A573-CDAF80B785D8}"/>
+                  </a:ext>
+                </a:extLst>
+              </p:cNvPr>
+              <p:cNvSpPr txBox="1">
+                <a:spLocks noRot="1" noChangeAspect="1" noMove="1" noResize="1" noEditPoints="1" noAdjustHandles="1" noChangeArrowheads="1" noChangeShapeType="1" noTextEdit="1"/>
+              </p:cNvSpPr>
+              <p:nvPr/>
+            </p:nvSpPr>
+            <p:spPr>
+              <a:xfrm>
+                <a:off x="2593513" y="2394957"/>
+                <a:ext cx="328936" cy="276999"/>
+              </a:xfrm>
+              <a:prstGeom prst="rect">
+                <a:avLst/>
+              </a:prstGeom>
+              <a:blipFill>
+                <a:blip r:embed="rId11"/>
+                <a:stretch>
+                  <a:fillRect/>
+                </a:stretch>
+              </a:blipFill>
+            </p:spPr>
+            <p:txBody>
+              <a:bodyPr/>
+              <a:lstStyle/>
+              <a:p>
+                <a:r>
+                  <a:rPr lang="en-US">
+                    <a:noFill/>
+                  </a:rPr>
+                  <a:t> </a:t>
+                </a:r>
+              </a:p>
+            </p:txBody>
+          </p:sp>
+        </mc:Fallback>
+      </mc:AlternateContent>
+      <p:cxnSp>
+        <p:nvCxnSpPr>
+          <p:cNvPr id="87" name="Straight Arrow Connector 86">
+            <a:extLst>
+              <a:ext uri="{FF2B5EF4-FFF2-40B4-BE49-F238E27FC236}">
+                <a16:creationId xmlns:a16="http://schemas.microsoft.com/office/drawing/2014/main" id="{9649FB1D-7243-4597-8E2C-C2B5286A7E9C}"/>
+              </a:ext>
+            </a:extLst>
+          </p:cNvPr>
+          <p:cNvCxnSpPr>
+            <a:cxnSpLocks/>
+            <a:endCxn id="42" idx="1"/>
+          </p:cNvCxnSpPr>
+          <p:nvPr/>
+        </p:nvCxnSpPr>
+        <p:spPr>
+          <a:xfrm flipV="1">
+            <a:off x="5607169" y="1725283"/>
+            <a:ext cx="552091" cy="824604"/>
+          </a:xfrm>
+          <a:prstGeom prst="straightConnector1">
+            <a:avLst/>
+          </a:prstGeom>
+          <a:ln>
+            <a:tailEnd type="triangle"/>
+          </a:ln>
+        </p:spPr>
+        <p:style>
+          <a:lnRef idx="1">
+            <a:schemeClr val="dk1"/>
+          </a:lnRef>
+          <a:fillRef idx="0">
+            <a:schemeClr val="dk1"/>
+          </a:fillRef>
+          <a:effectRef idx="0">
+            <a:schemeClr val="dk1"/>
+          </a:effectRef>
+          <a:fontRef idx="minor">
+            <a:schemeClr val="tx1"/>
+          </a:fontRef>
+        </p:style>
+      </p:cxnSp>
+      <p:cxnSp>
+        <p:nvCxnSpPr>
+          <p:cNvPr id="94" name="Straight Arrow Connector 93">
+            <a:extLst>
+              <a:ext uri="{FF2B5EF4-FFF2-40B4-BE49-F238E27FC236}">
+                <a16:creationId xmlns:a16="http://schemas.microsoft.com/office/drawing/2014/main" id="{C7608BB1-FB29-4083-9980-CBE1E17A76AB}"/>
+              </a:ext>
+            </a:extLst>
+          </p:cNvPr>
+          <p:cNvCxnSpPr>
+            <a:cxnSpLocks/>
+            <a:endCxn id="42" idx="2"/>
+          </p:cNvCxnSpPr>
+          <p:nvPr/>
+        </p:nvCxnSpPr>
+        <p:spPr>
+          <a:xfrm flipV="1">
+            <a:off x="5607169" y="1475117"/>
+            <a:ext cx="1052423" cy="1074770"/>
+          </a:xfrm>
+          <a:prstGeom prst="straightConnector1">
+            <a:avLst/>
+          </a:prstGeom>
+          <a:ln>
+            <a:tailEnd type="triangle"/>
+          </a:ln>
+        </p:spPr>
+        <p:style>
+          <a:lnRef idx="1">
+            <a:schemeClr val="dk1"/>
+          </a:lnRef>
+          <a:fillRef idx="0">
+            <a:schemeClr val="dk1"/>
+          </a:fillRef>
+          <a:effectRef idx="0">
+            <a:schemeClr val="dk1"/>
+          </a:effectRef>
+          <a:fontRef idx="minor">
+            <a:schemeClr val="tx1"/>
+          </a:fontRef>
+        </p:style>
+      </p:cxnSp>
+      <p:cxnSp>
+        <p:nvCxnSpPr>
+          <p:cNvPr id="96" name="Straight Arrow Connector 95">
+            <a:extLst>
+              <a:ext uri="{FF2B5EF4-FFF2-40B4-BE49-F238E27FC236}">
+                <a16:creationId xmlns:a16="http://schemas.microsoft.com/office/drawing/2014/main" id="{56DE5AB7-B3A3-497E-9284-1AE20AEF9C0C}"/>
+              </a:ext>
+            </a:extLst>
+          </p:cNvPr>
+          <p:cNvCxnSpPr>
+            <a:cxnSpLocks/>
+            <a:stCxn id="42" idx="1"/>
+            <a:endCxn id="42" idx="2"/>
+          </p:cNvCxnSpPr>
+          <p:nvPr/>
+        </p:nvCxnSpPr>
+        <p:spPr>
+          <a:xfrm flipV="1">
+            <a:off x="6159260" y="1475117"/>
+            <a:ext cx="500332" cy="250166"/>
+          </a:xfrm>
+          <a:prstGeom prst="straightConnector1">
+            <a:avLst/>
+          </a:prstGeom>
+          <a:ln>
+            <a:tailEnd type="triangle"/>
+          </a:ln>
+        </p:spPr>
+        <p:style>
+          <a:lnRef idx="2">
+            <a:schemeClr val="accent1"/>
+          </a:lnRef>
+          <a:fillRef idx="0">
+            <a:schemeClr val="accent1"/>
+          </a:fillRef>
+          <a:effectRef idx="1">
+            <a:schemeClr val="accent1"/>
+          </a:effectRef>
+          <a:fontRef idx="minor">
+            <a:schemeClr val="tx1"/>
+          </a:fontRef>
+        </p:style>
+      </p:cxnSp>
+      <p:cxnSp>
+        <p:nvCxnSpPr>
+          <p:cNvPr id="103" name="Straight Connector 102">
+            <a:extLst>
+              <a:ext uri="{FF2B5EF4-FFF2-40B4-BE49-F238E27FC236}">
+                <a16:creationId xmlns:a16="http://schemas.microsoft.com/office/drawing/2014/main" id="{F633FC40-46F6-4BFE-88BC-A3E84F709448}"/>
+              </a:ext>
+            </a:extLst>
+          </p:cNvPr>
+          <p:cNvCxnSpPr>
+            <a:cxnSpLocks/>
+          </p:cNvCxnSpPr>
+          <p:nvPr/>
+        </p:nvCxnSpPr>
+        <p:spPr>
+          <a:xfrm>
+            <a:off x="2295065" y="2424023"/>
+            <a:ext cx="445662" cy="0"/>
+          </a:xfrm>
+          <a:prstGeom prst="line">
+            <a:avLst/>
+          </a:prstGeom>
+        </p:spPr>
+        <p:style>
+          <a:lnRef idx="3">
+            <a:schemeClr val="accent1"/>
+          </a:lnRef>
+          <a:fillRef idx="0">
+            <a:schemeClr val="accent1"/>
+          </a:fillRef>
+          <a:effectRef idx="2">
+            <a:schemeClr val="accent1"/>
+          </a:effectRef>
+          <a:fontRef idx="minor">
+            <a:schemeClr val="tx1"/>
+          </a:fontRef>
+        </p:style>
+      </p:cxnSp>
+      <mc:AlternateContent xmlns:mc="http://schemas.openxmlformats.org/markup-compatibility/2006">
+        <mc:Choice xmlns:a14="http://schemas.microsoft.com/office/drawing/2010/main" Requires="a14">
+          <p:sp>
+            <p:nvSpPr>
+              <p:cNvPr id="110" name="TextBox 109">
+                <a:extLst>
+                  <a:ext uri="{FF2B5EF4-FFF2-40B4-BE49-F238E27FC236}">
+                    <a16:creationId xmlns:a16="http://schemas.microsoft.com/office/drawing/2014/main" id="{A1882EE4-2C07-440D-9C6E-C5825B151DE8}"/>
+                  </a:ext>
+                </a:extLst>
+              </p:cNvPr>
+              <p:cNvSpPr txBox="1"/>
+              <p:nvPr/>
+            </p:nvSpPr>
+            <p:spPr>
+              <a:xfrm>
+                <a:off x="5529426" y="1543651"/>
+                <a:ext cx="681790" cy="276999"/>
+              </a:xfrm>
+              <a:prstGeom prst="rect">
+                <a:avLst/>
+              </a:prstGeom>
+              <a:noFill/>
+            </p:spPr>
+            <p:txBody>
+              <a:bodyPr wrap="none" rtlCol="0">
+                <a:spAutoFit/>
+              </a:bodyPr>
+              <a:lstStyle/>
+              <a:p>
+                <a:pPr/>
+                <a14:m>
+                  <m:oMathPara xmlns:m="http://schemas.openxmlformats.org/officeDocument/2006/math">
+                    <m:oMathParaPr>
+                      <m:jc m:val="centerGroup"/>
+                    </m:oMathParaPr>
+                    <m:oMath xmlns:m="http://schemas.openxmlformats.org/officeDocument/2006/math">
+                      <m:acc>
+                        <m:accPr>
+                          <m:chr m:val="⃗"/>
+                          <m:ctrlPr>
+                            <a:rPr lang="en-US" sz="1200" b="0" i="1" smtClean="0">
+                              <a:latin typeface="Cambria Math" panose="02040503050406030204" pitchFamily="18" charset="0"/>
+                            </a:rPr>
+                          </m:ctrlPr>
+                        </m:accPr>
+                        <m:e>
+                          <m:r>
+                            <a:rPr lang="en-US" sz="1200" b="0" i="1" smtClean="0">
+                              <a:latin typeface="Cambria Math" panose="02040503050406030204" pitchFamily="18" charset="0"/>
+                            </a:rPr>
+                            <m:t>𝑟</m:t>
+                          </m:r>
+                        </m:e>
+                      </m:acc>
+                      <m:r>
+                        <a:rPr lang="en-US" sz="1200" b="0" i="1" smtClean="0">
+                          <a:latin typeface="Cambria Math" panose="02040503050406030204" pitchFamily="18" charset="0"/>
+                        </a:rPr>
+                        <m:t>(</m:t>
+                      </m:r>
+                      <m:sSub>
+                        <m:sSubPr>
+                          <m:ctrlPr>
+                            <a:rPr lang="en-US" sz="1200" b="0" i="1" smtClean="0">
+                              <a:latin typeface="Cambria Math" panose="02040503050406030204" pitchFamily="18" charset="0"/>
+                            </a:rPr>
+                          </m:ctrlPr>
+                        </m:sSubPr>
+                        <m:e>
+                          <m:r>
+                            <a:rPr lang="en-US" sz="1200" b="0" i="1" smtClean="0">
+                              <a:latin typeface="Cambria Math" panose="02040503050406030204" pitchFamily="18" charset="0"/>
+                            </a:rPr>
+                            <m:t>𝑡</m:t>
+                          </m:r>
+                        </m:e>
+                        <m:sub>
+                          <m:r>
+                            <a:rPr lang="en-US" sz="1200" b="0" i="1" smtClean="0">
+                              <a:latin typeface="Cambria Math" panose="02040503050406030204" pitchFamily="18" charset="0"/>
+                            </a:rPr>
+                            <m:t>𝑖</m:t>
+                          </m:r>
+                          <m:r>
+                            <a:rPr lang="en-US" sz="1200" b="0" i="1" smtClean="0">
+                              <a:latin typeface="Cambria Math" panose="02040503050406030204" pitchFamily="18" charset="0"/>
+                            </a:rPr>
+                            <m:t>−1</m:t>
+                          </m:r>
+                        </m:sub>
+                      </m:sSub>
+                      <m:r>
+                        <a:rPr lang="en-US" sz="1200" b="0" i="1" smtClean="0">
+                          <a:latin typeface="Cambria Math" panose="02040503050406030204" pitchFamily="18" charset="0"/>
+                        </a:rPr>
+                        <m:t>)</m:t>
+                      </m:r>
+                    </m:oMath>
+                  </m:oMathPara>
+                </a14:m>
+                <a:endParaRPr lang="en-US" sz="1200" dirty="0"/>
+              </a:p>
+            </p:txBody>
+          </p:sp>
+        </mc:Choice>
+        <mc:Fallback>
+          <p:sp>
+            <p:nvSpPr>
+              <p:cNvPr id="110" name="TextBox 109">
+                <a:extLst>
+                  <a:ext uri="{FF2B5EF4-FFF2-40B4-BE49-F238E27FC236}">
+                    <a16:creationId xmlns:a16="http://schemas.microsoft.com/office/drawing/2014/main" id="{A1882EE4-2C07-440D-9C6E-C5825B151DE8}"/>
+                  </a:ext>
+                </a:extLst>
+              </p:cNvPr>
+              <p:cNvSpPr txBox="1">
+                <a:spLocks noRot="1" noChangeAspect="1" noMove="1" noResize="1" noEditPoints="1" noAdjustHandles="1" noChangeArrowheads="1" noChangeShapeType="1" noTextEdit="1"/>
+              </p:cNvSpPr>
+              <p:nvPr/>
+            </p:nvSpPr>
+            <p:spPr>
+              <a:xfrm>
+                <a:off x="5529426" y="1543651"/>
+                <a:ext cx="681790" cy="276999"/>
+              </a:xfrm>
+              <a:prstGeom prst="rect">
+                <a:avLst/>
+              </a:prstGeom>
+              <a:blipFill>
+                <a:blip r:embed="rId12"/>
+                <a:stretch>
+                  <a:fillRect t="-2174" b="-6522"/>
+                </a:stretch>
+              </a:blipFill>
+            </p:spPr>
+            <p:txBody>
+              <a:bodyPr/>
+              <a:lstStyle/>
+              <a:p>
+                <a:r>
+                  <a:rPr lang="en-US">
+                    <a:noFill/>
+                  </a:rPr>
+                  <a:t> </a:t>
+                </a:r>
+              </a:p>
+            </p:txBody>
+          </p:sp>
+        </mc:Fallback>
+      </mc:AlternateContent>
+      <mc:AlternateContent xmlns:mc="http://schemas.openxmlformats.org/markup-compatibility/2006">
+        <mc:Choice xmlns:a14="http://schemas.microsoft.com/office/drawing/2010/main" Requires="a14">
+          <p:sp>
+            <p:nvSpPr>
+              <p:cNvPr id="111" name="TextBox 110">
+                <a:extLst>
+                  <a:ext uri="{FF2B5EF4-FFF2-40B4-BE49-F238E27FC236}">
+                    <a16:creationId xmlns:a16="http://schemas.microsoft.com/office/drawing/2014/main" id="{9A2864EB-CC98-48F5-ABC4-040A323F8537}"/>
+                  </a:ext>
+                </a:extLst>
+              </p:cNvPr>
+              <p:cNvSpPr txBox="1"/>
+              <p:nvPr/>
+            </p:nvSpPr>
+            <p:spPr>
+              <a:xfrm>
+                <a:off x="6593198" y="1187487"/>
+                <a:ext cx="534313" cy="276999"/>
+              </a:xfrm>
+              <a:prstGeom prst="rect">
+                <a:avLst/>
+              </a:prstGeom>
+              <a:noFill/>
+            </p:spPr>
+            <p:txBody>
+              <a:bodyPr wrap="none" rtlCol="0">
+                <a:spAutoFit/>
+              </a:bodyPr>
+              <a:lstStyle/>
+              <a:p>
+                <a:pPr/>
+                <a14:m>
+                  <m:oMathPara xmlns:m="http://schemas.openxmlformats.org/officeDocument/2006/math">
+                    <m:oMathParaPr>
+                      <m:jc m:val="centerGroup"/>
+                    </m:oMathParaPr>
+                    <m:oMath xmlns:m="http://schemas.openxmlformats.org/officeDocument/2006/math">
+                      <m:acc>
+                        <m:accPr>
+                          <m:chr m:val="⃗"/>
+                          <m:ctrlPr>
+                            <a:rPr lang="en-US" sz="1200" b="0" i="1" smtClean="0">
+                              <a:latin typeface="Cambria Math" panose="02040503050406030204" pitchFamily="18" charset="0"/>
+                            </a:rPr>
+                          </m:ctrlPr>
+                        </m:accPr>
+                        <m:e>
+                          <m:r>
+                            <a:rPr lang="en-US" sz="1200" b="0" i="1" smtClean="0">
+                              <a:latin typeface="Cambria Math" panose="02040503050406030204" pitchFamily="18" charset="0"/>
+                            </a:rPr>
+                            <m:t>𝑟</m:t>
+                          </m:r>
+                        </m:e>
+                      </m:acc>
+                      <m:r>
+                        <a:rPr lang="en-US" sz="1200" b="0" i="1" smtClean="0">
+                          <a:latin typeface="Cambria Math" panose="02040503050406030204" pitchFamily="18" charset="0"/>
+                        </a:rPr>
+                        <m:t>(</m:t>
+                      </m:r>
+                      <m:sSub>
+                        <m:sSubPr>
+                          <m:ctrlPr>
+                            <a:rPr lang="en-US" sz="1200" b="0" i="1" smtClean="0">
+                              <a:latin typeface="Cambria Math" panose="02040503050406030204" pitchFamily="18" charset="0"/>
+                            </a:rPr>
+                          </m:ctrlPr>
+                        </m:sSubPr>
+                        <m:e>
+                          <m:r>
+                            <a:rPr lang="en-US" sz="1200" b="0" i="1" smtClean="0">
+                              <a:latin typeface="Cambria Math" panose="02040503050406030204" pitchFamily="18" charset="0"/>
+                            </a:rPr>
+                            <m:t>𝑡</m:t>
+                          </m:r>
+                        </m:e>
+                        <m:sub>
+                          <m:r>
+                            <a:rPr lang="en-US" sz="1200" b="0" i="1" smtClean="0">
+                              <a:latin typeface="Cambria Math" panose="02040503050406030204" pitchFamily="18" charset="0"/>
+                            </a:rPr>
+                            <m:t>𝑖</m:t>
+                          </m:r>
+                        </m:sub>
+                      </m:sSub>
+                      <m:r>
+                        <a:rPr lang="en-US" sz="1200" b="0" i="1" smtClean="0">
+                          <a:latin typeface="Cambria Math" panose="02040503050406030204" pitchFamily="18" charset="0"/>
+                        </a:rPr>
+                        <m:t>)</m:t>
+                      </m:r>
+                    </m:oMath>
+                  </m:oMathPara>
+                </a14:m>
+                <a:endParaRPr lang="en-US" sz="1200" dirty="0"/>
+              </a:p>
+            </p:txBody>
+          </p:sp>
+        </mc:Choice>
+        <mc:Fallback>
+          <p:sp>
+            <p:nvSpPr>
+              <p:cNvPr id="111" name="TextBox 110">
+                <a:extLst>
+                  <a:ext uri="{FF2B5EF4-FFF2-40B4-BE49-F238E27FC236}">
+                    <a16:creationId xmlns:a16="http://schemas.microsoft.com/office/drawing/2014/main" id="{9A2864EB-CC98-48F5-ABC4-040A323F8537}"/>
+                  </a:ext>
+                </a:extLst>
+              </p:cNvPr>
+              <p:cNvSpPr txBox="1">
+                <a:spLocks noRot="1" noChangeAspect="1" noMove="1" noResize="1" noEditPoints="1" noAdjustHandles="1" noChangeArrowheads="1" noChangeShapeType="1" noTextEdit="1"/>
+              </p:cNvSpPr>
+              <p:nvPr/>
+            </p:nvSpPr>
+            <p:spPr>
+              <a:xfrm>
+                <a:off x="6593198" y="1187487"/>
+                <a:ext cx="534313" cy="276999"/>
+              </a:xfrm>
+              <a:prstGeom prst="rect">
+                <a:avLst/>
+              </a:prstGeom>
+              <a:blipFill>
+                <a:blip r:embed="rId13"/>
+                <a:stretch>
+                  <a:fillRect t="-2222" b="-8889"/>
+                </a:stretch>
+              </a:blipFill>
+            </p:spPr>
+            <p:txBody>
+              <a:bodyPr/>
+              <a:lstStyle/>
+              <a:p>
+                <a:r>
+                  <a:rPr lang="en-US">
+                    <a:noFill/>
+                  </a:rPr>
+                  <a:t> </a:t>
+                </a:r>
+              </a:p>
+            </p:txBody>
+          </p:sp>
+        </mc:Fallback>
+      </mc:AlternateContent>
+    </p:spTree>
+    <p:extLst>
+      <p:ext uri="{BB962C8B-B14F-4D97-AF65-F5344CB8AC3E}">
+        <p14:creationId xmlns:p14="http://schemas.microsoft.com/office/powerpoint/2010/main" val="3128246731"/>
+      </p:ext>
+    </p:extLst>
+  </p:cSld>
+  <p:clrMapOvr>
+    <a:masterClrMapping/>
+  </p:clrMapOvr>
+</p:sld>
+</file>
+
+<file path=ppt/slides/slide3.xml><?xml version="1.0" encoding="utf-8"?>
 <p:sld xmlns:a="http://schemas.openxmlformats.org/drawingml/2006/main" xmlns:r="http://schemas.openxmlformats.org/officeDocument/2006/relationships" xmlns:p="http://schemas.openxmlformats.org/presentationml/2006/main">
   <p:cSld>
     <p:spTree>
@@ -7386,7 +9258,7 @@
 </p:sld>
 </file>
 
-<file path=ppt/slides/slide3.xml><?xml version="1.0" encoding="utf-8"?>
+<file path=ppt/slides/slide4.xml><?xml version="1.0" encoding="utf-8"?>
 <p:sld xmlns:a="http://schemas.openxmlformats.org/drawingml/2006/main" xmlns:r="http://schemas.openxmlformats.org/officeDocument/2006/relationships" xmlns:p="http://schemas.openxmlformats.org/presentationml/2006/main">
   <p:cSld>
     <p:spTree>
@@ -7480,8 +9352,8 @@
           </a:fontRef>
         </p:style>
       </p:cxnSp>
-      <mc:AlternateContent xmlns:mc="http://schemas.openxmlformats.org/markup-compatibility/2006">
-        <mc:Choice xmlns:a14="http://schemas.microsoft.com/office/drawing/2010/main" Requires="a14">
+      <mc:AlternateContent xmlns:mc="http://schemas.openxmlformats.org/markup-compatibility/2006" xmlns:a14="http://schemas.microsoft.com/office/drawing/2010/main">
+        <mc:Choice Requires="a14">
           <p:sp>
             <p:nvSpPr>
               <p:cNvPr id="8" name="TextBox 7">
@@ -7510,6 +9382,7 @@
               </a:bodyPr>
               <a:lstStyle/>
               <a:p>
+                <a:pPr/>
                 <a14:m>
                   <m:oMathPara xmlns:m="http://schemas.openxmlformats.org/officeDocument/2006/math">
                     <m:oMathParaPr>
@@ -7542,7 +9415,7 @@
             </p:txBody>
           </p:sp>
         </mc:Choice>
-        <mc:Fallback>
+        <mc:Fallback xmlns="">
           <p:sp>
             <p:nvSpPr>
               <p:cNvPr id="8" name="TextBox 7">
@@ -7628,8 +9501,8 @@
           </a:fontRef>
         </p:style>
       </p:cxnSp>
-      <mc:AlternateContent xmlns:mc="http://schemas.openxmlformats.org/markup-compatibility/2006">
-        <mc:Choice xmlns:a14="http://schemas.microsoft.com/office/drawing/2010/main" Requires="a14">
+      <mc:AlternateContent xmlns:mc="http://schemas.openxmlformats.org/markup-compatibility/2006" xmlns:a14="http://schemas.microsoft.com/office/drawing/2010/main">
+        <mc:Choice Requires="a14">
           <p:sp>
             <p:nvSpPr>
               <p:cNvPr id="13" name="TextBox 12">
@@ -7658,6 +9531,7 @@
               </a:bodyPr>
               <a:lstStyle/>
               <a:p>
+                <a:pPr/>
                 <a14:m>
                   <m:oMathPara xmlns:m="http://schemas.openxmlformats.org/officeDocument/2006/math">
                     <m:oMathParaPr>
@@ -7690,7 +9564,7 @@
             </p:txBody>
           </p:sp>
         </mc:Choice>
-        <mc:Fallback>
+        <mc:Fallback xmlns="">
           <p:sp>
             <p:nvSpPr>
               <p:cNvPr id="13" name="TextBox 12">

--- a/posts/miscellanea/integral/images/曲线曲面示意图.pptx
+++ b/posts/miscellanea/integral/images/曲线曲面示意图.pptx
@@ -9,6 +9,7 @@
     <p:sldId id="259" r:id="rId3"/>
     <p:sldId id="256" r:id="rId4"/>
     <p:sldId id="258" r:id="rId5"/>
+    <p:sldId id="260" r:id="rId6"/>
   </p:sldIdLst>
   <p:sldSz cx="12192000" cy="6858000"/>
   <p:notesSz cx="6858000" cy="9144000"/>
@@ -115,7 +116,7 @@
             <a:srgbClr val="A4A3A4"/>
           </p15:clr>
         </p15:guide>
-        <p15:guide id="2" pos="3816" userDrawn="1">
+        <p15:guide id="2" pos="3792" userDrawn="1">
           <p15:clr>
             <a:srgbClr val="A4A3A4"/>
           </p15:clr>
@@ -273,7 +274,7 @@
           <a:p>
             <a:fld id="{FC37950C-02E3-41A3-9DC3-63E190C3A828}" type="datetimeFigureOut">
               <a:rPr lang="en-US" smtClean="0"/>
-              <a:t>5/19/2025</a:t>
+              <a:t>5/24/2025</a:t>
             </a:fld>
             <a:endParaRPr lang="en-US"/>
           </a:p>
@@ -471,7 +472,7 @@
           <a:p>
             <a:fld id="{FC37950C-02E3-41A3-9DC3-63E190C3A828}" type="datetimeFigureOut">
               <a:rPr lang="en-US" smtClean="0"/>
-              <a:t>5/19/2025</a:t>
+              <a:t>5/24/2025</a:t>
             </a:fld>
             <a:endParaRPr lang="en-US"/>
           </a:p>
@@ -679,7 +680,7 @@
           <a:p>
             <a:fld id="{FC37950C-02E3-41A3-9DC3-63E190C3A828}" type="datetimeFigureOut">
               <a:rPr lang="en-US" smtClean="0"/>
-              <a:t>5/19/2025</a:t>
+              <a:t>5/24/2025</a:t>
             </a:fld>
             <a:endParaRPr lang="en-US"/>
           </a:p>
@@ -877,7 +878,7 @@
           <a:p>
             <a:fld id="{FC37950C-02E3-41A3-9DC3-63E190C3A828}" type="datetimeFigureOut">
               <a:rPr lang="en-US" smtClean="0"/>
-              <a:t>5/19/2025</a:t>
+              <a:t>5/24/2025</a:t>
             </a:fld>
             <a:endParaRPr lang="en-US"/>
           </a:p>
@@ -1152,7 +1153,7 @@
           <a:p>
             <a:fld id="{FC37950C-02E3-41A3-9DC3-63E190C3A828}" type="datetimeFigureOut">
               <a:rPr lang="en-US" smtClean="0"/>
-              <a:t>5/19/2025</a:t>
+              <a:t>5/24/2025</a:t>
             </a:fld>
             <a:endParaRPr lang="en-US"/>
           </a:p>
@@ -1417,7 +1418,7 @@
           <a:p>
             <a:fld id="{FC37950C-02E3-41A3-9DC3-63E190C3A828}" type="datetimeFigureOut">
               <a:rPr lang="en-US" smtClean="0"/>
-              <a:t>5/19/2025</a:t>
+              <a:t>5/24/2025</a:t>
             </a:fld>
             <a:endParaRPr lang="en-US"/>
           </a:p>
@@ -1829,7 +1830,7 @@
           <a:p>
             <a:fld id="{FC37950C-02E3-41A3-9DC3-63E190C3A828}" type="datetimeFigureOut">
               <a:rPr lang="en-US" smtClean="0"/>
-              <a:t>5/19/2025</a:t>
+              <a:t>5/24/2025</a:t>
             </a:fld>
             <a:endParaRPr lang="en-US"/>
           </a:p>
@@ -1970,7 +1971,7 @@
           <a:p>
             <a:fld id="{FC37950C-02E3-41A3-9DC3-63E190C3A828}" type="datetimeFigureOut">
               <a:rPr lang="en-US" smtClean="0"/>
-              <a:t>5/19/2025</a:t>
+              <a:t>5/24/2025</a:t>
             </a:fld>
             <a:endParaRPr lang="en-US"/>
           </a:p>
@@ -2083,7 +2084,7 @@
           <a:p>
             <a:fld id="{FC37950C-02E3-41A3-9DC3-63E190C3A828}" type="datetimeFigureOut">
               <a:rPr lang="en-US" smtClean="0"/>
-              <a:t>5/19/2025</a:t>
+              <a:t>5/24/2025</a:t>
             </a:fld>
             <a:endParaRPr lang="en-US"/>
           </a:p>
@@ -2394,7 +2395,7 @@
           <a:p>
             <a:fld id="{FC37950C-02E3-41A3-9DC3-63E190C3A828}" type="datetimeFigureOut">
               <a:rPr lang="en-US" smtClean="0"/>
-              <a:t>5/19/2025</a:t>
+              <a:t>5/24/2025</a:t>
             </a:fld>
             <a:endParaRPr lang="en-US"/>
           </a:p>
@@ -2682,7 +2683,7 @@
           <a:p>
             <a:fld id="{FC37950C-02E3-41A3-9DC3-63E190C3A828}" type="datetimeFigureOut">
               <a:rPr lang="en-US" smtClean="0"/>
-              <a:t>5/19/2025</a:t>
+              <a:t>5/24/2025</a:t>
             </a:fld>
             <a:endParaRPr lang="en-US"/>
           </a:p>
@@ -2923,7 +2924,7 @@
           <a:p>
             <a:fld id="{FC37950C-02E3-41A3-9DC3-63E190C3A828}" type="datetimeFigureOut">
               <a:rPr lang="en-US" smtClean="0"/>
-              <a:t>5/19/2025</a:t>
+              <a:t>5/24/2025</a:t>
             </a:fld>
             <a:endParaRPr lang="en-US"/>
           </a:p>
@@ -5328,1956 +5329,6 @@
           </a:fontRef>
         </p:style>
       </p:cxnSp>
-      <mc:AlternateContent xmlns:mc="http://schemas.openxmlformats.org/markup-compatibility/2006">
-        <mc:Choice xmlns:a14="http://schemas.microsoft.com/office/drawing/2010/main" Requires="a14">
-          <p:sp>
-            <p:nvSpPr>
-              <p:cNvPr id="18" name="TextBox 17">
-                <a:extLst>
-                  <a:ext uri="{FF2B5EF4-FFF2-40B4-BE49-F238E27FC236}">
-                    <a16:creationId xmlns:a16="http://schemas.microsoft.com/office/drawing/2014/main" id="{C525E05E-8B2E-4CBD-80B7-7DF54D2D72FC}"/>
-                  </a:ext>
-                </a:extLst>
-              </p:cNvPr>
-              <p:cNvSpPr txBox="1"/>
-              <p:nvPr/>
-            </p:nvSpPr>
-            <p:spPr>
-              <a:xfrm>
-                <a:off x="1713139" y="2385204"/>
-                <a:ext cx="317586" cy="276999"/>
-              </a:xfrm>
-              <a:prstGeom prst="rect">
-                <a:avLst/>
-              </a:prstGeom>
-              <a:noFill/>
-            </p:spPr>
-            <p:txBody>
-              <a:bodyPr wrap="none" rtlCol="0">
-                <a:spAutoFit/>
-              </a:bodyPr>
-              <a:lstStyle/>
-              <a:p>
-                <a:pPr/>
-                <a14:m>
-                  <m:oMathPara xmlns:m="http://schemas.openxmlformats.org/officeDocument/2006/math">
-                    <m:oMathParaPr>
-                      <m:jc m:val="centerGroup"/>
-                    </m:oMathParaPr>
-                    <m:oMath xmlns:m="http://schemas.openxmlformats.org/officeDocument/2006/math">
-                      <m:r>
-                        <a:rPr lang="en-US" sz="1200" i="1" smtClean="0">
-                          <a:latin typeface="Cambria Math" panose="02040503050406030204" pitchFamily="18" charset="0"/>
-                          <a:ea typeface="Cambria Math" panose="02040503050406030204" pitchFamily="18" charset="0"/>
-                        </a:rPr>
-                        <m:t>𝛼</m:t>
-                      </m:r>
-                    </m:oMath>
-                  </m:oMathPara>
-                </a14:m>
-                <a:endParaRPr lang="en-US" dirty="0"/>
-              </a:p>
-            </p:txBody>
-          </p:sp>
-        </mc:Choice>
-        <mc:Fallback>
-          <p:sp>
-            <p:nvSpPr>
-              <p:cNvPr id="18" name="TextBox 17">
-                <a:extLst>
-                  <a:ext uri="{FF2B5EF4-FFF2-40B4-BE49-F238E27FC236}">
-                    <a16:creationId xmlns:a16="http://schemas.microsoft.com/office/drawing/2014/main" id="{C525E05E-8B2E-4CBD-80B7-7DF54D2D72FC}"/>
-                  </a:ext>
-                </a:extLst>
-              </p:cNvPr>
-              <p:cNvSpPr txBox="1">
-                <a:spLocks noRot="1" noChangeAspect="1" noMove="1" noResize="1" noEditPoints="1" noAdjustHandles="1" noChangeArrowheads="1" noChangeShapeType="1" noTextEdit="1"/>
-              </p:cNvSpPr>
-              <p:nvPr/>
-            </p:nvSpPr>
-            <p:spPr>
-              <a:xfrm>
-                <a:off x="1713139" y="2385204"/>
-                <a:ext cx="317586" cy="276999"/>
-              </a:xfrm>
-              <a:prstGeom prst="rect">
-                <a:avLst/>
-              </a:prstGeom>
-              <a:blipFill>
-                <a:blip r:embed="rId2"/>
-                <a:stretch>
-                  <a:fillRect/>
-                </a:stretch>
-              </a:blipFill>
-            </p:spPr>
-            <p:txBody>
-              <a:bodyPr/>
-              <a:lstStyle/>
-              <a:p>
-                <a:r>
-                  <a:rPr lang="en-US">
-                    <a:noFill/>
-                  </a:rPr>
-                  <a:t> </a:t>
-                </a:r>
-              </a:p>
-            </p:txBody>
-          </p:sp>
-        </mc:Fallback>
-      </mc:AlternateContent>
-      <mc:AlternateContent xmlns:mc="http://schemas.openxmlformats.org/markup-compatibility/2006">
-        <mc:Choice xmlns:a14="http://schemas.microsoft.com/office/drawing/2010/main" Requires="a14">
-          <p:sp>
-            <p:nvSpPr>
-              <p:cNvPr id="19" name="TextBox 18">
-                <a:extLst>
-                  <a:ext uri="{FF2B5EF4-FFF2-40B4-BE49-F238E27FC236}">
-                    <a16:creationId xmlns:a16="http://schemas.microsoft.com/office/drawing/2014/main" id="{24BFBB3E-4059-42E6-B3F5-067C4C3B4113}"/>
-                  </a:ext>
-                </a:extLst>
-              </p:cNvPr>
-              <p:cNvSpPr txBox="1"/>
-              <p:nvPr/>
-            </p:nvSpPr>
-            <p:spPr>
-              <a:xfrm>
-                <a:off x="3107763" y="2397839"/>
-                <a:ext cx="317586" cy="276999"/>
-              </a:xfrm>
-              <a:prstGeom prst="rect">
-                <a:avLst/>
-              </a:prstGeom>
-              <a:noFill/>
-            </p:spPr>
-            <p:txBody>
-              <a:bodyPr wrap="none" rtlCol="0">
-                <a:spAutoFit/>
-              </a:bodyPr>
-              <a:lstStyle/>
-              <a:p>
-                <a:pPr/>
-                <a14:m>
-                  <m:oMathPara xmlns:m="http://schemas.openxmlformats.org/officeDocument/2006/math">
-                    <m:oMathParaPr>
-                      <m:jc m:val="centerGroup"/>
-                    </m:oMathParaPr>
-                    <m:oMath xmlns:m="http://schemas.openxmlformats.org/officeDocument/2006/math">
-                      <m:r>
-                        <a:rPr lang="en-US" sz="1200" i="1" smtClean="0">
-                          <a:latin typeface="Cambria Math" panose="02040503050406030204" pitchFamily="18" charset="0"/>
-                          <a:ea typeface="Cambria Math" panose="02040503050406030204" pitchFamily="18" charset="0"/>
-                        </a:rPr>
-                        <m:t>𝛽</m:t>
-                      </m:r>
-                    </m:oMath>
-                  </m:oMathPara>
-                </a14:m>
-                <a:endParaRPr lang="en-US" sz="1200" dirty="0"/>
-              </a:p>
-            </p:txBody>
-          </p:sp>
-        </mc:Choice>
-        <mc:Fallback>
-          <p:sp>
-            <p:nvSpPr>
-              <p:cNvPr id="19" name="TextBox 18">
-                <a:extLst>
-                  <a:ext uri="{FF2B5EF4-FFF2-40B4-BE49-F238E27FC236}">
-                    <a16:creationId xmlns:a16="http://schemas.microsoft.com/office/drawing/2014/main" id="{24BFBB3E-4059-42E6-B3F5-067C4C3B4113}"/>
-                  </a:ext>
-                </a:extLst>
-              </p:cNvPr>
-              <p:cNvSpPr txBox="1">
-                <a:spLocks noRot="1" noChangeAspect="1" noMove="1" noResize="1" noEditPoints="1" noAdjustHandles="1" noChangeArrowheads="1" noChangeShapeType="1" noTextEdit="1"/>
-              </p:cNvSpPr>
-              <p:nvPr/>
-            </p:nvSpPr>
-            <p:spPr>
-              <a:xfrm>
-                <a:off x="3107763" y="2397839"/>
-                <a:ext cx="317586" cy="276999"/>
-              </a:xfrm>
-              <a:prstGeom prst="rect">
-                <a:avLst/>
-              </a:prstGeom>
-              <a:blipFill>
-                <a:blip r:embed="rId3"/>
-                <a:stretch>
-                  <a:fillRect b="-4348"/>
-                </a:stretch>
-              </a:blipFill>
-            </p:spPr>
-            <p:txBody>
-              <a:bodyPr/>
-              <a:lstStyle/>
-              <a:p>
-                <a:r>
-                  <a:rPr lang="en-US">
-                    <a:noFill/>
-                  </a:rPr>
-                  <a:t> </a:t>
-                </a:r>
-              </a:p>
-            </p:txBody>
-          </p:sp>
-        </mc:Fallback>
-      </mc:AlternateContent>
-      <mc:AlternateContent xmlns:mc="http://schemas.openxmlformats.org/markup-compatibility/2006">
-        <mc:Choice xmlns:a14="http://schemas.microsoft.com/office/drawing/2010/main" Requires="a14">
-          <p:sp>
-            <p:nvSpPr>
-              <p:cNvPr id="20" name="TextBox 19">
-                <a:extLst>
-                  <a:ext uri="{FF2B5EF4-FFF2-40B4-BE49-F238E27FC236}">
-                    <a16:creationId xmlns:a16="http://schemas.microsoft.com/office/drawing/2014/main" id="{63339690-FE0F-4310-B6F1-C9443E99543A}"/>
-                  </a:ext>
-                </a:extLst>
-              </p:cNvPr>
-              <p:cNvSpPr txBox="1"/>
-              <p:nvPr/>
-            </p:nvSpPr>
-            <p:spPr>
-              <a:xfrm>
-                <a:off x="3497913" y="2411388"/>
-                <a:ext cx="284629" cy="276999"/>
-              </a:xfrm>
-              <a:prstGeom prst="rect">
-                <a:avLst/>
-              </a:prstGeom>
-              <a:noFill/>
-            </p:spPr>
-            <p:txBody>
-              <a:bodyPr wrap="none" rtlCol="0">
-                <a:spAutoFit/>
-              </a:bodyPr>
-              <a:lstStyle/>
-              <a:p>
-                <a:pPr/>
-                <a14:m>
-                  <m:oMathPara xmlns:m="http://schemas.openxmlformats.org/officeDocument/2006/math">
-                    <m:oMathParaPr>
-                      <m:jc m:val="centerGroup"/>
-                    </m:oMathParaPr>
-                    <m:oMath xmlns:m="http://schemas.openxmlformats.org/officeDocument/2006/math">
-                      <m:r>
-                        <a:rPr lang="en-US" sz="1200" b="0" i="1" smtClean="0">
-                          <a:latin typeface="Cambria Math" panose="02040503050406030204" pitchFamily="18" charset="0"/>
-                          <a:ea typeface="Cambria Math" panose="02040503050406030204" pitchFamily="18" charset="0"/>
-                        </a:rPr>
-                        <m:t>𝑡</m:t>
-                      </m:r>
-                    </m:oMath>
-                  </m:oMathPara>
-                </a14:m>
-                <a:endParaRPr lang="en-US" sz="1200" dirty="0"/>
-              </a:p>
-            </p:txBody>
-          </p:sp>
-        </mc:Choice>
-        <mc:Fallback>
-          <p:sp>
-            <p:nvSpPr>
-              <p:cNvPr id="20" name="TextBox 19">
-                <a:extLst>
-                  <a:ext uri="{FF2B5EF4-FFF2-40B4-BE49-F238E27FC236}">
-                    <a16:creationId xmlns:a16="http://schemas.microsoft.com/office/drawing/2014/main" id="{63339690-FE0F-4310-B6F1-C9443E99543A}"/>
-                  </a:ext>
-                </a:extLst>
-              </p:cNvPr>
-              <p:cNvSpPr txBox="1">
-                <a:spLocks noRot="1" noChangeAspect="1" noMove="1" noResize="1" noEditPoints="1" noAdjustHandles="1" noChangeArrowheads="1" noChangeShapeType="1" noTextEdit="1"/>
-              </p:cNvSpPr>
-              <p:nvPr/>
-            </p:nvSpPr>
-            <p:spPr>
-              <a:xfrm>
-                <a:off x="3497913" y="2411388"/>
-                <a:ext cx="284629" cy="276999"/>
-              </a:xfrm>
-              <a:prstGeom prst="rect">
-                <a:avLst/>
-              </a:prstGeom>
-              <a:blipFill>
-                <a:blip r:embed="rId4"/>
-                <a:stretch>
-                  <a:fillRect/>
-                </a:stretch>
-              </a:blipFill>
-            </p:spPr>
-            <p:txBody>
-              <a:bodyPr/>
-              <a:lstStyle/>
-              <a:p>
-                <a:r>
-                  <a:rPr lang="en-US">
-                    <a:noFill/>
-                  </a:rPr>
-                  <a:t> </a:t>
-                </a:r>
-              </a:p>
-            </p:txBody>
-          </p:sp>
-        </mc:Fallback>
-      </mc:AlternateContent>
-      <p:cxnSp>
-        <p:nvCxnSpPr>
-          <p:cNvPr id="22" name="Straight Arrow Connector 21">
-            <a:extLst>
-              <a:ext uri="{FF2B5EF4-FFF2-40B4-BE49-F238E27FC236}">
-                <a16:creationId xmlns:a16="http://schemas.microsoft.com/office/drawing/2014/main" id="{3CB38A04-3809-4E87-AFC0-F8EE22B5BB94}"/>
-              </a:ext>
-            </a:extLst>
-          </p:cNvPr>
-          <p:cNvCxnSpPr/>
-          <p:nvPr/>
-        </p:nvCxnSpPr>
-        <p:spPr>
-          <a:xfrm>
-            <a:off x="5607170" y="2553896"/>
-            <a:ext cx="1673524" cy="0"/>
-          </a:xfrm>
-          <a:prstGeom prst="straightConnector1">
-            <a:avLst/>
-          </a:prstGeom>
-          <a:ln w="12700">
-            <a:tailEnd type="triangle"/>
-          </a:ln>
-        </p:spPr>
-        <p:style>
-          <a:lnRef idx="1">
-            <a:schemeClr val="dk1"/>
-          </a:lnRef>
-          <a:fillRef idx="0">
-            <a:schemeClr val="dk1"/>
-          </a:fillRef>
-          <a:effectRef idx="0">
-            <a:schemeClr val="dk1"/>
-          </a:effectRef>
-          <a:fontRef idx="minor">
-            <a:schemeClr val="tx1"/>
-          </a:fontRef>
-        </p:style>
-      </p:cxnSp>
-      <p:cxnSp>
-        <p:nvCxnSpPr>
-          <p:cNvPr id="23" name="Straight Arrow Connector 22">
-            <a:extLst>
-              <a:ext uri="{FF2B5EF4-FFF2-40B4-BE49-F238E27FC236}">
-                <a16:creationId xmlns:a16="http://schemas.microsoft.com/office/drawing/2014/main" id="{88938710-8E86-41C2-AE98-8CE569591AF9}"/>
-              </a:ext>
-            </a:extLst>
-          </p:cNvPr>
-          <p:cNvCxnSpPr>
-            <a:cxnSpLocks/>
-          </p:cNvCxnSpPr>
-          <p:nvPr/>
-        </p:nvCxnSpPr>
-        <p:spPr>
-          <a:xfrm flipV="1">
-            <a:off x="5607170" y="974785"/>
-            <a:ext cx="0" cy="1579112"/>
-          </a:xfrm>
-          <a:prstGeom prst="straightConnector1">
-            <a:avLst/>
-          </a:prstGeom>
-          <a:ln w="12700">
-            <a:tailEnd type="triangle"/>
-          </a:ln>
-        </p:spPr>
-        <p:style>
-          <a:lnRef idx="1">
-            <a:schemeClr val="dk1"/>
-          </a:lnRef>
-          <a:fillRef idx="0">
-            <a:schemeClr val="dk1"/>
-          </a:fillRef>
-          <a:effectRef idx="0">
-            <a:schemeClr val="dk1"/>
-          </a:effectRef>
-          <a:fontRef idx="minor">
-            <a:schemeClr val="tx1"/>
-          </a:fontRef>
-        </p:style>
-      </p:cxnSp>
-      <p:cxnSp>
-        <p:nvCxnSpPr>
-          <p:cNvPr id="27" name="Straight Arrow Connector 26">
-            <a:extLst>
-              <a:ext uri="{FF2B5EF4-FFF2-40B4-BE49-F238E27FC236}">
-                <a16:creationId xmlns:a16="http://schemas.microsoft.com/office/drawing/2014/main" id="{BC08FEE1-656F-4A3D-8B0C-5145BF313F92}"/>
-              </a:ext>
-            </a:extLst>
-          </p:cNvPr>
-          <p:cNvCxnSpPr>
-            <a:cxnSpLocks/>
-          </p:cNvCxnSpPr>
-          <p:nvPr/>
-        </p:nvCxnSpPr>
-        <p:spPr>
-          <a:xfrm flipH="1">
-            <a:off x="4799162" y="2553420"/>
-            <a:ext cx="808008" cy="1069064"/>
-          </a:xfrm>
-          <a:prstGeom prst="straightConnector1">
-            <a:avLst/>
-          </a:prstGeom>
-          <a:ln w="12700">
-            <a:tailEnd type="triangle"/>
-          </a:ln>
-        </p:spPr>
-        <p:style>
-          <a:lnRef idx="1">
-            <a:schemeClr val="dk1"/>
-          </a:lnRef>
-          <a:fillRef idx="0">
-            <a:schemeClr val="dk1"/>
-          </a:fillRef>
-          <a:effectRef idx="0">
-            <a:schemeClr val="dk1"/>
-          </a:effectRef>
-          <a:fontRef idx="minor">
-            <a:schemeClr val="tx1"/>
-          </a:fontRef>
-        </p:style>
-      </p:cxnSp>
-      <p:cxnSp>
-        <p:nvCxnSpPr>
-          <p:cNvPr id="29" name="Straight Arrow Connector 28">
-            <a:extLst>
-              <a:ext uri="{FF2B5EF4-FFF2-40B4-BE49-F238E27FC236}">
-                <a16:creationId xmlns:a16="http://schemas.microsoft.com/office/drawing/2014/main" id="{CEB61469-5E4A-4E92-BAD2-F2098E864899}"/>
-              </a:ext>
-            </a:extLst>
-          </p:cNvPr>
-          <p:cNvCxnSpPr/>
-          <p:nvPr/>
-        </p:nvCxnSpPr>
-        <p:spPr>
-          <a:xfrm>
-            <a:off x="5607170" y="2554373"/>
-            <a:ext cx="1673524" cy="0"/>
-          </a:xfrm>
-          <a:prstGeom prst="straightConnector1">
-            <a:avLst/>
-          </a:prstGeom>
-          <a:ln w="12700">
-            <a:tailEnd type="triangle"/>
-          </a:ln>
-        </p:spPr>
-        <p:style>
-          <a:lnRef idx="1">
-            <a:schemeClr val="dk1"/>
-          </a:lnRef>
-          <a:fillRef idx="0">
-            <a:schemeClr val="dk1"/>
-          </a:fillRef>
-          <a:effectRef idx="0">
-            <a:schemeClr val="dk1"/>
-          </a:effectRef>
-          <a:fontRef idx="minor">
-            <a:schemeClr val="tx1"/>
-          </a:fontRef>
-        </p:style>
-      </p:cxnSp>
-      <mc:AlternateContent xmlns:mc="http://schemas.openxmlformats.org/markup-compatibility/2006">
-        <mc:Choice xmlns:a14="http://schemas.microsoft.com/office/drawing/2010/main" Requires="a14">
-          <p:sp>
-            <p:nvSpPr>
-              <p:cNvPr id="35" name="TextBox 34">
-                <a:extLst>
-                  <a:ext uri="{FF2B5EF4-FFF2-40B4-BE49-F238E27FC236}">
-                    <a16:creationId xmlns:a16="http://schemas.microsoft.com/office/drawing/2014/main" id="{A52FC8A2-521C-4CB7-AEF1-4C1D50578CF2}"/>
-                  </a:ext>
-                </a:extLst>
-              </p:cNvPr>
-              <p:cNvSpPr txBox="1"/>
-              <p:nvPr/>
-            </p:nvSpPr>
-            <p:spPr>
-              <a:xfrm>
-                <a:off x="4799161" y="3513702"/>
-                <a:ext cx="306366" cy="276999"/>
-              </a:xfrm>
-              <a:prstGeom prst="rect">
-                <a:avLst/>
-              </a:prstGeom>
-              <a:noFill/>
-            </p:spPr>
-            <p:txBody>
-              <a:bodyPr wrap="none" rtlCol="0">
-                <a:spAutoFit/>
-              </a:bodyPr>
-              <a:lstStyle/>
-              <a:p>
-                <a:pPr/>
-                <a14:m>
-                  <m:oMathPara xmlns:m="http://schemas.openxmlformats.org/officeDocument/2006/math">
-                    <m:oMathParaPr>
-                      <m:jc m:val="centerGroup"/>
-                    </m:oMathParaPr>
-                    <m:oMath xmlns:m="http://schemas.openxmlformats.org/officeDocument/2006/math">
-                      <m:r>
-                        <a:rPr lang="en-US" sz="1200" b="0" i="1" smtClean="0">
-                          <a:latin typeface="Cambria Math" panose="02040503050406030204" pitchFamily="18" charset="0"/>
-                          <a:ea typeface="Cambria Math" panose="02040503050406030204" pitchFamily="18" charset="0"/>
-                        </a:rPr>
-                        <m:t>𝑥</m:t>
-                      </m:r>
-                    </m:oMath>
-                  </m:oMathPara>
-                </a14:m>
-                <a:endParaRPr lang="en-US" sz="1200" dirty="0"/>
-              </a:p>
-            </p:txBody>
-          </p:sp>
-        </mc:Choice>
-        <mc:Fallback>
-          <p:sp>
-            <p:nvSpPr>
-              <p:cNvPr id="35" name="TextBox 34">
-                <a:extLst>
-                  <a:ext uri="{FF2B5EF4-FFF2-40B4-BE49-F238E27FC236}">
-                    <a16:creationId xmlns:a16="http://schemas.microsoft.com/office/drawing/2014/main" id="{A52FC8A2-521C-4CB7-AEF1-4C1D50578CF2}"/>
-                  </a:ext>
-                </a:extLst>
-              </p:cNvPr>
-              <p:cNvSpPr txBox="1">
-                <a:spLocks noRot="1" noChangeAspect="1" noMove="1" noResize="1" noEditPoints="1" noAdjustHandles="1" noChangeArrowheads="1" noChangeShapeType="1" noTextEdit="1"/>
-              </p:cNvSpPr>
-              <p:nvPr/>
-            </p:nvSpPr>
-            <p:spPr>
-              <a:xfrm>
-                <a:off x="4799161" y="3513702"/>
-                <a:ext cx="306366" cy="276999"/>
-              </a:xfrm>
-              <a:prstGeom prst="rect">
-                <a:avLst/>
-              </a:prstGeom>
-              <a:blipFill>
-                <a:blip r:embed="rId5"/>
-                <a:stretch>
-                  <a:fillRect/>
-                </a:stretch>
-              </a:blipFill>
-            </p:spPr>
-            <p:txBody>
-              <a:bodyPr/>
-              <a:lstStyle/>
-              <a:p>
-                <a:r>
-                  <a:rPr lang="en-US">
-                    <a:noFill/>
-                  </a:rPr>
-                  <a:t> </a:t>
-                </a:r>
-              </a:p>
-            </p:txBody>
-          </p:sp>
-        </mc:Fallback>
-      </mc:AlternateContent>
-      <mc:AlternateContent xmlns:mc="http://schemas.openxmlformats.org/markup-compatibility/2006">
-        <mc:Choice xmlns:a14="http://schemas.microsoft.com/office/drawing/2010/main" Requires="a14">
-          <p:sp>
-            <p:nvSpPr>
-              <p:cNvPr id="36" name="TextBox 35">
-                <a:extLst>
-                  <a:ext uri="{FF2B5EF4-FFF2-40B4-BE49-F238E27FC236}">
-                    <a16:creationId xmlns:a16="http://schemas.microsoft.com/office/drawing/2014/main" id="{4D6D8DA7-3A1A-495D-B010-B7F83F854DBD}"/>
-                  </a:ext>
-                </a:extLst>
-              </p:cNvPr>
-              <p:cNvSpPr txBox="1"/>
-              <p:nvPr/>
-            </p:nvSpPr>
-            <p:spPr>
-              <a:xfrm>
-                <a:off x="1309499" y="2436659"/>
-                <a:ext cx="327910" cy="276999"/>
-              </a:xfrm>
-              <a:prstGeom prst="rect">
-                <a:avLst/>
-              </a:prstGeom>
-              <a:noFill/>
-            </p:spPr>
-            <p:txBody>
-              <a:bodyPr wrap="none" rtlCol="0">
-                <a:spAutoFit/>
-              </a:bodyPr>
-              <a:lstStyle/>
-              <a:p>
-                <a:pPr/>
-                <a14:m>
-                  <m:oMathPara xmlns:m="http://schemas.openxmlformats.org/officeDocument/2006/math">
-                    <m:oMathParaPr>
-                      <m:jc m:val="centerGroup"/>
-                    </m:oMathParaPr>
-                    <m:oMath xmlns:m="http://schemas.openxmlformats.org/officeDocument/2006/math">
-                      <m:r>
-                        <a:rPr lang="en-US" sz="1200" b="0" i="1" smtClean="0">
-                          <a:latin typeface="Cambria Math" panose="02040503050406030204" pitchFamily="18" charset="0"/>
-                        </a:rPr>
-                        <m:t>𝑂</m:t>
-                      </m:r>
-                    </m:oMath>
-                  </m:oMathPara>
-                </a14:m>
-                <a:endParaRPr lang="en-US" sz="1200" dirty="0"/>
-              </a:p>
-            </p:txBody>
-          </p:sp>
-        </mc:Choice>
-        <mc:Fallback>
-          <p:sp>
-            <p:nvSpPr>
-              <p:cNvPr id="36" name="TextBox 35">
-                <a:extLst>
-                  <a:ext uri="{FF2B5EF4-FFF2-40B4-BE49-F238E27FC236}">
-                    <a16:creationId xmlns:a16="http://schemas.microsoft.com/office/drawing/2014/main" id="{4D6D8DA7-3A1A-495D-B010-B7F83F854DBD}"/>
-                  </a:ext>
-                </a:extLst>
-              </p:cNvPr>
-              <p:cNvSpPr txBox="1">
-                <a:spLocks noRot="1" noChangeAspect="1" noMove="1" noResize="1" noEditPoints="1" noAdjustHandles="1" noChangeArrowheads="1" noChangeShapeType="1" noTextEdit="1"/>
-              </p:cNvSpPr>
-              <p:nvPr/>
-            </p:nvSpPr>
-            <p:spPr>
-              <a:xfrm>
-                <a:off x="1309499" y="2436659"/>
-                <a:ext cx="327910" cy="276999"/>
-              </a:xfrm>
-              <a:prstGeom prst="rect">
-                <a:avLst/>
-              </a:prstGeom>
-              <a:blipFill>
-                <a:blip r:embed="rId6"/>
-                <a:stretch>
-                  <a:fillRect/>
-                </a:stretch>
-              </a:blipFill>
-            </p:spPr>
-            <p:txBody>
-              <a:bodyPr/>
-              <a:lstStyle/>
-              <a:p>
-                <a:r>
-                  <a:rPr lang="en-US">
-                    <a:noFill/>
-                  </a:rPr>
-                  <a:t> </a:t>
-                </a:r>
-              </a:p>
-            </p:txBody>
-          </p:sp>
-        </mc:Fallback>
-      </mc:AlternateContent>
-      <mc:AlternateContent xmlns:mc="http://schemas.openxmlformats.org/markup-compatibility/2006">
-        <mc:Choice xmlns:a14="http://schemas.microsoft.com/office/drawing/2010/main" Requires="a14">
-          <p:sp>
-            <p:nvSpPr>
-              <p:cNvPr id="37" name="TextBox 36">
-                <a:extLst>
-                  <a:ext uri="{FF2B5EF4-FFF2-40B4-BE49-F238E27FC236}">
-                    <a16:creationId xmlns:a16="http://schemas.microsoft.com/office/drawing/2014/main" id="{BF1E4C60-3D30-45B9-9342-6B847B008391}"/>
-                  </a:ext>
-                </a:extLst>
-              </p:cNvPr>
-              <p:cNvSpPr txBox="1"/>
-              <p:nvPr/>
-            </p:nvSpPr>
-            <p:spPr>
-              <a:xfrm>
-                <a:off x="5529426" y="2575157"/>
-                <a:ext cx="327910" cy="276999"/>
-              </a:xfrm>
-              <a:prstGeom prst="rect">
-                <a:avLst/>
-              </a:prstGeom>
-              <a:noFill/>
-            </p:spPr>
-            <p:txBody>
-              <a:bodyPr wrap="none" rtlCol="0">
-                <a:spAutoFit/>
-              </a:bodyPr>
-              <a:lstStyle/>
-              <a:p>
-                <a:pPr/>
-                <a14:m>
-                  <m:oMathPara xmlns:m="http://schemas.openxmlformats.org/officeDocument/2006/math">
-                    <m:oMathParaPr>
-                      <m:jc m:val="centerGroup"/>
-                    </m:oMathParaPr>
-                    <m:oMath xmlns:m="http://schemas.openxmlformats.org/officeDocument/2006/math">
-                      <m:r>
-                        <a:rPr lang="en-US" sz="1200" b="0" i="1" smtClean="0">
-                          <a:latin typeface="Cambria Math" panose="02040503050406030204" pitchFamily="18" charset="0"/>
-                        </a:rPr>
-                        <m:t>𝑂</m:t>
-                      </m:r>
-                    </m:oMath>
-                  </m:oMathPara>
-                </a14:m>
-                <a:endParaRPr lang="en-US" sz="1200" dirty="0"/>
-              </a:p>
-            </p:txBody>
-          </p:sp>
-        </mc:Choice>
-        <mc:Fallback>
-          <p:sp>
-            <p:nvSpPr>
-              <p:cNvPr id="37" name="TextBox 36">
-                <a:extLst>
-                  <a:ext uri="{FF2B5EF4-FFF2-40B4-BE49-F238E27FC236}">
-                    <a16:creationId xmlns:a16="http://schemas.microsoft.com/office/drawing/2014/main" id="{BF1E4C60-3D30-45B9-9342-6B847B008391}"/>
-                  </a:ext>
-                </a:extLst>
-              </p:cNvPr>
-              <p:cNvSpPr txBox="1">
-                <a:spLocks noRot="1" noChangeAspect="1" noMove="1" noResize="1" noEditPoints="1" noAdjustHandles="1" noChangeArrowheads="1" noChangeShapeType="1" noTextEdit="1"/>
-              </p:cNvSpPr>
-              <p:nvPr/>
-            </p:nvSpPr>
-            <p:spPr>
-              <a:xfrm>
-                <a:off x="5529426" y="2575157"/>
-                <a:ext cx="327910" cy="276999"/>
-              </a:xfrm>
-              <a:prstGeom prst="rect">
-                <a:avLst/>
-              </a:prstGeom>
-              <a:blipFill>
-                <a:blip r:embed="rId7"/>
-                <a:stretch>
-                  <a:fillRect/>
-                </a:stretch>
-              </a:blipFill>
-            </p:spPr>
-            <p:txBody>
-              <a:bodyPr/>
-              <a:lstStyle/>
-              <a:p>
-                <a:r>
-                  <a:rPr lang="en-US">
-                    <a:noFill/>
-                  </a:rPr>
-                  <a:t> </a:t>
-                </a:r>
-              </a:p>
-            </p:txBody>
-          </p:sp>
-        </mc:Fallback>
-      </mc:AlternateContent>
-      <mc:AlternateContent xmlns:mc="http://schemas.openxmlformats.org/markup-compatibility/2006">
-        <mc:Choice xmlns:a14="http://schemas.microsoft.com/office/drawing/2010/main" Requires="a14">
-          <p:sp>
-            <p:nvSpPr>
-              <p:cNvPr id="38" name="TextBox 37">
-                <a:extLst>
-                  <a:ext uri="{FF2B5EF4-FFF2-40B4-BE49-F238E27FC236}">
-                    <a16:creationId xmlns:a16="http://schemas.microsoft.com/office/drawing/2014/main" id="{1241DAA3-F61A-41A0-905B-B3E501F7BD89}"/>
-                  </a:ext>
-                </a:extLst>
-              </p:cNvPr>
-              <p:cNvSpPr txBox="1"/>
-              <p:nvPr/>
-            </p:nvSpPr>
-            <p:spPr>
-              <a:xfrm>
-                <a:off x="7127511" y="2575158"/>
-                <a:ext cx="309123" cy="276999"/>
-              </a:xfrm>
-              <a:prstGeom prst="rect">
-                <a:avLst/>
-              </a:prstGeom>
-              <a:noFill/>
-            </p:spPr>
-            <p:txBody>
-              <a:bodyPr wrap="none" rtlCol="0">
-                <a:spAutoFit/>
-              </a:bodyPr>
-              <a:lstStyle/>
-              <a:p>
-                <a:pPr/>
-                <a14:m>
-                  <m:oMathPara xmlns:m="http://schemas.openxmlformats.org/officeDocument/2006/math">
-                    <m:oMathParaPr>
-                      <m:jc m:val="centerGroup"/>
-                    </m:oMathParaPr>
-                    <m:oMath xmlns:m="http://schemas.openxmlformats.org/officeDocument/2006/math">
-                      <m:r>
-                        <a:rPr lang="en-US" sz="1200" b="0" i="1" smtClean="0">
-                          <a:latin typeface="Cambria Math" panose="02040503050406030204" pitchFamily="18" charset="0"/>
-                        </a:rPr>
-                        <m:t>𝑦</m:t>
-                      </m:r>
-                    </m:oMath>
-                  </m:oMathPara>
-                </a14:m>
-                <a:endParaRPr lang="en-US" sz="1200" dirty="0"/>
-              </a:p>
-            </p:txBody>
-          </p:sp>
-        </mc:Choice>
-        <mc:Fallback>
-          <p:sp>
-            <p:nvSpPr>
-              <p:cNvPr id="38" name="TextBox 37">
-                <a:extLst>
-                  <a:ext uri="{FF2B5EF4-FFF2-40B4-BE49-F238E27FC236}">
-                    <a16:creationId xmlns:a16="http://schemas.microsoft.com/office/drawing/2014/main" id="{1241DAA3-F61A-41A0-905B-B3E501F7BD89}"/>
-                  </a:ext>
-                </a:extLst>
-              </p:cNvPr>
-              <p:cNvSpPr txBox="1">
-                <a:spLocks noRot="1" noChangeAspect="1" noMove="1" noResize="1" noEditPoints="1" noAdjustHandles="1" noChangeArrowheads="1" noChangeShapeType="1" noTextEdit="1"/>
-              </p:cNvSpPr>
-              <p:nvPr/>
-            </p:nvSpPr>
-            <p:spPr>
-              <a:xfrm>
-                <a:off x="7127511" y="2575158"/>
-                <a:ext cx="309123" cy="276999"/>
-              </a:xfrm>
-              <a:prstGeom prst="rect">
-                <a:avLst/>
-              </a:prstGeom>
-              <a:blipFill>
-                <a:blip r:embed="rId8"/>
-                <a:stretch>
-                  <a:fillRect/>
-                </a:stretch>
-              </a:blipFill>
-            </p:spPr>
-            <p:txBody>
-              <a:bodyPr/>
-              <a:lstStyle/>
-              <a:p>
-                <a:r>
-                  <a:rPr lang="en-US">
-                    <a:noFill/>
-                  </a:rPr>
-                  <a:t> </a:t>
-                </a:r>
-              </a:p>
-            </p:txBody>
-          </p:sp>
-        </mc:Fallback>
-      </mc:AlternateContent>
-      <mc:AlternateContent xmlns:mc="http://schemas.openxmlformats.org/markup-compatibility/2006">
-        <mc:Choice xmlns:a14="http://schemas.microsoft.com/office/drawing/2010/main" Requires="a14">
-          <p:sp>
-            <p:nvSpPr>
-              <p:cNvPr id="39" name="TextBox 38">
-                <a:extLst>
-                  <a:ext uri="{FF2B5EF4-FFF2-40B4-BE49-F238E27FC236}">
-                    <a16:creationId xmlns:a16="http://schemas.microsoft.com/office/drawing/2014/main" id="{EF45C652-8EEC-499C-9ADD-352BFD4FD54F}"/>
-                  </a:ext>
-                </a:extLst>
-              </p:cNvPr>
-              <p:cNvSpPr txBox="1"/>
-              <p:nvPr/>
-            </p:nvSpPr>
-            <p:spPr>
-              <a:xfrm>
-                <a:off x="5607170" y="728458"/>
-                <a:ext cx="296299" cy="276999"/>
-              </a:xfrm>
-              <a:prstGeom prst="rect">
-                <a:avLst/>
-              </a:prstGeom>
-              <a:noFill/>
-            </p:spPr>
-            <p:txBody>
-              <a:bodyPr wrap="none" rtlCol="0">
-                <a:spAutoFit/>
-              </a:bodyPr>
-              <a:lstStyle/>
-              <a:p>
-                <a:pPr/>
-                <a14:m>
-                  <m:oMathPara xmlns:m="http://schemas.openxmlformats.org/officeDocument/2006/math">
-                    <m:oMathParaPr>
-                      <m:jc m:val="centerGroup"/>
-                    </m:oMathParaPr>
-                    <m:oMath xmlns:m="http://schemas.openxmlformats.org/officeDocument/2006/math">
-                      <m:r>
-                        <a:rPr lang="en-US" sz="1200" b="0" i="1" smtClean="0">
-                          <a:latin typeface="Cambria Math" panose="02040503050406030204" pitchFamily="18" charset="0"/>
-                        </a:rPr>
-                        <m:t>𝑧</m:t>
-                      </m:r>
-                    </m:oMath>
-                  </m:oMathPara>
-                </a14:m>
-                <a:endParaRPr lang="en-US" sz="1200" dirty="0"/>
-              </a:p>
-            </p:txBody>
-          </p:sp>
-        </mc:Choice>
-        <mc:Fallback>
-          <p:sp>
-            <p:nvSpPr>
-              <p:cNvPr id="39" name="TextBox 38">
-                <a:extLst>
-                  <a:ext uri="{FF2B5EF4-FFF2-40B4-BE49-F238E27FC236}">
-                    <a16:creationId xmlns:a16="http://schemas.microsoft.com/office/drawing/2014/main" id="{EF45C652-8EEC-499C-9ADD-352BFD4FD54F}"/>
-                  </a:ext>
-                </a:extLst>
-              </p:cNvPr>
-              <p:cNvSpPr txBox="1">
-                <a:spLocks noRot="1" noChangeAspect="1" noMove="1" noResize="1" noEditPoints="1" noAdjustHandles="1" noChangeArrowheads="1" noChangeShapeType="1" noTextEdit="1"/>
-              </p:cNvSpPr>
-              <p:nvPr/>
-            </p:nvSpPr>
-            <p:spPr>
-              <a:xfrm>
-                <a:off x="5607170" y="728458"/>
-                <a:ext cx="296299" cy="276999"/>
-              </a:xfrm>
-              <a:prstGeom prst="rect">
-                <a:avLst/>
-              </a:prstGeom>
-              <a:blipFill>
-                <a:blip r:embed="rId9"/>
-                <a:stretch>
-                  <a:fillRect/>
-                </a:stretch>
-              </a:blipFill>
-            </p:spPr>
-            <p:txBody>
-              <a:bodyPr/>
-              <a:lstStyle/>
-              <a:p>
-                <a:r>
-                  <a:rPr lang="en-US">
-                    <a:noFill/>
-                  </a:rPr>
-                  <a:t> </a:t>
-                </a:r>
-              </a:p>
-            </p:txBody>
-          </p:sp>
-        </mc:Fallback>
-      </mc:AlternateContent>
-      <p:sp>
-        <p:nvSpPr>
-          <p:cNvPr id="42" name="Freeform: Shape 41">
-            <a:extLst>
-              <a:ext uri="{FF2B5EF4-FFF2-40B4-BE49-F238E27FC236}">
-                <a16:creationId xmlns:a16="http://schemas.microsoft.com/office/drawing/2014/main" id="{EBCD764E-5D17-4857-AA26-12080E2D3150}"/>
-              </a:ext>
-            </a:extLst>
-          </p:cNvPr>
-          <p:cNvSpPr/>
-          <p:nvPr/>
-        </p:nvSpPr>
-        <p:spPr>
-          <a:xfrm>
-            <a:off x="5883215" y="1440611"/>
-            <a:ext cx="1337094" cy="888521"/>
-          </a:xfrm>
-          <a:custGeom>
-            <a:avLst/>
-            <a:gdLst>
-              <a:gd name="connsiteX0" fmla="*/ 0 w 1337094"/>
-              <a:gd name="connsiteY0" fmla="*/ 888521 h 888521"/>
-              <a:gd name="connsiteX1" fmla="*/ 276045 w 1337094"/>
-              <a:gd name="connsiteY1" fmla="*/ 284672 h 888521"/>
-              <a:gd name="connsiteX2" fmla="*/ 776377 w 1337094"/>
-              <a:gd name="connsiteY2" fmla="*/ 34506 h 888521"/>
-              <a:gd name="connsiteX3" fmla="*/ 1337094 w 1337094"/>
-              <a:gd name="connsiteY3" fmla="*/ 0 h 888521"/>
-            </a:gdLst>
-            <a:ahLst/>
-            <a:cxnLst>
-              <a:cxn ang="0">
-                <a:pos x="connsiteX0" y="connsiteY0"/>
-              </a:cxn>
-              <a:cxn ang="0">
-                <a:pos x="connsiteX1" y="connsiteY1"/>
-              </a:cxn>
-              <a:cxn ang="0">
-                <a:pos x="connsiteX2" y="connsiteY2"/>
-              </a:cxn>
-              <a:cxn ang="0">
-                <a:pos x="connsiteX3" y="connsiteY3"/>
-              </a:cxn>
-            </a:cxnLst>
-            <a:rect l="l" t="t" r="r" b="b"/>
-            <a:pathLst>
-              <a:path w="1337094" h="888521">
-                <a:moveTo>
-                  <a:pt x="0" y="888521"/>
-                </a:moveTo>
-                <a:cubicBezTo>
-                  <a:pt x="73324" y="657764"/>
-                  <a:pt x="146649" y="427008"/>
-                  <a:pt x="276045" y="284672"/>
-                </a:cubicBezTo>
-                <a:cubicBezTo>
-                  <a:pt x="405441" y="142336"/>
-                  <a:pt x="599536" y="81951"/>
-                  <a:pt x="776377" y="34506"/>
-                </a:cubicBezTo>
-                <a:cubicBezTo>
-                  <a:pt x="953219" y="-12939"/>
-                  <a:pt x="1229264" y="5751"/>
-                  <a:pt x="1337094" y="0"/>
-                </a:cubicBezTo>
-              </a:path>
-            </a:pathLst>
-          </a:custGeom>
-          <a:ln w="12700"/>
-        </p:spPr>
-        <p:style>
-          <a:lnRef idx="1">
-            <a:schemeClr val="dk1"/>
-          </a:lnRef>
-          <a:fillRef idx="0">
-            <a:schemeClr val="dk1"/>
-          </a:fillRef>
-          <a:effectRef idx="0">
-            <a:schemeClr val="dk1"/>
-          </a:effectRef>
-          <a:fontRef idx="minor">
-            <a:schemeClr val="tx1"/>
-          </a:fontRef>
-        </p:style>
-        <p:txBody>
-          <a:bodyPr rtlCol="0" anchor="ctr"/>
-          <a:lstStyle/>
-          <a:p>
-            <a:pPr algn="ctr"/>
-            <a:endParaRPr lang="en-US"/>
-          </a:p>
-        </p:txBody>
-      </p:sp>
-      <p:cxnSp>
-        <p:nvCxnSpPr>
-          <p:cNvPr id="55" name="Straight Connector 54">
-            <a:extLst>
-              <a:ext uri="{FF2B5EF4-FFF2-40B4-BE49-F238E27FC236}">
-                <a16:creationId xmlns:a16="http://schemas.microsoft.com/office/drawing/2014/main" id="{29005273-F71B-40CF-BC4D-4EE0BBD61237}"/>
-              </a:ext>
-            </a:extLst>
-          </p:cNvPr>
-          <p:cNvCxnSpPr>
-            <a:stCxn id="42" idx="1"/>
-          </p:cNvCxnSpPr>
-          <p:nvPr/>
-        </p:nvCxnSpPr>
-        <p:spPr>
-          <a:xfrm flipH="1" flipV="1">
-            <a:off x="6096000" y="1639019"/>
-            <a:ext cx="63260" cy="86264"/>
-          </a:xfrm>
-          <a:prstGeom prst="line">
-            <a:avLst/>
-          </a:prstGeom>
-          <a:ln w="12700"/>
-        </p:spPr>
-        <p:style>
-          <a:lnRef idx="1">
-            <a:schemeClr val="dk1"/>
-          </a:lnRef>
-          <a:fillRef idx="0">
-            <a:schemeClr val="dk1"/>
-          </a:fillRef>
-          <a:effectRef idx="0">
-            <a:schemeClr val="dk1"/>
-          </a:effectRef>
-          <a:fontRef idx="minor">
-            <a:schemeClr val="tx1"/>
-          </a:fontRef>
-        </p:style>
-      </p:cxnSp>
-      <p:cxnSp>
-        <p:nvCxnSpPr>
-          <p:cNvPr id="59" name="Straight Connector 58">
-            <a:extLst>
-              <a:ext uri="{FF2B5EF4-FFF2-40B4-BE49-F238E27FC236}">
-                <a16:creationId xmlns:a16="http://schemas.microsoft.com/office/drawing/2014/main" id="{F6FDF9A9-61CE-4B8A-8504-8AE8EFF3C076}"/>
-              </a:ext>
-            </a:extLst>
-          </p:cNvPr>
-          <p:cNvCxnSpPr>
-            <a:cxnSpLocks/>
-            <a:stCxn id="42" idx="2"/>
-          </p:cNvCxnSpPr>
-          <p:nvPr/>
-        </p:nvCxnSpPr>
-        <p:spPr>
-          <a:xfrm flipH="1" flipV="1">
-            <a:off x="6581955" y="1380226"/>
-            <a:ext cx="77637" cy="94891"/>
-          </a:xfrm>
-          <a:prstGeom prst="line">
-            <a:avLst/>
-          </a:prstGeom>
-          <a:ln w="12700"/>
-        </p:spPr>
-        <p:style>
-          <a:lnRef idx="1">
-            <a:schemeClr val="dk1"/>
-          </a:lnRef>
-          <a:fillRef idx="0">
-            <a:schemeClr val="dk1"/>
-          </a:fillRef>
-          <a:effectRef idx="0">
-            <a:schemeClr val="dk1"/>
-          </a:effectRef>
-          <a:fontRef idx="minor">
-            <a:schemeClr val="tx1"/>
-          </a:fontRef>
-        </p:style>
-      </p:cxnSp>
-      <mc:AlternateContent xmlns:mc="http://schemas.openxmlformats.org/markup-compatibility/2006">
-        <mc:Choice xmlns:a14="http://schemas.microsoft.com/office/drawing/2010/main" Requires="a14">
-          <p:sp>
-            <p:nvSpPr>
-              <p:cNvPr id="78" name="TextBox 77">
-                <a:extLst>
-                  <a:ext uri="{FF2B5EF4-FFF2-40B4-BE49-F238E27FC236}">
-                    <a16:creationId xmlns:a16="http://schemas.microsoft.com/office/drawing/2014/main" id="{0928CBEE-FAC0-4720-8145-5178F1CAC5C2}"/>
-                  </a:ext>
-                </a:extLst>
-              </p:cNvPr>
-              <p:cNvSpPr txBox="1"/>
-              <p:nvPr/>
-            </p:nvSpPr>
-            <p:spPr>
-              <a:xfrm>
-                <a:off x="2158600" y="2385204"/>
-                <a:ext cx="476412" cy="276999"/>
-              </a:xfrm>
-              <a:prstGeom prst="rect">
-                <a:avLst/>
-              </a:prstGeom>
-              <a:noFill/>
-            </p:spPr>
-            <p:txBody>
-              <a:bodyPr wrap="none" rtlCol="0">
-                <a:spAutoFit/>
-              </a:bodyPr>
-              <a:lstStyle/>
-              <a:p>
-                <a:pPr/>
-                <a14:m>
-                  <m:oMathPara xmlns:m="http://schemas.openxmlformats.org/officeDocument/2006/math">
-                    <m:oMathParaPr>
-                      <m:jc m:val="centerGroup"/>
-                    </m:oMathParaPr>
-                    <m:oMath xmlns:m="http://schemas.openxmlformats.org/officeDocument/2006/math">
-                      <m:sSub>
-                        <m:sSubPr>
-                          <m:ctrlPr>
-                            <a:rPr lang="en-US" sz="1200" b="0" i="1" smtClean="0">
-                              <a:latin typeface="Cambria Math" panose="02040503050406030204" pitchFamily="18" charset="0"/>
-                            </a:rPr>
-                          </m:ctrlPr>
-                        </m:sSubPr>
-                        <m:e>
-                          <m:r>
-                            <a:rPr lang="en-US" sz="1200" b="0" i="1" smtClean="0">
-                              <a:latin typeface="Cambria Math" panose="02040503050406030204" pitchFamily="18" charset="0"/>
-                            </a:rPr>
-                            <m:t>𝑡</m:t>
-                          </m:r>
-                        </m:e>
-                        <m:sub>
-                          <m:r>
-                            <a:rPr lang="en-US" sz="1200" b="0" i="1" smtClean="0">
-                              <a:latin typeface="Cambria Math" panose="02040503050406030204" pitchFamily="18" charset="0"/>
-                            </a:rPr>
-                            <m:t>𝑖</m:t>
-                          </m:r>
-                          <m:r>
-                            <a:rPr lang="en-US" sz="1200" b="0" i="1" smtClean="0">
-                              <a:latin typeface="Cambria Math" panose="02040503050406030204" pitchFamily="18" charset="0"/>
-                            </a:rPr>
-                            <m:t>−1</m:t>
-                          </m:r>
-                        </m:sub>
-                      </m:sSub>
-                    </m:oMath>
-                  </m:oMathPara>
-                </a14:m>
-                <a:endParaRPr lang="en-US" sz="1200" dirty="0"/>
-              </a:p>
-            </p:txBody>
-          </p:sp>
-        </mc:Choice>
-        <mc:Fallback>
-          <p:sp>
-            <p:nvSpPr>
-              <p:cNvPr id="78" name="TextBox 77">
-                <a:extLst>
-                  <a:ext uri="{FF2B5EF4-FFF2-40B4-BE49-F238E27FC236}">
-                    <a16:creationId xmlns:a16="http://schemas.microsoft.com/office/drawing/2014/main" id="{0928CBEE-FAC0-4720-8145-5178F1CAC5C2}"/>
-                  </a:ext>
-                </a:extLst>
-              </p:cNvPr>
-              <p:cNvSpPr txBox="1">
-                <a:spLocks noRot="1" noChangeAspect="1" noMove="1" noResize="1" noEditPoints="1" noAdjustHandles="1" noChangeArrowheads="1" noChangeShapeType="1" noTextEdit="1"/>
-              </p:cNvSpPr>
-              <p:nvPr/>
-            </p:nvSpPr>
-            <p:spPr>
-              <a:xfrm>
-                <a:off x="2158600" y="2385204"/>
-                <a:ext cx="476412" cy="276999"/>
-              </a:xfrm>
-              <a:prstGeom prst="rect">
-                <a:avLst/>
-              </a:prstGeom>
-              <a:blipFill>
-                <a:blip r:embed="rId10"/>
-                <a:stretch>
-                  <a:fillRect/>
-                </a:stretch>
-              </a:blipFill>
-            </p:spPr>
-            <p:txBody>
-              <a:bodyPr/>
-              <a:lstStyle/>
-              <a:p>
-                <a:r>
-                  <a:rPr lang="en-US">
-                    <a:noFill/>
-                  </a:rPr>
-                  <a:t> </a:t>
-                </a:r>
-              </a:p>
-            </p:txBody>
-          </p:sp>
-        </mc:Fallback>
-      </mc:AlternateContent>
-      <mc:AlternateContent xmlns:mc="http://schemas.openxmlformats.org/markup-compatibility/2006">
-        <mc:Choice xmlns:a14="http://schemas.microsoft.com/office/drawing/2010/main" Requires="a14">
-          <p:sp>
-            <p:nvSpPr>
-              <p:cNvPr id="85" name="TextBox 84">
-                <a:extLst>
-                  <a:ext uri="{FF2B5EF4-FFF2-40B4-BE49-F238E27FC236}">
-                    <a16:creationId xmlns:a16="http://schemas.microsoft.com/office/drawing/2014/main" id="{4FCC15C2-2A37-4540-A573-CDAF80B785D8}"/>
-                  </a:ext>
-                </a:extLst>
-              </p:cNvPr>
-              <p:cNvSpPr txBox="1"/>
-              <p:nvPr/>
-            </p:nvSpPr>
-            <p:spPr>
-              <a:xfrm>
-                <a:off x="2593513" y="2394957"/>
-                <a:ext cx="328936" cy="276999"/>
-              </a:xfrm>
-              <a:prstGeom prst="rect">
-                <a:avLst/>
-              </a:prstGeom>
-              <a:noFill/>
-            </p:spPr>
-            <p:txBody>
-              <a:bodyPr wrap="none" rtlCol="0">
-                <a:spAutoFit/>
-              </a:bodyPr>
-              <a:lstStyle/>
-              <a:p>
-                <a:pPr/>
-                <a14:m>
-                  <m:oMathPara xmlns:m="http://schemas.openxmlformats.org/officeDocument/2006/math">
-                    <m:oMathParaPr>
-                      <m:jc m:val="centerGroup"/>
-                    </m:oMathParaPr>
-                    <m:oMath xmlns:m="http://schemas.openxmlformats.org/officeDocument/2006/math">
-                      <m:sSub>
-                        <m:sSubPr>
-                          <m:ctrlPr>
-                            <a:rPr lang="en-US" sz="1200" b="0" i="1" smtClean="0">
-                              <a:latin typeface="Cambria Math" panose="02040503050406030204" pitchFamily="18" charset="0"/>
-                            </a:rPr>
-                          </m:ctrlPr>
-                        </m:sSubPr>
-                        <m:e>
-                          <m:r>
-                            <a:rPr lang="en-US" sz="1200" b="0" i="1" smtClean="0">
-                              <a:latin typeface="Cambria Math" panose="02040503050406030204" pitchFamily="18" charset="0"/>
-                            </a:rPr>
-                            <m:t>𝑡</m:t>
-                          </m:r>
-                        </m:e>
-                        <m:sub>
-                          <m:r>
-                            <a:rPr lang="en-US" sz="1200" b="0" i="1" smtClean="0">
-                              <a:latin typeface="Cambria Math" panose="02040503050406030204" pitchFamily="18" charset="0"/>
-                            </a:rPr>
-                            <m:t>𝑖</m:t>
-                          </m:r>
-                        </m:sub>
-                      </m:sSub>
-                    </m:oMath>
-                  </m:oMathPara>
-                </a14:m>
-                <a:endParaRPr lang="en-US" sz="1200" dirty="0"/>
-              </a:p>
-            </p:txBody>
-          </p:sp>
-        </mc:Choice>
-        <mc:Fallback>
-          <p:sp>
-            <p:nvSpPr>
-              <p:cNvPr id="85" name="TextBox 84">
-                <a:extLst>
-                  <a:ext uri="{FF2B5EF4-FFF2-40B4-BE49-F238E27FC236}">
-                    <a16:creationId xmlns:a16="http://schemas.microsoft.com/office/drawing/2014/main" id="{4FCC15C2-2A37-4540-A573-CDAF80B785D8}"/>
-                  </a:ext>
-                </a:extLst>
-              </p:cNvPr>
-              <p:cNvSpPr txBox="1">
-                <a:spLocks noRot="1" noChangeAspect="1" noMove="1" noResize="1" noEditPoints="1" noAdjustHandles="1" noChangeArrowheads="1" noChangeShapeType="1" noTextEdit="1"/>
-              </p:cNvSpPr>
-              <p:nvPr/>
-            </p:nvSpPr>
-            <p:spPr>
-              <a:xfrm>
-                <a:off x="2593513" y="2394957"/>
-                <a:ext cx="328936" cy="276999"/>
-              </a:xfrm>
-              <a:prstGeom prst="rect">
-                <a:avLst/>
-              </a:prstGeom>
-              <a:blipFill>
-                <a:blip r:embed="rId11"/>
-                <a:stretch>
-                  <a:fillRect/>
-                </a:stretch>
-              </a:blipFill>
-            </p:spPr>
-            <p:txBody>
-              <a:bodyPr/>
-              <a:lstStyle/>
-              <a:p>
-                <a:r>
-                  <a:rPr lang="en-US">
-                    <a:noFill/>
-                  </a:rPr>
-                  <a:t> </a:t>
-                </a:r>
-              </a:p>
-            </p:txBody>
-          </p:sp>
-        </mc:Fallback>
-      </mc:AlternateContent>
-      <p:cxnSp>
-        <p:nvCxnSpPr>
-          <p:cNvPr id="87" name="Straight Arrow Connector 86">
-            <a:extLst>
-              <a:ext uri="{FF2B5EF4-FFF2-40B4-BE49-F238E27FC236}">
-                <a16:creationId xmlns:a16="http://schemas.microsoft.com/office/drawing/2014/main" id="{9649FB1D-7243-4597-8E2C-C2B5286A7E9C}"/>
-              </a:ext>
-            </a:extLst>
-          </p:cNvPr>
-          <p:cNvCxnSpPr>
-            <a:cxnSpLocks/>
-            <a:endCxn id="42" idx="1"/>
-          </p:cNvCxnSpPr>
-          <p:nvPr/>
-        </p:nvCxnSpPr>
-        <p:spPr>
-          <a:xfrm flipV="1">
-            <a:off x="5607169" y="1725283"/>
-            <a:ext cx="552091" cy="824604"/>
-          </a:xfrm>
-          <a:prstGeom prst="straightConnector1">
-            <a:avLst/>
-          </a:prstGeom>
-          <a:ln>
-            <a:tailEnd type="triangle"/>
-          </a:ln>
-        </p:spPr>
-        <p:style>
-          <a:lnRef idx="1">
-            <a:schemeClr val="dk1"/>
-          </a:lnRef>
-          <a:fillRef idx="0">
-            <a:schemeClr val="dk1"/>
-          </a:fillRef>
-          <a:effectRef idx="0">
-            <a:schemeClr val="dk1"/>
-          </a:effectRef>
-          <a:fontRef idx="minor">
-            <a:schemeClr val="tx1"/>
-          </a:fontRef>
-        </p:style>
-      </p:cxnSp>
-      <p:cxnSp>
-        <p:nvCxnSpPr>
-          <p:cNvPr id="94" name="Straight Arrow Connector 93">
-            <a:extLst>
-              <a:ext uri="{FF2B5EF4-FFF2-40B4-BE49-F238E27FC236}">
-                <a16:creationId xmlns:a16="http://schemas.microsoft.com/office/drawing/2014/main" id="{C7608BB1-FB29-4083-9980-CBE1E17A76AB}"/>
-              </a:ext>
-            </a:extLst>
-          </p:cNvPr>
-          <p:cNvCxnSpPr>
-            <a:cxnSpLocks/>
-            <a:endCxn id="42" idx="2"/>
-          </p:cNvCxnSpPr>
-          <p:nvPr/>
-        </p:nvCxnSpPr>
-        <p:spPr>
-          <a:xfrm flipV="1">
-            <a:off x="5607169" y="1475117"/>
-            <a:ext cx="1052423" cy="1074770"/>
-          </a:xfrm>
-          <a:prstGeom prst="straightConnector1">
-            <a:avLst/>
-          </a:prstGeom>
-          <a:ln>
-            <a:tailEnd type="triangle"/>
-          </a:ln>
-        </p:spPr>
-        <p:style>
-          <a:lnRef idx="1">
-            <a:schemeClr val="dk1"/>
-          </a:lnRef>
-          <a:fillRef idx="0">
-            <a:schemeClr val="dk1"/>
-          </a:fillRef>
-          <a:effectRef idx="0">
-            <a:schemeClr val="dk1"/>
-          </a:effectRef>
-          <a:fontRef idx="minor">
-            <a:schemeClr val="tx1"/>
-          </a:fontRef>
-        </p:style>
-      </p:cxnSp>
-      <p:cxnSp>
-        <p:nvCxnSpPr>
-          <p:cNvPr id="96" name="Straight Arrow Connector 95">
-            <a:extLst>
-              <a:ext uri="{FF2B5EF4-FFF2-40B4-BE49-F238E27FC236}">
-                <a16:creationId xmlns:a16="http://schemas.microsoft.com/office/drawing/2014/main" id="{56DE5AB7-B3A3-497E-9284-1AE20AEF9C0C}"/>
-              </a:ext>
-            </a:extLst>
-          </p:cNvPr>
-          <p:cNvCxnSpPr>
-            <a:cxnSpLocks/>
-            <a:stCxn id="42" idx="1"/>
-            <a:endCxn id="42" idx="2"/>
-          </p:cNvCxnSpPr>
-          <p:nvPr/>
-        </p:nvCxnSpPr>
-        <p:spPr>
-          <a:xfrm flipV="1">
-            <a:off x="6159260" y="1475117"/>
-            <a:ext cx="500332" cy="250166"/>
-          </a:xfrm>
-          <a:prstGeom prst="straightConnector1">
-            <a:avLst/>
-          </a:prstGeom>
-          <a:ln>
-            <a:tailEnd type="triangle"/>
-          </a:ln>
-        </p:spPr>
-        <p:style>
-          <a:lnRef idx="2">
-            <a:schemeClr val="accent1"/>
-          </a:lnRef>
-          <a:fillRef idx="0">
-            <a:schemeClr val="accent1"/>
-          </a:fillRef>
-          <a:effectRef idx="1">
-            <a:schemeClr val="accent1"/>
-          </a:effectRef>
-          <a:fontRef idx="minor">
-            <a:schemeClr val="tx1"/>
-          </a:fontRef>
-        </p:style>
-      </p:cxnSp>
-      <p:cxnSp>
-        <p:nvCxnSpPr>
-          <p:cNvPr id="103" name="Straight Connector 102">
-            <a:extLst>
-              <a:ext uri="{FF2B5EF4-FFF2-40B4-BE49-F238E27FC236}">
-                <a16:creationId xmlns:a16="http://schemas.microsoft.com/office/drawing/2014/main" id="{F633FC40-46F6-4BFE-88BC-A3E84F709448}"/>
-              </a:ext>
-            </a:extLst>
-          </p:cNvPr>
-          <p:cNvCxnSpPr>
-            <a:cxnSpLocks/>
-          </p:cNvCxnSpPr>
-          <p:nvPr/>
-        </p:nvCxnSpPr>
-        <p:spPr>
-          <a:xfrm>
-            <a:off x="2295065" y="2424023"/>
-            <a:ext cx="445662" cy="0"/>
-          </a:xfrm>
-          <a:prstGeom prst="line">
-            <a:avLst/>
-          </a:prstGeom>
-        </p:spPr>
-        <p:style>
-          <a:lnRef idx="3">
-            <a:schemeClr val="accent1"/>
-          </a:lnRef>
-          <a:fillRef idx="0">
-            <a:schemeClr val="accent1"/>
-          </a:fillRef>
-          <a:effectRef idx="2">
-            <a:schemeClr val="accent1"/>
-          </a:effectRef>
-          <a:fontRef idx="minor">
-            <a:schemeClr val="tx1"/>
-          </a:fontRef>
-        </p:style>
-      </p:cxnSp>
-      <mc:AlternateContent xmlns:mc="http://schemas.openxmlformats.org/markup-compatibility/2006">
-        <mc:Choice xmlns:a14="http://schemas.microsoft.com/office/drawing/2010/main" Requires="a14">
-          <p:sp>
-            <p:nvSpPr>
-              <p:cNvPr id="110" name="TextBox 109">
-                <a:extLst>
-                  <a:ext uri="{FF2B5EF4-FFF2-40B4-BE49-F238E27FC236}">
-                    <a16:creationId xmlns:a16="http://schemas.microsoft.com/office/drawing/2014/main" id="{A1882EE4-2C07-440D-9C6E-C5825B151DE8}"/>
-                  </a:ext>
-                </a:extLst>
-              </p:cNvPr>
-              <p:cNvSpPr txBox="1"/>
-              <p:nvPr/>
-            </p:nvSpPr>
-            <p:spPr>
-              <a:xfrm>
-                <a:off x="5529426" y="1543651"/>
-                <a:ext cx="681790" cy="276999"/>
-              </a:xfrm>
-              <a:prstGeom prst="rect">
-                <a:avLst/>
-              </a:prstGeom>
-              <a:noFill/>
-            </p:spPr>
-            <p:txBody>
-              <a:bodyPr wrap="none" rtlCol="0">
-                <a:spAutoFit/>
-              </a:bodyPr>
-              <a:lstStyle/>
-              <a:p>
-                <a:pPr/>
-                <a14:m>
-                  <m:oMathPara xmlns:m="http://schemas.openxmlformats.org/officeDocument/2006/math">
-                    <m:oMathParaPr>
-                      <m:jc m:val="centerGroup"/>
-                    </m:oMathParaPr>
-                    <m:oMath xmlns:m="http://schemas.openxmlformats.org/officeDocument/2006/math">
-                      <m:acc>
-                        <m:accPr>
-                          <m:chr m:val="⃗"/>
-                          <m:ctrlPr>
-                            <a:rPr lang="en-US" sz="1200" b="0" i="1" smtClean="0">
-                              <a:latin typeface="Cambria Math" panose="02040503050406030204" pitchFamily="18" charset="0"/>
-                            </a:rPr>
-                          </m:ctrlPr>
-                        </m:accPr>
-                        <m:e>
-                          <m:r>
-                            <a:rPr lang="en-US" sz="1200" b="0" i="1" smtClean="0">
-                              <a:latin typeface="Cambria Math" panose="02040503050406030204" pitchFamily="18" charset="0"/>
-                            </a:rPr>
-                            <m:t>𝑟</m:t>
-                          </m:r>
-                        </m:e>
-                      </m:acc>
-                      <m:r>
-                        <a:rPr lang="en-US" sz="1200" b="0" i="1" smtClean="0">
-                          <a:latin typeface="Cambria Math" panose="02040503050406030204" pitchFamily="18" charset="0"/>
-                        </a:rPr>
-                        <m:t>(</m:t>
-                      </m:r>
-                      <m:sSub>
-                        <m:sSubPr>
-                          <m:ctrlPr>
-                            <a:rPr lang="en-US" sz="1200" b="0" i="1" smtClean="0">
-                              <a:latin typeface="Cambria Math" panose="02040503050406030204" pitchFamily="18" charset="0"/>
-                            </a:rPr>
-                          </m:ctrlPr>
-                        </m:sSubPr>
-                        <m:e>
-                          <m:r>
-                            <a:rPr lang="en-US" sz="1200" b="0" i="1" smtClean="0">
-                              <a:latin typeface="Cambria Math" panose="02040503050406030204" pitchFamily="18" charset="0"/>
-                            </a:rPr>
-                            <m:t>𝑡</m:t>
-                          </m:r>
-                        </m:e>
-                        <m:sub>
-                          <m:r>
-                            <a:rPr lang="en-US" sz="1200" b="0" i="1" smtClean="0">
-                              <a:latin typeface="Cambria Math" panose="02040503050406030204" pitchFamily="18" charset="0"/>
-                            </a:rPr>
-                            <m:t>𝑖</m:t>
-                          </m:r>
-                          <m:r>
-                            <a:rPr lang="en-US" sz="1200" b="0" i="1" smtClean="0">
-                              <a:latin typeface="Cambria Math" panose="02040503050406030204" pitchFamily="18" charset="0"/>
-                            </a:rPr>
-                            <m:t>−1</m:t>
-                          </m:r>
-                        </m:sub>
-                      </m:sSub>
-                      <m:r>
-                        <a:rPr lang="en-US" sz="1200" b="0" i="1" smtClean="0">
-                          <a:latin typeface="Cambria Math" panose="02040503050406030204" pitchFamily="18" charset="0"/>
-                        </a:rPr>
-                        <m:t>)</m:t>
-                      </m:r>
-                    </m:oMath>
-                  </m:oMathPara>
-                </a14:m>
-                <a:endParaRPr lang="en-US" sz="1200" dirty="0"/>
-              </a:p>
-            </p:txBody>
-          </p:sp>
-        </mc:Choice>
-        <mc:Fallback>
-          <p:sp>
-            <p:nvSpPr>
-              <p:cNvPr id="110" name="TextBox 109">
-                <a:extLst>
-                  <a:ext uri="{FF2B5EF4-FFF2-40B4-BE49-F238E27FC236}">
-                    <a16:creationId xmlns:a16="http://schemas.microsoft.com/office/drawing/2014/main" id="{A1882EE4-2C07-440D-9C6E-C5825B151DE8}"/>
-                  </a:ext>
-                </a:extLst>
-              </p:cNvPr>
-              <p:cNvSpPr txBox="1">
-                <a:spLocks noRot="1" noChangeAspect="1" noMove="1" noResize="1" noEditPoints="1" noAdjustHandles="1" noChangeArrowheads="1" noChangeShapeType="1" noTextEdit="1"/>
-              </p:cNvSpPr>
-              <p:nvPr/>
-            </p:nvSpPr>
-            <p:spPr>
-              <a:xfrm>
-                <a:off x="5529426" y="1543651"/>
-                <a:ext cx="681790" cy="276999"/>
-              </a:xfrm>
-              <a:prstGeom prst="rect">
-                <a:avLst/>
-              </a:prstGeom>
-              <a:blipFill>
-                <a:blip r:embed="rId12"/>
-                <a:stretch>
-                  <a:fillRect t="-2174" b="-6522"/>
-                </a:stretch>
-              </a:blipFill>
-            </p:spPr>
-            <p:txBody>
-              <a:bodyPr/>
-              <a:lstStyle/>
-              <a:p>
-                <a:r>
-                  <a:rPr lang="en-US">
-                    <a:noFill/>
-                  </a:rPr>
-                  <a:t> </a:t>
-                </a:r>
-              </a:p>
-            </p:txBody>
-          </p:sp>
-        </mc:Fallback>
-      </mc:AlternateContent>
-      <mc:AlternateContent xmlns:mc="http://schemas.openxmlformats.org/markup-compatibility/2006">
-        <mc:Choice xmlns:a14="http://schemas.microsoft.com/office/drawing/2010/main" Requires="a14">
-          <p:sp>
-            <p:nvSpPr>
-              <p:cNvPr id="111" name="TextBox 110">
-                <a:extLst>
-                  <a:ext uri="{FF2B5EF4-FFF2-40B4-BE49-F238E27FC236}">
-                    <a16:creationId xmlns:a16="http://schemas.microsoft.com/office/drawing/2014/main" id="{9A2864EB-CC98-48F5-ABC4-040A323F8537}"/>
-                  </a:ext>
-                </a:extLst>
-              </p:cNvPr>
-              <p:cNvSpPr txBox="1"/>
-              <p:nvPr/>
-            </p:nvSpPr>
-            <p:spPr>
-              <a:xfrm>
-                <a:off x="6593198" y="1187487"/>
-                <a:ext cx="534313" cy="276999"/>
-              </a:xfrm>
-              <a:prstGeom prst="rect">
-                <a:avLst/>
-              </a:prstGeom>
-              <a:noFill/>
-            </p:spPr>
-            <p:txBody>
-              <a:bodyPr wrap="none" rtlCol="0">
-                <a:spAutoFit/>
-              </a:bodyPr>
-              <a:lstStyle/>
-              <a:p>
-                <a:pPr/>
-                <a14:m>
-                  <m:oMathPara xmlns:m="http://schemas.openxmlformats.org/officeDocument/2006/math">
-                    <m:oMathParaPr>
-                      <m:jc m:val="centerGroup"/>
-                    </m:oMathParaPr>
-                    <m:oMath xmlns:m="http://schemas.openxmlformats.org/officeDocument/2006/math">
-                      <m:acc>
-                        <m:accPr>
-                          <m:chr m:val="⃗"/>
-                          <m:ctrlPr>
-                            <a:rPr lang="en-US" sz="1200" b="0" i="1" smtClean="0">
-                              <a:latin typeface="Cambria Math" panose="02040503050406030204" pitchFamily="18" charset="0"/>
-                            </a:rPr>
-                          </m:ctrlPr>
-                        </m:accPr>
-                        <m:e>
-                          <m:r>
-                            <a:rPr lang="en-US" sz="1200" b="0" i="1" smtClean="0">
-                              <a:latin typeface="Cambria Math" panose="02040503050406030204" pitchFamily="18" charset="0"/>
-                            </a:rPr>
-                            <m:t>𝑟</m:t>
-                          </m:r>
-                        </m:e>
-                      </m:acc>
-                      <m:r>
-                        <a:rPr lang="en-US" sz="1200" b="0" i="1" smtClean="0">
-                          <a:latin typeface="Cambria Math" panose="02040503050406030204" pitchFamily="18" charset="0"/>
-                        </a:rPr>
-                        <m:t>(</m:t>
-                      </m:r>
-                      <m:sSub>
-                        <m:sSubPr>
-                          <m:ctrlPr>
-                            <a:rPr lang="en-US" sz="1200" b="0" i="1" smtClean="0">
-                              <a:latin typeface="Cambria Math" panose="02040503050406030204" pitchFamily="18" charset="0"/>
-                            </a:rPr>
-                          </m:ctrlPr>
-                        </m:sSubPr>
-                        <m:e>
-                          <m:r>
-                            <a:rPr lang="en-US" sz="1200" b="0" i="1" smtClean="0">
-                              <a:latin typeface="Cambria Math" panose="02040503050406030204" pitchFamily="18" charset="0"/>
-                            </a:rPr>
-                            <m:t>𝑡</m:t>
-                          </m:r>
-                        </m:e>
-                        <m:sub>
-                          <m:r>
-                            <a:rPr lang="en-US" sz="1200" b="0" i="1" smtClean="0">
-                              <a:latin typeface="Cambria Math" panose="02040503050406030204" pitchFamily="18" charset="0"/>
-                            </a:rPr>
-                            <m:t>𝑖</m:t>
-                          </m:r>
-                        </m:sub>
-                      </m:sSub>
-                      <m:r>
-                        <a:rPr lang="en-US" sz="1200" b="0" i="1" smtClean="0">
-                          <a:latin typeface="Cambria Math" panose="02040503050406030204" pitchFamily="18" charset="0"/>
-                        </a:rPr>
-                        <m:t>)</m:t>
-                      </m:r>
-                    </m:oMath>
-                  </m:oMathPara>
-                </a14:m>
-                <a:endParaRPr lang="en-US" sz="1200" dirty="0"/>
-              </a:p>
-            </p:txBody>
-          </p:sp>
-        </mc:Choice>
-        <mc:Fallback>
-          <p:sp>
-            <p:nvSpPr>
-              <p:cNvPr id="111" name="TextBox 110">
-                <a:extLst>
-                  <a:ext uri="{FF2B5EF4-FFF2-40B4-BE49-F238E27FC236}">
-                    <a16:creationId xmlns:a16="http://schemas.microsoft.com/office/drawing/2014/main" id="{9A2864EB-CC98-48F5-ABC4-040A323F8537}"/>
-                  </a:ext>
-                </a:extLst>
-              </p:cNvPr>
-              <p:cNvSpPr txBox="1">
-                <a:spLocks noRot="1" noChangeAspect="1" noMove="1" noResize="1" noEditPoints="1" noAdjustHandles="1" noChangeArrowheads="1" noChangeShapeType="1" noTextEdit="1"/>
-              </p:cNvSpPr>
-              <p:nvPr/>
-            </p:nvSpPr>
-            <p:spPr>
-              <a:xfrm>
-                <a:off x="6593198" y="1187487"/>
-                <a:ext cx="534313" cy="276999"/>
-              </a:xfrm>
-              <a:prstGeom prst="rect">
-                <a:avLst/>
-              </a:prstGeom>
-              <a:blipFill>
-                <a:blip r:embed="rId13"/>
-                <a:stretch>
-                  <a:fillRect t="-2222" b="-8889"/>
-                </a:stretch>
-              </a:blipFill>
-            </p:spPr>
-            <p:txBody>
-              <a:bodyPr/>
-              <a:lstStyle/>
-              <a:p>
-                <a:r>
-                  <a:rPr lang="en-US">
-                    <a:noFill/>
-                  </a:rPr>
-                  <a:t> </a:t>
-                </a:r>
-              </a:p>
-            </p:txBody>
-          </p:sp>
-        </mc:Fallback>
-      </mc:AlternateContent>
-    </p:spTree>
-    <p:extLst>
-      <p:ext uri="{BB962C8B-B14F-4D97-AF65-F5344CB8AC3E}">
-        <p14:creationId xmlns:p14="http://schemas.microsoft.com/office/powerpoint/2010/main" val="3128246731"/>
-      </p:ext>
-    </p:extLst>
-  </p:cSld>
-  <p:clrMapOvr>
-    <a:masterClrMapping/>
-  </p:clrMapOvr>
-</p:sld>
-</file>
-
-<file path=ppt/slides/slide3.xml><?xml version="1.0" encoding="utf-8"?>
-<p:sld xmlns:a="http://schemas.openxmlformats.org/drawingml/2006/main" xmlns:r="http://schemas.openxmlformats.org/officeDocument/2006/relationships" xmlns:p="http://schemas.openxmlformats.org/presentationml/2006/main">
-  <p:cSld>
-    <p:spTree>
-      <p:nvGrpSpPr>
-        <p:cNvPr id="1" name=""/>
-        <p:cNvGrpSpPr/>
-        <p:nvPr/>
-      </p:nvGrpSpPr>
-      <p:grpSpPr>
-        <a:xfrm>
-          <a:off x="0" y="0"/>
-          <a:ext cx="0" cy="0"/>
-          <a:chOff x="0" y="0"/>
-          <a:chExt cx="0" cy="0"/>
-        </a:xfrm>
-      </p:grpSpPr>
-      <p:cxnSp>
-        <p:nvCxnSpPr>
-          <p:cNvPr id="5" name="Straight Arrow Connector 4">
-            <a:extLst>
-              <a:ext uri="{FF2B5EF4-FFF2-40B4-BE49-F238E27FC236}">
-                <a16:creationId xmlns:a16="http://schemas.microsoft.com/office/drawing/2014/main" id="{ED306833-0DE3-43A2-8E6D-4DD57DF8B6C4}"/>
-              </a:ext>
-            </a:extLst>
-          </p:cNvPr>
-          <p:cNvCxnSpPr>
-            <a:cxnSpLocks/>
-          </p:cNvCxnSpPr>
-          <p:nvPr/>
-        </p:nvCxnSpPr>
-        <p:spPr>
-          <a:xfrm>
-            <a:off x="1475117" y="2424023"/>
-            <a:ext cx="2191109" cy="0"/>
-          </a:xfrm>
-          <a:prstGeom prst="straightConnector1">
-            <a:avLst/>
-          </a:prstGeom>
-          <a:ln w="12700">
-            <a:tailEnd type="triangle"/>
-          </a:ln>
-        </p:spPr>
-        <p:style>
-          <a:lnRef idx="1">
-            <a:schemeClr val="dk1"/>
-          </a:lnRef>
-          <a:fillRef idx="0">
-            <a:schemeClr val="dk1"/>
-          </a:fillRef>
-          <a:effectRef idx="0">
-            <a:schemeClr val="dk1"/>
-          </a:effectRef>
-          <a:fontRef idx="minor">
-            <a:schemeClr val="tx1"/>
-          </a:fontRef>
-        </p:style>
-      </p:cxnSp>
-      <p:cxnSp>
-        <p:nvCxnSpPr>
-          <p:cNvPr id="8" name="Straight Connector 7">
-            <a:extLst>
-              <a:ext uri="{FF2B5EF4-FFF2-40B4-BE49-F238E27FC236}">
-                <a16:creationId xmlns:a16="http://schemas.microsoft.com/office/drawing/2014/main" id="{DC325EF6-7873-4663-AB04-B7A25BCF817E}"/>
-              </a:ext>
-            </a:extLst>
-          </p:cNvPr>
-          <p:cNvCxnSpPr>
-            <a:cxnSpLocks/>
-          </p:cNvCxnSpPr>
-          <p:nvPr/>
-        </p:nvCxnSpPr>
-        <p:spPr>
-          <a:xfrm>
-            <a:off x="1871932" y="2355011"/>
-            <a:ext cx="0" cy="60386"/>
-          </a:xfrm>
-          <a:prstGeom prst="line">
-            <a:avLst/>
-          </a:prstGeom>
-          <a:ln w="12700"/>
-        </p:spPr>
-        <p:style>
-          <a:lnRef idx="1">
-            <a:schemeClr val="dk1"/>
-          </a:lnRef>
-          <a:fillRef idx="0">
-            <a:schemeClr val="dk1"/>
-          </a:fillRef>
-          <a:effectRef idx="0">
-            <a:schemeClr val="dk1"/>
-          </a:effectRef>
-          <a:fontRef idx="minor">
-            <a:schemeClr val="tx1"/>
-          </a:fontRef>
-        </p:style>
-      </p:cxnSp>
-      <p:cxnSp>
-        <p:nvCxnSpPr>
-          <p:cNvPr id="14" name="Straight Connector 13">
-            <a:extLst>
-              <a:ext uri="{FF2B5EF4-FFF2-40B4-BE49-F238E27FC236}">
-                <a16:creationId xmlns:a16="http://schemas.microsoft.com/office/drawing/2014/main" id="{031BA9B3-F886-4792-857F-91594C97D0B4}"/>
-              </a:ext>
-            </a:extLst>
-          </p:cNvPr>
-          <p:cNvCxnSpPr>
-            <a:cxnSpLocks/>
-          </p:cNvCxnSpPr>
-          <p:nvPr/>
-        </p:nvCxnSpPr>
-        <p:spPr>
-          <a:xfrm>
-            <a:off x="3286705" y="2329132"/>
-            <a:ext cx="0" cy="86264"/>
-          </a:xfrm>
-          <a:prstGeom prst="line">
-            <a:avLst/>
-          </a:prstGeom>
-          <a:ln w="12700"/>
-        </p:spPr>
-        <p:style>
-          <a:lnRef idx="1">
-            <a:schemeClr val="dk1"/>
-          </a:lnRef>
-          <a:fillRef idx="0">
-            <a:schemeClr val="dk1"/>
-          </a:fillRef>
-          <a:effectRef idx="0">
-            <a:schemeClr val="dk1"/>
-          </a:effectRef>
-          <a:fontRef idx="minor">
-            <a:schemeClr val="tx1"/>
-          </a:fontRef>
-        </p:style>
-      </p:cxnSp>
       <mc:AlternateContent xmlns:mc="http://schemas.openxmlformats.org/markup-compatibility/2006" xmlns:a14="http://schemas.microsoft.com/office/drawing/2010/main">
         <mc:Choice Requires="a14">
           <p:sp>
@@ -8670,6 +6721,1956 @@
             </a:extLst>
           </p:cNvPr>
           <p:cNvCxnSpPr>
+            <a:cxnSpLocks/>
+            <a:endCxn id="42" idx="2"/>
+          </p:cNvCxnSpPr>
+          <p:nvPr/>
+        </p:nvCxnSpPr>
+        <p:spPr>
+          <a:xfrm flipV="1">
+            <a:off x="5607169" y="1475117"/>
+            <a:ext cx="1052423" cy="1074770"/>
+          </a:xfrm>
+          <a:prstGeom prst="straightConnector1">
+            <a:avLst/>
+          </a:prstGeom>
+          <a:ln>
+            <a:tailEnd type="triangle"/>
+          </a:ln>
+        </p:spPr>
+        <p:style>
+          <a:lnRef idx="1">
+            <a:schemeClr val="dk1"/>
+          </a:lnRef>
+          <a:fillRef idx="0">
+            <a:schemeClr val="dk1"/>
+          </a:fillRef>
+          <a:effectRef idx="0">
+            <a:schemeClr val="dk1"/>
+          </a:effectRef>
+          <a:fontRef idx="minor">
+            <a:schemeClr val="tx1"/>
+          </a:fontRef>
+        </p:style>
+      </p:cxnSp>
+      <p:cxnSp>
+        <p:nvCxnSpPr>
+          <p:cNvPr id="96" name="Straight Arrow Connector 95">
+            <a:extLst>
+              <a:ext uri="{FF2B5EF4-FFF2-40B4-BE49-F238E27FC236}">
+                <a16:creationId xmlns:a16="http://schemas.microsoft.com/office/drawing/2014/main" id="{56DE5AB7-B3A3-497E-9284-1AE20AEF9C0C}"/>
+              </a:ext>
+            </a:extLst>
+          </p:cNvPr>
+          <p:cNvCxnSpPr>
+            <a:cxnSpLocks/>
+            <a:stCxn id="42" idx="1"/>
+            <a:endCxn id="42" idx="2"/>
+          </p:cNvCxnSpPr>
+          <p:nvPr/>
+        </p:nvCxnSpPr>
+        <p:spPr>
+          <a:xfrm flipV="1">
+            <a:off x="6159260" y="1475117"/>
+            <a:ext cx="500332" cy="250166"/>
+          </a:xfrm>
+          <a:prstGeom prst="straightConnector1">
+            <a:avLst/>
+          </a:prstGeom>
+          <a:ln>
+            <a:tailEnd type="triangle"/>
+          </a:ln>
+        </p:spPr>
+        <p:style>
+          <a:lnRef idx="2">
+            <a:schemeClr val="accent1"/>
+          </a:lnRef>
+          <a:fillRef idx="0">
+            <a:schemeClr val="accent1"/>
+          </a:fillRef>
+          <a:effectRef idx="1">
+            <a:schemeClr val="accent1"/>
+          </a:effectRef>
+          <a:fontRef idx="minor">
+            <a:schemeClr val="tx1"/>
+          </a:fontRef>
+        </p:style>
+      </p:cxnSp>
+      <p:cxnSp>
+        <p:nvCxnSpPr>
+          <p:cNvPr id="103" name="Straight Connector 102">
+            <a:extLst>
+              <a:ext uri="{FF2B5EF4-FFF2-40B4-BE49-F238E27FC236}">
+                <a16:creationId xmlns:a16="http://schemas.microsoft.com/office/drawing/2014/main" id="{F633FC40-46F6-4BFE-88BC-A3E84F709448}"/>
+              </a:ext>
+            </a:extLst>
+          </p:cNvPr>
+          <p:cNvCxnSpPr>
+            <a:cxnSpLocks/>
+          </p:cNvCxnSpPr>
+          <p:nvPr/>
+        </p:nvCxnSpPr>
+        <p:spPr>
+          <a:xfrm>
+            <a:off x="2295065" y="2424023"/>
+            <a:ext cx="445662" cy="0"/>
+          </a:xfrm>
+          <a:prstGeom prst="line">
+            <a:avLst/>
+          </a:prstGeom>
+        </p:spPr>
+        <p:style>
+          <a:lnRef idx="3">
+            <a:schemeClr val="accent1"/>
+          </a:lnRef>
+          <a:fillRef idx="0">
+            <a:schemeClr val="accent1"/>
+          </a:fillRef>
+          <a:effectRef idx="2">
+            <a:schemeClr val="accent1"/>
+          </a:effectRef>
+          <a:fontRef idx="minor">
+            <a:schemeClr val="tx1"/>
+          </a:fontRef>
+        </p:style>
+      </p:cxnSp>
+      <mc:AlternateContent xmlns:mc="http://schemas.openxmlformats.org/markup-compatibility/2006" xmlns:a14="http://schemas.microsoft.com/office/drawing/2010/main">
+        <mc:Choice Requires="a14">
+          <p:sp>
+            <p:nvSpPr>
+              <p:cNvPr id="110" name="TextBox 109">
+                <a:extLst>
+                  <a:ext uri="{FF2B5EF4-FFF2-40B4-BE49-F238E27FC236}">
+                    <a16:creationId xmlns:a16="http://schemas.microsoft.com/office/drawing/2014/main" id="{A1882EE4-2C07-440D-9C6E-C5825B151DE8}"/>
+                  </a:ext>
+                </a:extLst>
+              </p:cNvPr>
+              <p:cNvSpPr txBox="1"/>
+              <p:nvPr/>
+            </p:nvSpPr>
+            <p:spPr>
+              <a:xfrm>
+                <a:off x="5529426" y="1543651"/>
+                <a:ext cx="681790" cy="276999"/>
+              </a:xfrm>
+              <a:prstGeom prst="rect">
+                <a:avLst/>
+              </a:prstGeom>
+              <a:noFill/>
+            </p:spPr>
+            <p:txBody>
+              <a:bodyPr wrap="none" rtlCol="0">
+                <a:spAutoFit/>
+              </a:bodyPr>
+              <a:lstStyle/>
+              <a:p>
+                <a:pPr/>
+                <a14:m>
+                  <m:oMathPara xmlns:m="http://schemas.openxmlformats.org/officeDocument/2006/math">
+                    <m:oMathParaPr>
+                      <m:jc m:val="centerGroup"/>
+                    </m:oMathParaPr>
+                    <m:oMath xmlns:m="http://schemas.openxmlformats.org/officeDocument/2006/math">
+                      <m:acc>
+                        <m:accPr>
+                          <m:chr m:val="⃗"/>
+                          <m:ctrlPr>
+                            <a:rPr lang="en-US" sz="1200" b="0" i="1" smtClean="0">
+                              <a:latin typeface="Cambria Math" panose="02040503050406030204" pitchFamily="18" charset="0"/>
+                            </a:rPr>
+                          </m:ctrlPr>
+                        </m:accPr>
+                        <m:e>
+                          <m:r>
+                            <a:rPr lang="en-US" sz="1200" b="0" i="1" smtClean="0">
+                              <a:latin typeface="Cambria Math" panose="02040503050406030204" pitchFamily="18" charset="0"/>
+                            </a:rPr>
+                            <m:t>𝑟</m:t>
+                          </m:r>
+                        </m:e>
+                      </m:acc>
+                      <m:r>
+                        <a:rPr lang="en-US" sz="1200" b="0" i="1" smtClean="0">
+                          <a:latin typeface="Cambria Math" panose="02040503050406030204" pitchFamily="18" charset="0"/>
+                        </a:rPr>
+                        <m:t>(</m:t>
+                      </m:r>
+                      <m:sSub>
+                        <m:sSubPr>
+                          <m:ctrlPr>
+                            <a:rPr lang="en-US" sz="1200" b="0" i="1" smtClean="0">
+                              <a:latin typeface="Cambria Math" panose="02040503050406030204" pitchFamily="18" charset="0"/>
+                            </a:rPr>
+                          </m:ctrlPr>
+                        </m:sSubPr>
+                        <m:e>
+                          <m:r>
+                            <a:rPr lang="en-US" sz="1200" b="0" i="1" smtClean="0">
+                              <a:latin typeface="Cambria Math" panose="02040503050406030204" pitchFamily="18" charset="0"/>
+                            </a:rPr>
+                            <m:t>𝑡</m:t>
+                          </m:r>
+                        </m:e>
+                        <m:sub>
+                          <m:r>
+                            <a:rPr lang="en-US" sz="1200" b="0" i="1" smtClean="0">
+                              <a:latin typeface="Cambria Math" panose="02040503050406030204" pitchFamily="18" charset="0"/>
+                            </a:rPr>
+                            <m:t>𝑖</m:t>
+                          </m:r>
+                          <m:r>
+                            <a:rPr lang="en-US" sz="1200" b="0" i="1" smtClean="0">
+                              <a:latin typeface="Cambria Math" panose="02040503050406030204" pitchFamily="18" charset="0"/>
+                            </a:rPr>
+                            <m:t>−1</m:t>
+                          </m:r>
+                        </m:sub>
+                      </m:sSub>
+                      <m:r>
+                        <a:rPr lang="en-US" sz="1200" b="0" i="1" smtClean="0">
+                          <a:latin typeface="Cambria Math" panose="02040503050406030204" pitchFamily="18" charset="0"/>
+                        </a:rPr>
+                        <m:t>)</m:t>
+                      </m:r>
+                    </m:oMath>
+                  </m:oMathPara>
+                </a14:m>
+                <a:endParaRPr lang="en-US" sz="1200" dirty="0"/>
+              </a:p>
+            </p:txBody>
+          </p:sp>
+        </mc:Choice>
+        <mc:Fallback xmlns="">
+          <p:sp>
+            <p:nvSpPr>
+              <p:cNvPr id="110" name="TextBox 109">
+                <a:extLst>
+                  <a:ext uri="{FF2B5EF4-FFF2-40B4-BE49-F238E27FC236}">
+                    <a16:creationId xmlns:a16="http://schemas.microsoft.com/office/drawing/2014/main" id="{A1882EE4-2C07-440D-9C6E-C5825B151DE8}"/>
+                  </a:ext>
+                </a:extLst>
+              </p:cNvPr>
+              <p:cNvSpPr txBox="1">
+                <a:spLocks noRot="1" noChangeAspect="1" noMove="1" noResize="1" noEditPoints="1" noAdjustHandles="1" noChangeArrowheads="1" noChangeShapeType="1" noTextEdit="1"/>
+              </p:cNvSpPr>
+              <p:nvPr/>
+            </p:nvSpPr>
+            <p:spPr>
+              <a:xfrm>
+                <a:off x="5529426" y="1543651"/>
+                <a:ext cx="681790" cy="276999"/>
+              </a:xfrm>
+              <a:prstGeom prst="rect">
+                <a:avLst/>
+              </a:prstGeom>
+              <a:blipFill>
+                <a:blip r:embed="rId12"/>
+                <a:stretch>
+                  <a:fillRect t="-2174" b="-6522"/>
+                </a:stretch>
+              </a:blipFill>
+            </p:spPr>
+            <p:txBody>
+              <a:bodyPr/>
+              <a:lstStyle/>
+              <a:p>
+                <a:r>
+                  <a:rPr lang="en-US">
+                    <a:noFill/>
+                  </a:rPr>
+                  <a:t> </a:t>
+                </a:r>
+              </a:p>
+            </p:txBody>
+          </p:sp>
+        </mc:Fallback>
+      </mc:AlternateContent>
+      <mc:AlternateContent xmlns:mc="http://schemas.openxmlformats.org/markup-compatibility/2006" xmlns:a14="http://schemas.microsoft.com/office/drawing/2010/main">
+        <mc:Choice Requires="a14">
+          <p:sp>
+            <p:nvSpPr>
+              <p:cNvPr id="111" name="TextBox 110">
+                <a:extLst>
+                  <a:ext uri="{FF2B5EF4-FFF2-40B4-BE49-F238E27FC236}">
+                    <a16:creationId xmlns:a16="http://schemas.microsoft.com/office/drawing/2014/main" id="{9A2864EB-CC98-48F5-ABC4-040A323F8537}"/>
+                  </a:ext>
+                </a:extLst>
+              </p:cNvPr>
+              <p:cNvSpPr txBox="1"/>
+              <p:nvPr/>
+            </p:nvSpPr>
+            <p:spPr>
+              <a:xfrm>
+                <a:off x="6593198" y="1187487"/>
+                <a:ext cx="534313" cy="276999"/>
+              </a:xfrm>
+              <a:prstGeom prst="rect">
+                <a:avLst/>
+              </a:prstGeom>
+              <a:noFill/>
+            </p:spPr>
+            <p:txBody>
+              <a:bodyPr wrap="none" rtlCol="0">
+                <a:spAutoFit/>
+              </a:bodyPr>
+              <a:lstStyle/>
+              <a:p>
+                <a:pPr/>
+                <a14:m>
+                  <m:oMathPara xmlns:m="http://schemas.openxmlformats.org/officeDocument/2006/math">
+                    <m:oMathParaPr>
+                      <m:jc m:val="centerGroup"/>
+                    </m:oMathParaPr>
+                    <m:oMath xmlns:m="http://schemas.openxmlformats.org/officeDocument/2006/math">
+                      <m:acc>
+                        <m:accPr>
+                          <m:chr m:val="⃗"/>
+                          <m:ctrlPr>
+                            <a:rPr lang="en-US" sz="1200" b="0" i="1" smtClean="0">
+                              <a:latin typeface="Cambria Math" panose="02040503050406030204" pitchFamily="18" charset="0"/>
+                            </a:rPr>
+                          </m:ctrlPr>
+                        </m:accPr>
+                        <m:e>
+                          <m:r>
+                            <a:rPr lang="en-US" sz="1200" b="0" i="1" smtClean="0">
+                              <a:latin typeface="Cambria Math" panose="02040503050406030204" pitchFamily="18" charset="0"/>
+                            </a:rPr>
+                            <m:t>𝑟</m:t>
+                          </m:r>
+                        </m:e>
+                      </m:acc>
+                      <m:r>
+                        <a:rPr lang="en-US" sz="1200" b="0" i="1" smtClean="0">
+                          <a:latin typeface="Cambria Math" panose="02040503050406030204" pitchFamily="18" charset="0"/>
+                        </a:rPr>
+                        <m:t>(</m:t>
+                      </m:r>
+                      <m:sSub>
+                        <m:sSubPr>
+                          <m:ctrlPr>
+                            <a:rPr lang="en-US" sz="1200" b="0" i="1" smtClean="0">
+                              <a:latin typeface="Cambria Math" panose="02040503050406030204" pitchFamily="18" charset="0"/>
+                            </a:rPr>
+                          </m:ctrlPr>
+                        </m:sSubPr>
+                        <m:e>
+                          <m:r>
+                            <a:rPr lang="en-US" sz="1200" b="0" i="1" smtClean="0">
+                              <a:latin typeface="Cambria Math" panose="02040503050406030204" pitchFamily="18" charset="0"/>
+                            </a:rPr>
+                            <m:t>𝑡</m:t>
+                          </m:r>
+                        </m:e>
+                        <m:sub>
+                          <m:r>
+                            <a:rPr lang="en-US" sz="1200" b="0" i="1" smtClean="0">
+                              <a:latin typeface="Cambria Math" panose="02040503050406030204" pitchFamily="18" charset="0"/>
+                            </a:rPr>
+                            <m:t>𝑖</m:t>
+                          </m:r>
+                        </m:sub>
+                      </m:sSub>
+                      <m:r>
+                        <a:rPr lang="en-US" sz="1200" b="0" i="1" smtClean="0">
+                          <a:latin typeface="Cambria Math" panose="02040503050406030204" pitchFamily="18" charset="0"/>
+                        </a:rPr>
+                        <m:t>)</m:t>
+                      </m:r>
+                    </m:oMath>
+                  </m:oMathPara>
+                </a14:m>
+                <a:endParaRPr lang="en-US" sz="1200" dirty="0"/>
+              </a:p>
+            </p:txBody>
+          </p:sp>
+        </mc:Choice>
+        <mc:Fallback xmlns="">
+          <p:sp>
+            <p:nvSpPr>
+              <p:cNvPr id="111" name="TextBox 110">
+                <a:extLst>
+                  <a:ext uri="{FF2B5EF4-FFF2-40B4-BE49-F238E27FC236}">
+                    <a16:creationId xmlns:a16="http://schemas.microsoft.com/office/drawing/2014/main" id="{9A2864EB-CC98-48F5-ABC4-040A323F8537}"/>
+                  </a:ext>
+                </a:extLst>
+              </p:cNvPr>
+              <p:cNvSpPr txBox="1">
+                <a:spLocks noRot="1" noChangeAspect="1" noMove="1" noResize="1" noEditPoints="1" noAdjustHandles="1" noChangeArrowheads="1" noChangeShapeType="1" noTextEdit="1"/>
+              </p:cNvSpPr>
+              <p:nvPr/>
+            </p:nvSpPr>
+            <p:spPr>
+              <a:xfrm>
+                <a:off x="6593198" y="1187487"/>
+                <a:ext cx="534313" cy="276999"/>
+              </a:xfrm>
+              <a:prstGeom prst="rect">
+                <a:avLst/>
+              </a:prstGeom>
+              <a:blipFill>
+                <a:blip r:embed="rId13"/>
+                <a:stretch>
+                  <a:fillRect t="-2222" b="-8889"/>
+                </a:stretch>
+              </a:blipFill>
+            </p:spPr>
+            <p:txBody>
+              <a:bodyPr/>
+              <a:lstStyle/>
+              <a:p>
+                <a:r>
+                  <a:rPr lang="en-US">
+                    <a:noFill/>
+                  </a:rPr>
+                  <a:t> </a:t>
+                </a:r>
+              </a:p>
+            </p:txBody>
+          </p:sp>
+        </mc:Fallback>
+      </mc:AlternateContent>
+    </p:spTree>
+    <p:extLst>
+      <p:ext uri="{BB962C8B-B14F-4D97-AF65-F5344CB8AC3E}">
+        <p14:creationId xmlns:p14="http://schemas.microsoft.com/office/powerpoint/2010/main" val="3128246731"/>
+      </p:ext>
+    </p:extLst>
+  </p:cSld>
+  <p:clrMapOvr>
+    <a:masterClrMapping/>
+  </p:clrMapOvr>
+</p:sld>
+</file>
+
+<file path=ppt/slides/slide3.xml><?xml version="1.0" encoding="utf-8"?>
+<p:sld xmlns:a="http://schemas.openxmlformats.org/drawingml/2006/main" xmlns:r="http://schemas.openxmlformats.org/officeDocument/2006/relationships" xmlns:p="http://schemas.openxmlformats.org/presentationml/2006/main">
+  <p:cSld>
+    <p:spTree>
+      <p:nvGrpSpPr>
+        <p:cNvPr id="1" name=""/>
+        <p:cNvGrpSpPr/>
+        <p:nvPr/>
+      </p:nvGrpSpPr>
+      <p:grpSpPr>
+        <a:xfrm>
+          <a:off x="0" y="0"/>
+          <a:ext cx="0" cy="0"/>
+          <a:chOff x="0" y="0"/>
+          <a:chExt cx="0" cy="0"/>
+        </a:xfrm>
+      </p:grpSpPr>
+      <p:cxnSp>
+        <p:nvCxnSpPr>
+          <p:cNvPr id="5" name="Straight Arrow Connector 4">
+            <a:extLst>
+              <a:ext uri="{FF2B5EF4-FFF2-40B4-BE49-F238E27FC236}">
+                <a16:creationId xmlns:a16="http://schemas.microsoft.com/office/drawing/2014/main" id="{ED306833-0DE3-43A2-8E6D-4DD57DF8B6C4}"/>
+              </a:ext>
+            </a:extLst>
+          </p:cNvPr>
+          <p:cNvCxnSpPr>
+            <a:cxnSpLocks/>
+          </p:cNvCxnSpPr>
+          <p:nvPr/>
+        </p:nvCxnSpPr>
+        <p:spPr>
+          <a:xfrm>
+            <a:off x="1475117" y="2424023"/>
+            <a:ext cx="2191109" cy="0"/>
+          </a:xfrm>
+          <a:prstGeom prst="straightConnector1">
+            <a:avLst/>
+          </a:prstGeom>
+          <a:ln w="12700">
+            <a:tailEnd type="triangle"/>
+          </a:ln>
+        </p:spPr>
+        <p:style>
+          <a:lnRef idx="1">
+            <a:schemeClr val="dk1"/>
+          </a:lnRef>
+          <a:fillRef idx="0">
+            <a:schemeClr val="dk1"/>
+          </a:fillRef>
+          <a:effectRef idx="0">
+            <a:schemeClr val="dk1"/>
+          </a:effectRef>
+          <a:fontRef idx="minor">
+            <a:schemeClr val="tx1"/>
+          </a:fontRef>
+        </p:style>
+      </p:cxnSp>
+      <p:cxnSp>
+        <p:nvCxnSpPr>
+          <p:cNvPr id="8" name="Straight Connector 7">
+            <a:extLst>
+              <a:ext uri="{FF2B5EF4-FFF2-40B4-BE49-F238E27FC236}">
+                <a16:creationId xmlns:a16="http://schemas.microsoft.com/office/drawing/2014/main" id="{DC325EF6-7873-4663-AB04-B7A25BCF817E}"/>
+              </a:ext>
+            </a:extLst>
+          </p:cNvPr>
+          <p:cNvCxnSpPr>
+            <a:cxnSpLocks/>
+          </p:cNvCxnSpPr>
+          <p:nvPr/>
+        </p:nvCxnSpPr>
+        <p:spPr>
+          <a:xfrm>
+            <a:off x="1871932" y="2355011"/>
+            <a:ext cx="0" cy="60386"/>
+          </a:xfrm>
+          <a:prstGeom prst="line">
+            <a:avLst/>
+          </a:prstGeom>
+          <a:ln w="12700"/>
+        </p:spPr>
+        <p:style>
+          <a:lnRef idx="1">
+            <a:schemeClr val="dk1"/>
+          </a:lnRef>
+          <a:fillRef idx="0">
+            <a:schemeClr val="dk1"/>
+          </a:fillRef>
+          <a:effectRef idx="0">
+            <a:schemeClr val="dk1"/>
+          </a:effectRef>
+          <a:fontRef idx="minor">
+            <a:schemeClr val="tx1"/>
+          </a:fontRef>
+        </p:style>
+      </p:cxnSp>
+      <p:cxnSp>
+        <p:nvCxnSpPr>
+          <p:cNvPr id="14" name="Straight Connector 13">
+            <a:extLst>
+              <a:ext uri="{FF2B5EF4-FFF2-40B4-BE49-F238E27FC236}">
+                <a16:creationId xmlns:a16="http://schemas.microsoft.com/office/drawing/2014/main" id="{031BA9B3-F886-4792-857F-91594C97D0B4}"/>
+              </a:ext>
+            </a:extLst>
+          </p:cNvPr>
+          <p:cNvCxnSpPr>
+            <a:cxnSpLocks/>
+          </p:cNvCxnSpPr>
+          <p:nvPr/>
+        </p:nvCxnSpPr>
+        <p:spPr>
+          <a:xfrm>
+            <a:off x="3286705" y="2329132"/>
+            <a:ext cx="0" cy="86264"/>
+          </a:xfrm>
+          <a:prstGeom prst="line">
+            <a:avLst/>
+          </a:prstGeom>
+          <a:ln w="12700"/>
+        </p:spPr>
+        <p:style>
+          <a:lnRef idx="1">
+            <a:schemeClr val="dk1"/>
+          </a:lnRef>
+          <a:fillRef idx="0">
+            <a:schemeClr val="dk1"/>
+          </a:fillRef>
+          <a:effectRef idx="0">
+            <a:schemeClr val="dk1"/>
+          </a:effectRef>
+          <a:fontRef idx="minor">
+            <a:schemeClr val="tx1"/>
+          </a:fontRef>
+        </p:style>
+      </p:cxnSp>
+      <mc:AlternateContent xmlns:mc="http://schemas.openxmlformats.org/markup-compatibility/2006" xmlns:a14="http://schemas.microsoft.com/office/drawing/2010/main">
+        <mc:Choice Requires="a14">
+          <p:sp>
+            <p:nvSpPr>
+              <p:cNvPr id="18" name="TextBox 17">
+                <a:extLst>
+                  <a:ext uri="{FF2B5EF4-FFF2-40B4-BE49-F238E27FC236}">
+                    <a16:creationId xmlns:a16="http://schemas.microsoft.com/office/drawing/2014/main" id="{C525E05E-8B2E-4CBD-80B7-7DF54D2D72FC}"/>
+                  </a:ext>
+                </a:extLst>
+              </p:cNvPr>
+              <p:cNvSpPr txBox="1"/>
+              <p:nvPr/>
+            </p:nvSpPr>
+            <p:spPr>
+              <a:xfrm>
+                <a:off x="1713139" y="2385204"/>
+                <a:ext cx="317586" cy="276999"/>
+              </a:xfrm>
+              <a:prstGeom prst="rect">
+                <a:avLst/>
+              </a:prstGeom>
+              <a:noFill/>
+            </p:spPr>
+            <p:txBody>
+              <a:bodyPr wrap="none" rtlCol="0">
+                <a:spAutoFit/>
+              </a:bodyPr>
+              <a:lstStyle/>
+              <a:p>
+                <a:pPr/>
+                <a14:m>
+                  <m:oMathPara xmlns:m="http://schemas.openxmlformats.org/officeDocument/2006/math">
+                    <m:oMathParaPr>
+                      <m:jc m:val="centerGroup"/>
+                    </m:oMathParaPr>
+                    <m:oMath xmlns:m="http://schemas.openxmlformats.org/officeDocument/2006/math">
+                      <m:r>
+                        <a:rPr lang="en-US" sz="1200" i="1" smtClean="0">
+                          <a:latin typeface="Cambria Math" panose="02040503050406030204" pitchFamily="18" charset="0"/>
+                          <a:ea typeface="Cambria Math" panose="02040503050406030204" pitchFamily="18" charset="0"/>
+                        </a:rPr>
+                        <m:t>𝛼</m:t>
+                      </m:r>
+                    </m:oMath>
+                  </m:oMathPara>
+                </a14:m>
+                <a:endParaRPr lang="en-US" dirty="0"/>
+              </a:p>
+            </p:txBody>
+          </p:sp>
+        </mc:Choice>
+        <mc:Fallback xmlns="">
+          <p:sp>
+            <p:nvSpPr>
+              <p:cNvPr id="18" name="TextBox 17">
+                <a:extLst>
+                  <a:ext uri="{FF2B5EF4-FFF2-40B4-BE49-F238E27FC236}">
+                    <a16:creationId xmlns:a16="http://schemas.microsoft.com/office/drawing/2014/main" id="{C525E05E-8B2E-4CBD-80B7-7DF54D2D72FC}"/>
+                  </a:ext>
+                </a:extLst>
+              </p:cNvPr>
+              <p:cNvSpPr txBox="1">
+                <a:spLocks noRot="1" noChangeAspect="1" noMove="1" noResize="1" noEditPoints="1" noAdjustHandles="1" noChangeArrowheads="1" noChangeShapeType="1" noTextEdit="1"/>
+              </p:cNvSpPr>
+              <p:nvPr/>
+            </p:nvSpPr>
+            <p:spPr>
+              <a:xfrm>
+                <a:off x="1713139" y="2385204"/>
+                <a:ext cx="317586" cy="276999"/>
+              </a:xfrm>
+              <a:prstGeom prst="rect">
+                <a:avLst/>
+              </a:prstGeom>
+              <a:blipFill>
+                <a:blip r:embed="rId2"/>
+                <a:stretch>
+                  <a:fillRect/>
+                </a:stretch>
+              </a:blipFill>
+            </p:spPr>
+            <p:txBody>
+              <a:bodyPr/>
+              <a:lstStyle/>
+              <a:p>
+                <a:r>
+                  <a:rPr lang="en-US">
+                    <a:noFill/>
+                  </a:rPr>
+                  <a:t> </a:t>
+                </a:r>
+              </a:p>
+            </p:txBody>
+          </p:sp>
+        </mc:Fallback>
+      </mc:AlternateContent>
+      <mc:AlternateContent xmlns:mc="http://schemas.openxmlformats.org/markup-compatibility/2006" xmlns:a14="http://schemas.microsoft.com/office/drawing/2010/main">
+        <mc:Choice Requires="a14">
+          <p:sp>
+            <p:nvSpPr>
+              <p:cNvPr id="19" name="TextBox 18">
+                <a:extLst>
+                  <a:ext uri="{FF2B5EF4-FFF2-40B4-BE49-F238E27FC236}">
+                    <a16:creationId xmlns:a16="http://schemas.microsoft.com/office/drawing/2014/main" id="{24BFBB3E-4059-42E6-B3F5-067C4C3B4113}"/>
+                  </a:ext>
+                </a:extLst>
+              </p:cNvPr>
+              <p:cNvSpPr txBox="1"/>
+              <p:nvPr/>
+            </p:nvSpPr>
+            <p:spPr>
+              <a:xfrm>
+                <a:off x="3107763" y="2397839"/>
+                <a:ext cx="317586" cy="276999"/>
+              </a:xfrm>
+              <a:prstGeom prst="rect">
+                <a:avLst/>
+              </a:prstGeom>
+              <a:noFill/>
+            </p:spPr>
+            <p:txBody>
+              <a:bodyPr wrap="none" rtlCol="0">
+                <a:spAutoFit/>
+              </a:bodyPr>
+              <a:lstStyle/>
+              <a:p>
+                <a:pPr/>
+                <a14:m>
+                  <m:oMathPara xmlns:m="http://schemas.openxmlformats.org/officeDocument/2006/math">
+                    <m:oMathParaPr>
+                      <m:jc m:val="centerGroup"/>
+                    </m:oMathParaPr>
+                    <m:oMath xmlns:m="http://schemas.openxmlformats.org/officeDocument/2006/math">
+                      <m:r>
+                        <a:rPr lang="en-US" sz="1200" i="1" smtClean="0">
+                          <a:latin typeface="Cambria Math" panose="02040503050406030204" pitchFamily="18" charset="0"/>
+                          <a:ea typeface="Cambria Math" panose="02040503050406030204" pitchFamily="18" charset="0"/>
+                        </a:rPr>
+                        <m:t>𝛽</m:t>
+                      </m:r>
+                    </m:oMath>
+                  </m:oMathPara>
+                </a14:m>
+                <a:endParaRPr lang="en-US" sz="1200" dirty="0"/>
+              </a:p>
+            </p:txBody>
+          </p:sp>
+        </mc:Choice>
+        <mc:Fallback xmlns="">
+          <p:sp>
+            <p:nvSpPr>
+              <p:cNvPr id="19" name="TextBox 18">
+                <a:extLst>
+                  <a:ext uri="{FF2B5EF4-FFF2-40B4-BE49-F238E27FC236}">
+                    <a16:creationId xmlns:a16="http://schemas.microsoft.com/office/drawing/2014/main" id="{24BFBB3E-4059-42E6-B3F5-067C4C3B4113}"/>
+                  </a:ext>
+                </a:extLst>
+              </p:cNvPr>
+              <p:cNvSpPr txBox="1">
+                <a:spLocks noRot="1" noChangeAspect="1" noMove="1" noResize="1" noEditPoints="1" noAdjustHandles="1" noChangeArrowheads="1" noChangeShapeType="1" noTextEdit="1"/>
+              </p:cNvSpPr>
+              <p:nvPr/>
+            </p:nvSpPr>
+            <p:spPr>
+              <a:xfrm>
+                <a:off x="3107763" y="2397839"/>
+                <a:ext cx="317586" cy="276999"/>
+              </a:xfrm>
+              <a:prstGeom prst="rect">
+                <a:avLst/>
+              </a:prstGeom>
+              <a:blipFill>
+                <a:blip r:embed="rId3"/>
+                <a:stretch>
+                  <a:fillRect b="-4348"/>
+                </a:stretch>
+              </a:blipFill>
+            </p:spPr>
+            <p:txBody>
+              <a:bodyPr/>
+              <a:lstStyle/>
+              <a:p>
+                <a:r>
+                  <a:rPr lang="en-US">
+                    <a:noFill/>
+                  </a:rPr>
+                  <a:t> </a:t>
+                </a:r>
+              </a:p>
+            </p:txBody>
+          </p:sp>
+        </mc:Fallback>
+      </mc:AlternateContent>
+      <mc:AlternateContent xmlns:mc="http://schemas.openxmlformats.org/markup-compatibility/2006" xmlns:a14="http://schemas.microsoft.com/office/drawing/2010/main">
+        <mc:Choice Requires="a14">
+          <p:sp>
+            <p:nvSpPr>
+              <p:cNvPr id="20" name="TextBox 19">
+                <a:extLst>
+                  <a:ext uri="{FF2B5EF4-FFF2-40B4-BE49-F238E27FC236}">
+                    <a16:creationId xmlns:a16="http://schemas.microsoft.com/office/drawing/2014/main" id="{63339690-FE0F-4310-B6F1-C9443E99543A}"/>
+                  </a:ext>
+                </a:extLst>
+              </p:cNvPr>
+              <p:cNvSpPr txBox="1"/>
+              <p:nvPr/>
+            </p:nvSpPr>
+            <p:spPr>
+              <a:xfrm>
+                <a:off x="3497913" y="2411388"/>
+                <a:ext cx="284629" cy="276999"/>
+              </a:xfrm>
+              <a:prstGeom prst="rect">
+                <a:avLst/>
+              </a:prstGeom>
+              <a:noFill/>
+            </p:spPr>
+            <p:txBody>
+              <a:bodyPr wrap="none" rtlCol="0">
+                <a:spAutoFit/>
+              </a:bodyPr>
+              <a:lstStyle/>
+              <a:p>
+                <a:pPr/>
+                <a14:m>
+                  <m:oMathPara xmlns:m="http://schemas.openxmlformats.org/officeDocument/2006/math">
+                    <m:oMathParaPr>
+                      <m:jc m:val="centerGroup"/>
+                    </m:oMathParaPr>
+                    <m:oMath xmlns:m="http://schemas.openxmlformats.org/officeDocument/2006/math">
+                      <m:r>
+                        <a:rPr lang="en-US" sz="1200" b="0" i="1" smtClean="0">
+                          <a:latin typeface="Cambria Math" panose="02040503050406030204" pitchFamily="18" charset="0"/>
+                          <a:ea typeface="Cambria Math" panose="02040503050406030204" pitchFamily="18" charset="0"/>
+                        </a:rPr>
+                        <m:t>𝑡</m:t>
+                      </m:r>
+                    </m:oMath>
+                  </m:oMathPara>
+                </a14:m>
+                <a:endParaRPr lang="en-US" sz="1200" dirty="0"/>
+              </a:p>
+            </p:txBody>
+          </p:sp>
+        </mc:Choice>
+        <mc:Fallback xmlns="">
+          <p:sp>
+            <p:nvSpPr>
+              <p:cNvPr id="20" name="TextBox 19">
+                <a:extLst>
+                  <a:ext uri="{FF2B5EF4-FFF2-40B4-BE49-F238E27FC236}">
+                    <a16:creationId xmlns:a16="http://schemas.microsoft.com/office/drawing/2014/main" id="{63339690-FE0F-4310-B6F1-C9443E99543A}"/>
+                  </a:ext>
+                </a:extLst>
+              </p:cNvPr>
+              <p:cNvSpPr txBox="1">
+                <a:spLocks noRot="1" noChangeAspect="1" noMove="1" noResize="1" noEditPoints="1" noAdjustHandles="1" noChangeArrowheads="1" noChangeShapeType="1" noTextEdit="1"/>
+              </p:cNvSpPr>
+              <p:nvPr/>
+            </p:nvSpPr>
+            <p:spPr>
+              <a:xfrm>
+                <a:off x="3497913" y="2411388"/>
+                <a:ext cx="284629" cy="276999"/>
+              </a:xfrm>
+              <a:prstGeom prst="rect">
+                <a:avLst/>
+              </a:prstGeom>
+              <a:blipFill>
+                <a:blip r:embed="rId4"/>
+                <a:stretch>
+                  <a:fillRect/>
+                </a:stretch>
+              </a:blipFill>
+            </p:spPr>
+            <p:txBody>
+              <a:bodyPr/>
+              <a:lstStyle/>
+              <a:p>
+                <a:r>
+                  <a:rPr lang="en-US">
+                    <a:noFill/>
+                  </a:rPr>
+                  <a:t> </a:t>
+                </a:r>
+              </a:p>
+            </p:txBody>
+          </p:sp>
+        </mc:Fallback>
+      </mc:AlternateContent>
+      <p:cxnSp>
+        <p:nvCxnSpPr>
+          <p:cNvPr id="22" name="Straight Arrow Connector 21">
+            <a:extLst>
+              <a:ext uri="{FF2B5EF4-FFF2-40B4-BE49-F238E27FC236}">
+                <a16:creationId xmlns:a16="http://schemas.microsoft.com/office/drawing/2014/main" id="{3CB38A04-3809-4E87-AFC0-F8EE22B5BB94}"/>
+              </a:ext>
+            </a:extLst>
+          </p:cNvPr>
+          <p:cNvCxnSpPr/>
+          <p:nvPr/>
+        </p:nvCxnSpPr>
+        <p:spPr>
+          <a:xfrm>
+            <a:off x="5607170" y="2553896"/>
+            <a:ext cx="1673524" cy="0"/>
+          </a:xfrm>
+          <a:prstGeom prst="straightConnector1">
+            <a:avLst/>
+          </a:prstGeom>
+          <a:ln w="12700">
+            <a:tailEnd type="triangle"/>
+          </a:ln>
+        </p:spPr>
+        <p:style>
+          <a:lnRef idx="1">
+            <a:schemeClr val="dk1"/>
+          </a:lnRef>
+          <a:fillRef idx="0">
+            <a:schemeClr val="dk1"/>
+          </a:fillRef>
+          <a:effectRef idx="0">
+            <a:schemeClr val="dk1"/>
+          </a:effectRef>
+          <a:fontRef idx="minor">
+            <a:schemeClr val="tx1"/>
+          </a:fontRef>
+        </p:style>
+      </p:cxnSp>
+      <p:cxnSp>
+        <p:nvCxnSpPr>
+          <p:cNvPr id="23" name="Straight Arrow Connector 22">
+            <a:extLst>
+              <a:ext uri="{FF2B5EF4-FFF2-40B4-BE49-F238E27FC236}">
+                <a16:creationId xmlns:a16="http://schemas.microsoft.com/office/drawing/2014/main" id="{88938710-8E86-41C2-AE98-8CE569591AF9}"/>
+              </a:ext>
+            </a:extLst>
+          </p:cNvPr>
+          <p:cNvCxnSpPr>
+            <a:cxnSpLocks/>
+          </p:cNvCxnSpPr>
+          <p:nvPr/>
+        </p:nvCxnSpPr>
+        <p:spPr>
+          <a:xfrm flipV="1">
+            <a:off x="5607170" y="974785"/>
+            <a:ext cx="0" cy="1579112"/>
+          </a:xfrm>
+          <a:prstGeom prst="straightConnector1">
+            <a:avLst/>
+          </a:prstGeom>
+          <a:ln w="12700">
+            <a:tailEnd type="triangle"/>
+          </a:ln>
+        </p:spPr>
+        <p:style>
+          <a:lnRef idx="1">
+            <a:schemeClr val="dk1"/>
+          </a:lnRef>
+          <a:fillRef idx="0">
+            <a:schemeClr val="dk1"/>
+          </a:fillRef>
+          <a:effectRef idx="0">
+            <a:schemeClr val="dk1"/>
+          </a:effectRef>
+          <a:fontRef idx="minor">
+            <a:schemeClr val="tx1"/>
+          </a:fontRef>
+        </p:style>
+      </p:cxnSp>
+      <p:cxnSp>
+        <p:nvCxnSpPr>
+          <p:cNvPr id="27" name="Straight Arrow Connector 26">
+            <a:extLst>
+              <a:ext uri="{FF2B5EF4-FFF2-40B4-BE49-F238E27FC236}">
+                <a16:creationId xmlns:a16="http://schemas.microsoft.com/office/drawing/2014/main" id="{BC08FEE1-656F-4A3D-8B0C-5145BF313F92}"/>
+              </a:ext>
+            </a:extLst>
+          </p:cNvPr>
+          <p:cNvCxnSpPr>
+            <a:cxnSpLocks/>
+          </p:cNvCxnSpPr>
+          <p:nvPr/>
+        </p:nvCxnSpPr>
+        <p:spPr>
+          <a:xfrm flipH="1">
+            <a:off x="4799162" y="2553420"/>
+            <a:ext cx="808008" cy="1069064"/>
+          </a:xfrm>
+          <a:prstGeom prst="straightConnector1">
+            <a:avLst/>
+          </a:prstGeom>
+          <a:ln w="12700">
+            <a:tailEnd type="triangle"/>
+          </a:ln>
+        </p:spPr>
+        <p:style>
+          <a:lnRef idx="1">
+            <a:schemeClr val="dk1"/>
+          </a:lnRef>
+          <a:fillRef idx="0">
+            <a:schemeClr val="dk1"/>
+          </a:fillRef>
+          <a:effectRef idx="0">
+            <a:schemeClr val="dk1"/>
+          </a:effectRef>
+          <a:fontRef idx="minor">
+            <a:schemeClr val="tx1"/>
+          </a:fontRef>
+        </p:style>
+      </p:cxnSp>
+      <p:cxnSp>
+        <p:nvCxnSpPr>
+          <p:cNvPr id="29" name="Straight Arrow Connector 28">
+            <a:extLst>
+              <a:ext uri="{FF2B5EF4-FFF2-40B4-BE49-F238E27FC236}">
+                <a16:creationId xmlns:a16="http://schemas.microsoft.com/office/drawing/2014/main" id="{CEB61469-5E4A-4E92-BAD2-F2098E864899}"/>
+              </a:ext>
+            </a:extLst>
+          </p:cNvPr>
+          <p:cNvCxnSpPr/>
+          <p:nvPr/>
+        </p:nvCxnSpPr>
+        <p:spPr>
+          <a:xfrm>
+            <a:off x="5607170" y="2554373"/>
+            <a:ext cx="1673524" cy="0"/>
+          </a:xfrm>
+          <a:prstGeom prst="straightConnector1">
+            <a:avLst/>
+          </a:prstGeom>
+          <a:ln w="12700">
+            <a:tailEnd type="triangle"/>
+          </a:ln>
+        </p:spPr>
+        <p:style>
+          <a:lnRef idx="1">
+            <a:schemeClr val="dk1"/>
+          </a:lnRef>
+          <a:fillRef idx="0">
+            <a:schemeClr val="dk1"/>
+          </a:fillRef>
+          <a:effectRef idx="0">
+            <a:schemeClr val="dk1"/>
+          </a:effectRef>
+          <a:fontRef idx="minor">
+            <a:schemeClr val="tx1"/>
+          </a:fontRef>
+        </p:style>
+      </p:cxnSp>
+      <mc:AlternateContent xmlns:mc="http://schemas.openxmlformats.org/markup-compatibility/2006" xmlns:a14="http://schemas.microsoft.com/office/drawing/2010/main">
+        <mc:Choice Requires="a14">
+          <p:sp>
+            <p:nvSpPr>
+              <p:cNvPr id="35" name="TextBox 34">
+                <a:extLst>
+                  <a:ext uri="{FF2B5EF4-FFF2-40B4-BE49-F238E27FC236}">
+                    <a16:creationId xmlns:a16="http://schemas.microsoft.com/office/drawing/2014/main" id="{A52FC8A2-521C-4CB7-AEF1-4C1D50578CF2}"/>
+                  </a:ext>
+                </a:extLst>
+              </p:cNvPr>
+              <p:cNvSpPr txBox="1"/>
+              <p:nvPr/>
+            </p:nvSpPr>
+            <p:spPr>
+              <a:xfrm>
+                <a:off x="4799161" y="3513702"/>
+                <a:ext cx="306366" cy="276999"/>
+              </a:xfrm>
+              <a:prstGeom prst="rect">
+                <a:avLst/>
+              </a:prstGeom>
+              <a:noFill/>
+            </p:spPr>
+            <p:txBody>
+              <a:bodyPr wrap="none" rtlCol="0">
+                <a:spAutoFit/>
+              </a:bodyPr>
+              <a:lstStyle/>
+              <a:p>
+                <a:pPr/>
+                <a14:m>
+                  <m:oMathPara xmlns:m="http://schemas.openxmlformats.org/officeDocument/2006/math">
+                    <m:oMathParaPr>
+                      <m:jc m:val="centerGroup"/>
+                    </m:oMathParaPr>
+                    <m:oMath xmlns:m="http://schemas.openxmlformats.org/officeDocument/2006/math">
+                      <m:r>
+                        <a:rPr lang="en-US" sz="1200" b="0" i="1" smtClean="0">
+                          <a:latin typeface="Cambria Math" panose="02040503050406030204" pitchFamily="18" charset="0"/>
+                          <a:ea typeface="Cambria Math" panose="02040503050406030204" pitchFamily="18" charset="0"/>
+                        </a:rPr>
+                        <m:t>𝑥</m:t>
+                      </m:r>
+                    </m:oMath>
+                  </m:oMathPara>
+                </a14:m>
+                <a:endParaRPr lang="en-US" sz="1200" dirty="0"/>
+              </a:p>
+            </p:txBody>
+          </p:sp>
+        </mc:Choice>
+        <mc:Fallback xmlns="">
+          <p:sp>
+            <p:nvSpPr>
+              <p:cNvPr id="35" name="TextBox 34">
+                <a:extLst>
+                  <a:ext uri="{FF2B5EF4-FFF2-40B4-BE49-F238E27FC236}">
+                    <a16:creationId xmlns:a16="http://schemas.microsoft.com/office/drawing/2014/main" id="{A52FC8A2-521C-4CB7-AEF1-4C1D50578CF2}"/>
+                  </a:ext>
+                </a:extLst>
+              </p:cNvPr>
+              <p:cNvSpPr txBox="1">
+                <a:spLocks noRot="1" noChangeAspect="1" noMove="1" noResize="1" noEditPoints="1" noAdjustHandles="1" noChangeArrowheads="1" noChangeShapeType="1" noTextEdit="1"/>
+              </p:cNvSpPr>
+              <p:nvPr/>
+            </p:nvSpPr>
+            <p:spPr>
+              <a:xfrm>
+                <a:off x="4799161" y="3513702"/>
+                <a:ext cx="306366" cy="276999"/>
+              </a:xfrm>
+              <a:prstGeom prst="rect">
+                <a:avLst/>
+              </a:prstGeom>
+              <a:blipFill>
+                <a:blip r:embed="rId5"/>
+                <a:stretch>
+                  <a:fillRect/>
+                </a:stretch>
+              </a:blipFill>
+            </p:spPr>
+            <p:txBody>
+              <a:bodyPr/>
+              <a:lstStyle/>
+              <a:p>
+                <a:r>
+                  <a:rPr lang="en-US">
+                    <a:noFill/>
+                  </a:rPr>
+                  <a:t> </a:t>
+                </a:r>
+              </a:p>
+            </p:txBody>
+          </p:sp>
+        </mc:Fallback>
+      </mc:AlternateContent>
+      <mc:AlternateContent xmlns:mc="http://schemas.openxmlformats.org/markup-compatibility/2006" xmlns:a14="http://schemas.microsoft.com/office/drawing/2010/main">
+        <mc:Choice Requires="a14">
+          <p:sp>
+            <p:nvSpPr>
+              <p:cNvPr id="36" name="TextBox 35">
+                <a:extLst>
+                  <a:ext uri="{FF2B5EF4-FFF2-40B4-BE49-F238E27FC236}">
+                    <a16:creationId xmlns:a16="http://schemas.microsoft.com/office/drawing/2014/main" id="{4D6D8DA7-3A1A-495D-B010-B7F83F854DBD}"/>
+                  </a:ext>
+                </a:extLst>
+              </p:cNvPr>
+              <p:cNvSpPr txBox="1"/>
+              <p:nvPr/>
+            </p:nvSpPr>
+            <p:spPr>
+              <a:xfrm>
+                <a:off x="1309499" y="2436659"/>
+                <a:ext cx="327910" cy="276999"/>
+              </a:xfrm>
+              <a:prstGeom prst="rect">
+                <a:avLst/>
+              </a:prstGeom>
+              <a:noFill/>
+            </p:spPr>
+            <p:txBody>
+              <a:bodyPr wrap="none" rtlCol="0">
+                <a:spAutoFit/>
+              </a:bodyPr>
+              <a:lstStyle/>
+              <a:p>
+                <a:pPr/>
+                <a14:m>
+                  <m:oMathPara xmlns:m="http://schemas.openxmlformats.org/officeDocument/2006/math">
+                    <m:oMathParaPr>
+                      <m:jc m:val="centerGroup"/>
+                    </m:oMathParaPr>
+                    <m:oMath xmlns:m="http://schemas.openxmlformats.org/officeDocument/2006/math">
+                      <m:r>
+                        <a:rPr lang="en-US" sz="1200" b="0" i="1" smtClean="0">
+                          <a:latin typeface="Cambria Math" panose="02040503050406030204" pitchFamily="18" charset="0"/>
+                        </a:rPr>
+                        <m:t>𝑂</m:t>
+                      </m:r>
+                    </m:oMath>
+                  </m:oMathPara>
+                </a14:m>
+                <a:endParaRPr lang="en-US" sz="1200" dirty="0"/>
+              </a:p>
+            </p:txBody>
+          </p:sp>
+        </mc:Choice>
+        <mc:Fallback xmlns="">
+          <p:sp>
+            <p:nvSpPr>
+              <p:cNvPr id="36" name="TextBox 35">
+                <a:extLst>
+                  <a:ext uri="{FF2B5EF4-FFF2-40B4-BE49-F238E27FC236}">
+                    <a16:creationId xmlns:a16="http://schemas.microsoft.com/office/drawing/2014/main" id="{4D6D8DA7-3A1A-495D-B010-B7F83F854DBD}"/>
+                  </a:ext>
+                </a:extLst>
+              </p:cNvPr>
+              <p:cNvSpPr txBox="1">
+                <a:spLocks noRot="1" noChangeAspect="1" noMove="1" noResize="1" noEditPoints="1" noAdjustHandles="1" noChangeArrowheads="1" noChangeShapeType="1" noTextEdit="1"/>
+              </p:cNvSpPr>
+              <p:nvPr/>
+            </p:nvSpPr>
+            <p:spPr>
+              <a:xfrm>
+                <a:off x="1309499" y="2436659"/>
+                <a:ext cx="327910" cy="276999"/>
+              </a:xfrm>
+              <a:prstGeom prst="rect">
+                <a:avLst/>
+              </a:prstGeom>
+              <a:blipFill>
+                <a:blip r:embed="rId6"/>
+                <a:stretch>
+                  <a:fillRect/>
+                </a:stretch>
+              </a:blipFill>
+            </p:spPr>
+            <p:txBody>
+              <a:bodyPr/>
+              <a:lstStyle/>
+              <a:p>
+                <a:r>
+                  <a:rPr lang="en-US">
+                    <a:noFill/>
+                  </a:rPr>
+                  <a:t> </a:t>
+                </a:r>
+              </a:p>
+            </p:txBody>
+          </p:sp>
+        </mc:Fallback>
+      </mc:AlternateContent>
+      <mc:AlternateContent xmlns:mc="http://schemas.openxmlformats.org/markup-compatibility/2006" xmlns:a14="http://schemas.microsoft.com/office/drawing/2010/main">
+        <mc:Choice Requires="a14">
+          <p:sp>
+            <p:nvSpPr>
+              <p:cNvPr id="37" name="TextBox 36">
+                <a:extLst>
+                  <a:ext uri="{FF2B5EF4-FFF2-40B4-BE49-F238E27FC236}">
+                    <a16:creationId xmlns:a16="http://schemas.microsoft.com/office/drawing/2014/main" id="{BF1E4C60-3D30-45B9-9342-6B847B008391}"/>
+                  </a:ext>
+                </a:extLst>
+              </p:cNvPr>
+              <p:cNvSpPr txBox="1"/>
+              <p:nvPr/>
+            </p:nvSpPr>
+            <p:spPr>
+              <a:xfrm>
+                <a:off x="5529426" y="2575157"/>
+                <a:ext cx="327910" cy="276999"/>
+              </a:xfrm>
+              <a:prstGeom prst="rect">
+                <a:avLst/>
+              </a:prstGeom>
+              <a:noFill/>
+            </p:spPr>
+            <p:txBody>
+              <a:bodyPr wrap="none" rtlCol="0">
+                <a:spAutoFit/>
+              </a:bodyPr>
+              <a:lstStyle/>
+              <a:p>
+                <a:pPr/>
+                <a14:m>
+                  <m:oMathPara xmlns:m="http://schemas.openxmlformats.org/officeDocument/2006/math">
+                    <m:oMathParaPr>
+                      <m:jc m:val="centerGroup"/>
+                    </m:oMathParaPr>
+                    <m:oMath xmlns:m="http://schemas.openxmlformats.org/officeDocument/2006/math">
+                      <m:r>
+                        <a:rPr lang="en-US" sz="1200" b="0" i="1" smtClean="0">
+                          <a:latin typeface="Cambria Math" panose="02040503050406030204" pitchFamily="18" charset="0"/>
+                        </a:rPr>
+                        <m:t>𝑂</m:t>
+                      </m:r>
+                    </m:oMath>
+                  </m:oMathPara>
+                </a14:m>
+                <a:endParaRPr lang="en-US" sz="1200" dirty="0"/>
+              </a:p>
+            </p:txBody>
+          </p:sp>
+        </mc:Choice>
+        <mc:Fallback xmlns="">
+          <p:sp>
+            <p:nvSpPr>
+              <p:cNvPr id="37" name="TextBox 36">
+                <a:extLst>
+                  <a:ext uri="{FF2B5EF4-FFF2-40B4-BE49-F238E27FC236}">
+                    <a16:creationId xmlns:a16="http://schemas.microsoft.com/office/drawing/2014/main" id="{BF1E4C60-3D30-45B9-9342-6B847B008391}"/>
+                  </a:ext>
+                </a:extLst>
+              </p:cNvPr>
+              <p:cNvSpPr txBox="1">
+                <a:spLocks noRot="1" noChangeAspect="1" noMove="1" noResize="1" noEditPoints="1" noAdjustHandles="1" noChangeArrowheads="1" noChangeShapeType="1" noTextEdit="1"/>
+              </p:cNvSpPr>
+              <p:nvPr/>
+            </p:nvSpPr>
+            <p:spPr>
+              <a:xfrm>
+                <a:off x="5529426" y="2575157"/>
+                <a:ext cx="327910" cy="276999"/>
+              </a:xfrm>
+              <a:prstGeom prst="rect">
+                <a:avLst/>
+              </a:prstGeom>
+              <a:blipFill>
+                <a:blip r:embed="rId7"/>
+                <a:stretch>
+                  <a:fillRect/>
+                </a:stretch>
+              </a:blipFill>
+            </p:spPr>
+            <p:txBody>
+              <a:bodyPr/>
+              <a:lstStyle/>
+              <a:p>
+                <a:r>
+                  <a:rPr lang="en-US">
+                    <a:noFill/>
+                  </a:rPr>
+                  <a:t> </a:t>
+                </a:r>
+              </a:p>
+            </p:txBody>
+          </p:sp>
+        </mc:Fallback>
+      </mc:AlternateContent>
+      <mc:AlternateContent xmlns:mc="http://schemas.openxmlformats.org/markup-compatibility/2006" xmlns:a14="http://schemas.microsoft.com/office/drawing/2010/main">
+        <mc:Choice Requires="a14">
+          <p:sp>
+            <p:nvSpPr>
+              <p:cNvPr id="38" name="TextBox 37">
+                <a:extLst>
+                  <a:ext uri="{FF2B5EF4-FFF2-40B4-BE49-F238E27FC236}">
+                    <a16:creationId xmlns:a16="http://schemas.microsoft.com/office/drawing/2014/main" id="{1241DAA3-F61A-41A0-905B-B3E501F7BD89}"/>
+                  </a:ext>
+                </a:extLst>
+              </p:cNvPr>
+              <p:cNvSpPr txBox="1"/>
+              <p:nvPr/>
+            </p:nvSpPr>
+            <p:spPr>
+              <a:xfrm>
+                <a:off x="7127511" y="2575158"/>
+                <a:ext cx="309123" cy="276999"/>
+              </a:xfrm>
+              <a:prstGeom prst="rect">
+                <a:avLst/>
+              </a:prstGeom>
+              <a:noFill/>
+            </p:spPr>
+            <p:txBody>
+              <a:bodyPr wrap="none" rtlCol="0">
+                <a:spAutoFit/>
+              </a:bodyPr>
+              <a:lstStyle/>
+              <a:p>
+                <a:pPr/>
+                <a14:m>
+                  <m:oMathPara xmlns:m="http://schemas.openxmlformats.org/officeDocument/2006/math">
+                    <m:oMathParaPr>
+                      <m:jc m:val="centerGroup"/>
+                    </m:oMathParaPr>
+                    <m:oMath xmlns:m="http://schemas.openxmlformats.org/officeDocument/2006/math">
+                      <m:r>
+                        <a:rPr lang="en-US" sz="1200" b="0" i="1" smtClean="0">
+                          <a:latin typeface="Cambria Math" panose="02040503050406030204" pitchFamily="18" charset="0"/>
+                        </a:rPr>
+                        <m:t>𝑦</m:t>
+                      </m:r>
+                    </m:oMath>
+                  </m:oMathPara>
+                </a14:m>
+                <a:endParaRPr lang="en-US" sz="1200" dirty="0"/>
+              </a:p>
+            </p:txBody>
+          </p:sp>
+        </mc:Choice>
+        <mc:Fallback xmlns="">
+          <p:sp>
+            <p:nvSpPr>
+              <p:cNvPr id="38" name="TextBox 37">
+                <a:extLst>
+                  <a:ext uri="{FF2B5EF4-FFF2-40B4-BE49-F238E27FC236}">
+                    <a16:creationId xmlns:a16="http://schemas.microsoft.com/office/drawing/2014/main" id="{1241DAA3-F61A-41A0-905B-B3E501F7BD89}"/>
+                  </a:ext>
+                </a:extLst>
+              </p:cNvPr>
+              <p:cNvSpPr txBox="1">
+                <a:spLocks noRot="1" noChangeAspect="1" noMove="1" noResize="1" noEditPoints="1" noAdjustHandles="1" noChangeArrowheads="1" noChangeShapeType="1" noTextEdit="1"/>
+              </p:cNvSpPr>
+              <p:nvPr/>
+            </p:nvSpPr>
+            <p:spPr>
+              <a:xfrm>
+                <a:off x="7127511" y="2575158"/>
+                <a:ext cx="309123" cy="276999"/>
+              </a:xfrm>
+              <a:prstGeom prst="rect">
+                <a:avLst/>
+              </a:prstGeom>
+              <a:blipFill>
+                <a:blip r:embed="rId8"/>
+                <a:stretch>
+                  <a:fillRect/>
+                </a:stretch>
+              </a:blipFill>
+            </p:spPr>
+            <p:txBody>
+              <a:bodyPr/>
+              <a:lstStyle/>
+              <a:p>
+                <a:r>
+                  <a:rPr lang="en-US">
+                    <a:noFill/>
+                  </a:rPr>
+                  <a:t> </a:t>
+                </a:r>
+              </a:p>
+            </p:txBody>
+          </p:sp>
+        </mc:Fallback>
+      </mc:AlternateContent>
+      <mc:AlternateContent xmlns:mc="http://schemas.openxmlformats.org/markup-compatibility/2006" xmlns:a14="http://schemas.microsoft.com/office/drawing/2010/main">
+        <mc:Choice Requires="a14">
+          <p:sp>
+            <p:nvSpPr>
+              <p:cNvPr id="39" name="TextBox 38">
+                <a:extLst>
+                  <a:ext uri="{FF2B5EF4-FFF2-40B4-BE49-F238E27FC236}">
+                    <a16:creationId xmlns:a16="http://schemas.microsoft.com/office/drawing/2014/main" id="{EF45C652-8EEC-499C-9ADD-352BFD4FD54F}"/>
+                  </a:ext>
+                </a:extLst>
+              </p:cNvPr>
+              <p:cNvSpPr txBox="1"/>
+              <p:nvPr/>
+            </p:nvSpPr>
+            <p:spPr>
+              <a:xfrm>
+                <a:off x="5607170" y="728458"/>
+                <a:ext cx="296299" cy="276999"/>
+              </a:xfrm>
+              <a:prstGeom prst="rect">
+                <a:avLst/>
+              </a:prstGeom>
+              <a:noFill/>
+            </p:spPr>
+            <p:txBody>
+              <a:bodyPr wrap="none" rtlCol="0">
+                <a:spAutoFit/>
+              </a:bodyPr>
+              <a:lstStyle/>
+              <a:p>
+                <a:pPr/>
+                <a14:m>
+                  <m:oMathPara xmlns:m="http://schemas.openxmlformats.org/officeDocument/2006/math">
+                    <m:oMathParaPr>
+                      <m:jc m:val="centerGroup"/>
+                    </m:oMathParaPr>
+                    <m:oMath xmlns:m="http://schemas.openxmlformats.org/officeDocument/2006/math">
+                      <m:r>
+                        <a:rPr lang="en-US" sz="1200" b="0" i="1" smtClean="0">
+                          <a:latin typeface="Cambria Math" panose="02040503050406030204" pitchFamily="18" charset="0"/>
+                        </a:rPr>
+                        <m:t>𝑧</m:t>
+                      </m:r>
+                    </m:oMath>
+                  </m:oMathPara>
+                </a14:m>
+                <a:endParaRPr lang="en-US" sz="1200" dirty="0"/>
+              </a:p>
+            </p:txBody>
+          </p:sp>
+        </mc:Choice>
+        <mc:Fallback xmlns="">
+          <p:sp>
+            <p:nvSpPr>
+              <p:cNvPr id="39" name="TextBox 38">
+                <a:extLst>
+                  <a:ext uri="{FF2B5EF4-FFF2-40B4-BE49-F238E27FC236}">
+                    <a16:creationId xmlns:a16="http://schemas.microsoft.com/office/drawing/2014/main" id="{EF45C652-8EEC-499C-9ADD-352BFD4FD54F}"/>
+                  </a:ext>
+                </a:extLst>
+              </p:cNvPr>
+              <p:cNvSpPr txBox="1">
+                <a:spLocks noRot="1" noChangeAspect="1" noMove="1" noResize="1" noEditPoints="1" noAdjustHandles="1" noChangeArrowheads="1" noChangeShapeType="1" noTextEdit="1"/>
+              </p:cNvSpPr>
+              <p:nvPr/>
+            </p:nvSpPr>
+            <p:spPr>
+              <a:xfrm>
+                <a:off x="5607170" y="728458"/>
+                <a:ext cx="296299" cy="276999"/>
+              </a:xfrm>
+              <a:prstGeom prst="rect">
+                <a:avLst/>
+              </a:prstGeom>
+              <a:blipFill>
+                <a:blip r:embed="rId9"/>
+                <a:stretch>
+                  <a:fillRect/>
+                </a:stretch>
+              </a:blipFill>
+            </p:spPr>
+            <p:txBody>
+              <a:bodyPr/>
+              <a:lstStyle/>
+              <a:p>
+                <a:r>
+                  <a:rPr lang="en-US">
+                    <a:noFill/>
+                  </a:rPr>
+                  <a:t> </a:t>
+                </a:r>
+              </a:p>
+            </p:txBody>
+          </p:sp>
+        </mc:Fallback>
+      </mc:AlternateContent>
+      <p:sp>
+        <p:nvSpPr>
+          <p:cNvPr id="42" name="Freeform: Shape 41">
+            <a:extLst>
+              <a:ext uri="{FF2B5EF4-FFF2-40B4-BE49-F238E27FC236}">
+                <a16:creationId xmlns:a16="http://schemas.microsoft.com/office/drawing/2014/main" id="{EBCD764E-5D17-4857-AA26-12080E2D3150}"/>
+              </a:ext>
+            </a:extLst>
+          </p:cNvPr>
+          <p:cNvSpPr/>
+          <p:nvPr/>
+        </p:nvSpPr>
+        <p:spPr>
+          <a:xfrm>
+            <a:off x="5883215" y="1440611"/>
+            <a:ext cx="1337094" cy="888521"/>
+          </a:xfrm>
+          <a:custGeom>
+            <a:avLst/>
+            <a:gdLst>
+              <a:gd name="connsiteX0" fmla="*/ 0 w 1337094"/>
+              <a:gd name="connsiteY0" fmla="*/ 888521 h 888521"/>
+              <a:gd name="connsiteX1" fmla="*/ 276045 w 1337094"/>
+              <a:gd name="connsiteY1" fmla="*/ 284672 h 888521"/>
+              <a:gd name="connsiteX2" fmla="*/ 776377 w 1337094"/>
+              <a:gd name="connsiteY2" fmla="*/ 34506 h 888521"/>
+              <a:gd name="connsiteX3" fmla="*/ 1337094 w 1337094"/>
+              <a:gd name="connsiteY3" fmla="*/ 0 h 888521"/>
+            </a:gdLst>
+            <a:ahLst/>
+            <a:cxnLst>
+              <a:cxn ang="0">
+                <a:pos x="connsiteX0" y="connsiteY0"/>
+              </a:cxn>
+              <a:cxn ang="0">
+                <a:pos x="connsiteX1" y="connsiteY1"/>
+              </a:cxn>
+              <a:cxn ang="0">
+                <a:pos x="connsiteX2" y="connsiteY2"/>
+              </a:cxn>
+              <a:cxn ang="0">
+                <a:pos x="connsiteX3" y="connsiteY3"/>
+              </a:cxn>
+            </a:cxnLst>
+            <a:rect l="l" t="t" r="r" b="b"/>
+            <a:pathLst>
+              <a:path w="1337094" h="888521">
+                <a:moveTo>
+                  <a:pt x="0" y="888521"/>
+                </a:moveTo>
+                <a:cubicBezTo>
+                  <a:pt x="73324" y="657764"/>
+                  <a:pt x="146649" y="427008"/>
+                  <a:pt x="276045" y="284672"/>
+                </a:cubicBezTo>
+                <a:cubicBezTo>
+                  <a:pt x="405441" y="142336"/>
+                  <a:pt x="599536" y="81951"/>
+                  <a:pt x="776377" y="34506"/>
+                </a:cubicBezTo>
+                <a:cubicBezTo>
+                  <a:pt x="953219" y="-12939"/>
+                  <a:pt x="1229264" y="5751"/>
+                  <a:pt x="1337094" y="0"/>
+                </a:cubicBezTo>
+              </a:path>
+            </a:pathLst>
+          </a:custGeom>
+          <a:ln w="12700"/>
+        </p:spPr>
+        <p:style>
+          <a:lnRef idx="1">
+            <a:schemeClr val="dk1"/>
+          </a:lnRef>
+          <a:fillRef idx="0">
+            <a:schemeClr val="dk1"/>
+          </a:fillRef>
+          <a:effectRef idx="0">
+            <a:schemeClr val="dk1"/>
+          </a:effectRef>
+          <a:fontRef idx="minor">
+            <a:schemeClr val="tx1"/>
+          </a:fontRef>
+        </p:style>
+        <p:txBody>
+          <a:bodyPr rtlCol="0" anchor="ctr"/>
+          <a:lstStyle/>
+          <a:p>
+            <a:pPr algn="ctr"/>
+            <a:endParaRPr lang="en-US"/>
+          </a:p>
+        </p:txBody>
+      </p:sp>
+      <p:cxnSp>
+        <p:nvCxnSpPr>
+          <p:cNvPr id="55" name="Straight Connector 54">
+            <a:extLst>
+              <a:ext uri="{FF2B5EF4-FFF2-40B4-BE49-F238E27FC236}">
+                <a16:creationId xmlns:a16="http://schemas.microsoft.com/office/drawing/2014/main" id="{29005273-F71B-40CF-BC4D-4EE0BBD61237}"/>
+              </a:ext>
+            </a:extLst>
+          </p:cNvPr>
+          <p:cNvCxnSpPr>
+            <a:stCxn id="42" idx="1"/>
+          </p:cNvCxnSpPr>
+          <p:nvPr/>
+        </p:nvCxnSpPr>
+        <p:spPr>
+          <a:xfrm flipH="1" flipV="1">
+            <a:off x="6096000" y="1639019"/>
+            <a:ext cx="63260" cy="86264"/>
+          </a:xfrm>
+          <a:prstGeom prst="line">
+            <a:avLst/>
+          </a:prstGeom>
+          <a:ln w="12700"/>
+        </p:spPr>
+        <p:style>
+          <a:lnRef idx="1">
+            <a:schemeClr val="dk1"/>
+          </a:lnRef>
+          <a:fillRef idx="0">
+            <a:schemeClr val="dk1"/>
+          </a:fillRef>
+          <a:effectRef idx="0">
+            <a:schemeClr val="dk1"/>
+          </a:effectRef>
+          <a:fontRef idx="minor">
+            <a:schemeClr val="tx1"/>
+          </a:fontRef>
+        </p:style>
+      </p:cxnSp>
+      <p:cxnSp>
+        <p:nvCxnSpPr>
+          <p:cNvPr id="59" name="Straight Connector 58">
+            <a:extLst>
+              <a:ext uri="{FF2B5EF4-FFF2-40B4-BE49-F238E27FC236}">
+                <a16:creationId xmlns:a16="http://schemas.microsoft.com/office/drawing/2014/main" id="{F6FDF9A9-61CE-4B8A-8504-8AE8EFF3C076}"/>
+              </a:ext>
+            </a:extLst>
+          </p:cNvPr>
+          <p:cNvCxnSpPr>
+            <a:cxnSpLocks/>
+            <a:stCxn id="42" idx="2"/>
+          </p:cNvCxnSpPr>
+          <p:nvPr/>
+        </p:nvCxnSpPr>
+        <p:spPr>
+          <a:xfrm flipH="1" flipV="1">
+            <a:off x="6581955" y="1380226"/>
+            <a:ext cx="77637" cy="94891"/>
+          </a:xfrm>
+          <a:prstGeom prst="line">
+            <a:avLst/>
+          </a:prstGeom>
+          <a:ln w="12700"/>
+        </p:spPr>
+        <p:style>
+          <a:lnRef idx="1">
+            <a:schemeClr val="dk1"/>
+          </a:lnRef>
+          <a:fillRef idx="0">
+            <a:schemeClr val="dk1"/>
+          </a:fillRef>
+          <a:effectRef idx="0">
+            <a:schemeClr val="dk1"/>
+          </a:effectRef>
+          <a:fontRef idx="minor">
+            <a:schemeClr val="tx1"/>
+          </a:fontRef>
+        </p:style>
+      </p:cxnSp>
+      <mc:AlternateContent xmlns:mc="http://schemas.openxmlformats.org/markup-compatibility/2006" xmlns:a14="http://schemas.microsoft.com/office/drawing/2010/main">
+        <mc:Choice Requires="a14">
+          <p:sp>
+            <p:nvSpPr>
+              <p:cNvPr id="78" name="TextBox 77">
+                <a:extLst>
+                  <a:ext uri="{FF2B5EF4-FFF2-40B4-BE49-F238E27FC236}">
+                    <a16:creationId xmlns:a16="http://schemas.microsoft.com/office/drawing/2014/main" id="{0928CBEE-FAC0-4720-8145-5178F1CAC5C2}"/>
+                  </a:ext>
+                </a:extLst>
+              </p:cNvPr>
+              <p:cNvSpPr txBox="1"/>
+              <p:nvPr/>
+            </p:nvSpPr>
+            <p:spPr>
+              <a:xfrm>
+                <a:off x="2158600" y="2385204"/>
+                <a:ext cx="476412" cy="276999"/>
+              </a:xfrm>
+              <a:prstGeom prst="rect">
+                <a:avLst/>
+              </a:prstGeom>
+              <a:noFill/>
+            </p:spPr>
+            <p:txBody>
+              <a:bodyPr wrap="none" rtlCol="0">
+                <a:spAutoFit/>
+              </a:bodyPr>
+              <a:lstStyle/>
+              <a:p>
+                <a:pPr/>
+                <a14:m>
+                  <m:oMathPara xmlns:m="http://schemas.openxmlformats.org/officeDocument/2006/math">
+                    <m:oMathParaPr>
+                      <m:jc m:val="centerGroup"/>
+                    </m:oMathParaPr>
+                    <m:oMath xmlns:m="http://schemas.openxmlformats.org/officeDocument/2006/math">
+                      <m:sSub>
+                        <m:sSubPr>
+                          <m:ctrlPr>
+                            <a:rPr lang="en-US" sz="1200" b="0" i="1" smtClean="0">
+                              <a:latin typeface="Cambria Math" panose="02040503050406030204" pitchFamily="18" charset="0"/>
+                            </a:rPr>
+                          </m:ctrlPr>
+                        </m:sSubPr>
+                        <m:e>
+                          <m:r>
+                            <a:rPr lang="en-US" sz="1200" b="0" i="1" smtClean="0">
+                              <a:latin typeface="Cambria Math" panose="02040503050406030204" pitchFamily="18" charset="0"/>
+                            </a:rPr>
+                            <m:t>𝑡</m:t>
+                          </m:r>
+                        </m:e>
+                        <m:sub>
+                          <m:r>
+                            <a:rPr lang="en-US" sz="1200" b="0" i="1" smtClean="0">
+                              <a:latin typeface="Cambria Math" panose="02040503050406030204" pitchFamily="18" charset="0"/>
+                            </a:rPr>
+                            <m:t>𝑖</m:t>
+                          </m:r>
+                          <m:r>
+                            <a:rPr lang="en-US" sz="1200" b="0" i="1" smtClean="0">
+                              <a:latin typeface="Cambria Math" panose="02040503050406030204" pitchFamily="18" charset="0"/>
+                            </a:rPr>
+                            <m:t>−1</m:t>
+                          </m:r>
+                        </m:sub>
+                      </m:sSub>
+                    </m:oMath>
+                  </m:oMathPara>
+                </a14:m>
+                <a:endParaRPr lang="en-US" sz="1200" dirty="0"/>
+              </a:p>
+            </p:txBody>
+          </p:sp>
+        </mc:Choice>
+        <mc:Fallback xmlns="">
+          <p:sp>
+            <p:nvSpPr>
+              <p:cNvPr id="78" name="TextBox 77">
+                <a:extLst>
+                  <a:ext uri="{FF2B5EF4-FFF2-40B4-BE49-F238E27FC236}">
+                    <a16:creationId xmlns:a16="http://schemas.microsoft.com/office/drawing/2014/main" id="{0928CBEE-FAC0-4720-8145-5178F1CAC5C2}"/>
+                  </a:ext>
+                </a:extLst>
+              </p:cNvPr>
+              <p:cNvSpPr txBox="1">
+                <a:spLocks noRot="1" noChangeAspect="1" noMove="1" noResize="1" noEditPoints="1" noAdjustHandles="1" noChangeArrowheads="1" noChangeShapeType="1" noTextEdit="1"/>
+              </p:cNvSpPr>
+              <p:nvPr/>
+            </p:nvSpPr>
+            <p:spPr>
+              <a:xfrm>
+                <a:off x="2158600" y="2385204"/>
+                <a:ext cx="476412" cy="276999"/>
+              </a:xfrm>
+              <a:prstGeom prst="rect">
+                <a:avLst/>
+              </a:prstGeom>
+              <a:blipFill>
+                <a:blip r:embed="rId10"/>
+                <a:stretch>
+                  <a:fillRect/>
+                </a:stretch>
+              </a:blipFill>
+            </p:spPr>
+            <p:txBody>
+              <a:bodyPr/>
+              <a:lstStyle/>
+              <a:p>
+                <a:r>
+                  <a:rPr lang="en-US">
+                    <a:noFill/>
+                  </a:rPr>
+                  <a:t> </a:t>
+                </a:r>
+              </a:p>
+            </p:txBody>
+          </p:sp>
+        </mc:Fallback>
+      </mc:AlternateContent>
+      <mc:AlternateContent xmlns:mc="http://schemas.openxmlformats.org/markup-compatibility/2006" xmlns:a14="http://schemas.microsoft.com/office/drawing/2010/main">
+        <mc:Choice Requires="a14">
+          <p:sp>
+            <p:nvSpPr>
+              <p:cNvPr id="85" name="TextBox 84">
+                <a:extLst>
+                  <a:ext uri="{FF2B5EF4-FFF2-40B4-BE49-F238E27FC236}">
+                    <a16:creationId xmlns:a16="http://schemas.microsoft.com/office/drawing/2014/main" id="{4FCC15C2-2A37-4540-A573-CDAF80B785D8}"/>
+                  </a:ext>
+                </a:extLst>
+              </p:cNvPr>
+              <p:cNvSpPr txBox="1"/>
+              <p:nvPr/>
+            </p:nvSpPr>
+            <p:spPr>
+              <a:xfrm>
+                <a:off x="2593513" y="2394957"/>
+                <a:ext cx="328936" cy="276999"/>
+              </a:xfrm>
+              <a:prstGeom prst="rect">
+                <a:avLst/>
+              </a:prstGeom>
+              <a:noFill/>
+            </p:spPr>
+            <p:txBody>
+              <a:bodyPr wrap="none" rtlCol="0">
+                <a:spAutoFit/>
+              </a:bodyPr>
+              <a:lstStyle/>
+              <a:p>
+                <a:pPr/>
+                <a14:m>
+                  <m:oMathPara xmlns:m="http://schemas.openxmlformats.org/officeDocument/2006/math">
+                    <m:oMathParaPr>
+                      <m:jc m:val="centerGroup"/>
+                    </m:oMathParaPr>
+                    <m:oMath xmlns:m="http://schemas.openxmlformats.org/officeDocument/2006/math">
+                      <m:sSub>
+                        <m:sSubPr>
+                          <m:ctrlPr>
+                            <a:rPr lang="en-US" sz="1200" b="0" i="1" smtClean="0">
+                              <a:latin typeface="Cambria Math" panose="02040503050406030204" pitchFamily="18" charset="0"/>
+                            </a:rPr>
+                          </m:ctrlPr>
+                        </m:sSubPr>
+                        <m:e>
+                          <m:r>
+                            <a:rPr lang="en-US" sz="1200" b="0" i="1" smtClean="0">
+                              <a:latin typeface="Cambria Math" panose="02040503050406030204" pitchFamily="18" charset="0"/>
+                            </a:rPr>
+                            <m:t>𝑡</m:t>
+                          </m:r>
+                        </m:e>
+                        <m:sub>
+                          <m:r>
+                            <a:rPr lang="en-US" sz="1200" b="0" i="1" smtClean="0">
+                              <a:latin typeface="Cambria Math" panose="02040503050406030204" pitchFamily="18" charset="0"/>
+                            </a:rPr>
+                            <m:t>𝑖</m:t>
+                          </m:r>
+                        </m:sub>
+                      </m:sSub>
+                    </m:oMath>
+                  </m:oMathPara>
+                </a14:m>
+                <a:endParaRPr lang="en-US" sz="1200" dirty="0"/>
+              </a:p>
+            </p:txBody>
+          </p:sp>
+        </mc:Choice>
+        <mc:Fallback xmlns="">
+          <p:sp>
+            <p:nvSpPr>
+              <p:cNvPr id="85" name="TextBox 84">
+                <a:extLst>
+                  <a:ext uri="{FF2B5EF4-FFF2-40B4-BE49-F238E27FC236}">
+                    <a16:creationId xmlns:a16="http://schemas.microsoft.com/office/drawing/2014/main" id="{4FCC15C2-2A37-4540-A573-CDAF80B785D8}"/>
+                  </a:ext>
+                </a:extLst>
+              </p:cNvPr>
+              <p:cNvSpPr txBox="1">
+                <a:spLocks noRot="1" noChangeAspect="1" noMove="1" noResize="1" noEditPoints="1" noAdjustHandles="1" noChangeArrowheads="1" noChangeShapeType="1" noTextEdit="1"/>
+              </p:cNvSpPr>
+              <p:nvPr/>
+            </p:nvSpPr>
+            <p:spPr>
+              <a:xfrm>
+                <a:off x="2593513" y="2394957"/>
+                <a:ext cx="328936" cy="276999"/>
+              </a:xfrm>
+              <a:prstGeom prst="rect">
+                <a:avLst/>
+              </a:prstGeom>
+              <a:blipFill>
+                <a:blip r:embed="rId11"/>
+                <a:stretch>
+                  <a:fillRect/>
+                </a:stretch>
+              </a:blipFill>
+            </p:spPr>
+            <p:txBody>
+              <a:bodyPr/>
+              <a:lstStyle/>
+              <a:p>
+                <a:r>
+                  <a:rPr lang="en-US">
+                    <a:noFill/>
+                  </a:rPr>
+                  <a:t> </a:t>
+                </a:r>
+              </a:p>
+            </p:txBody>
+          </p:sp>
+        </mc:Fallback>
+      </mc:AlternateContent>
+      <p:cxnSp>
+        <p:nvCxnSpPr>
+          <p:cNvPr id="87" name="Straight Arrow Connector 86">
+            <a:extLst>
+              <a:ext uri="{FF2B5EF4-FFF2-40B4-BE49-F238E27FC236}">
+                <a16:creationId xmlns:a16="http://schemas.microsoft.com/office/drawing/2014/main" id="{9649FB1D-7243-4597-8E2C-C2B5286A7E9C}"/>
+              </a:ext>
+            </a:extLst>
+          </p:cNvPr>
+          <p:cNvCxnSpPr>
+            <a:cxnSpLocks/>
+            <a:endCxn id="42" idx="1"/>
+          </p:cNvCxnSpPr>
+          <p:nvPr/>
+        </p:nvCxnSpPr>
+        <p:spPr>
+          <a:xfrm flipV="1">
+            <a:off x="5607169" y="1725283"/>
+            <a:ext cx="552091" cy="824604"/>
+          </a:xfrm>
+          <a:prstGeom prst="straightConnector1">
+            <a:avLst/>
+          </a:prstGeom>
+          <a:ln>
+            <a:tailEnd type="triangle"/>
+          </a:ln>
+        </p:spPr>
+        <p:style>
+          <a:lnRef idx="1">
+            <a:schemeClr val="dk1"/>
+          </a:lnRef>
+          <a:fillRef idx="0">
+            <a:schemeClr val="dk1"/>
+          </a:fillRef>
+          <a:effectRef idx="0">
+            <a:schemeClr val="dk1"/>
+          </a:effectRef>
+          <a:fontRef idx="minor">
+            <a:schemeClr val="tx1"/>
+          </a:fontRef>
+        </p:style>
+      </p:cxnSp>
+      <p:cxnSp>
+        <p:nvCxnSpPr>
+          <p:cNvPr id="94" name="Straight Arrow Connector 93">
+            <a:extLst>
+              <a:ext uri="{FF2B5EF4-FFF2-40B4-BE49-F238E27FC236}">
+                <a16:creationId xmlns:a16="http://schemas.microsoft.com/office/drawing/2014/main" id="{C7608BB1-FB29-4083-9980-CBE1E17A76AB}"/>
+              </a:ext>
+            </a:extLst>
+          </p:cNvPr>
+          <p:cNvCxnSpPr>
             <a:endCxn id="42" idx="2"/>
           </p:cNvCxnSpPr>
           <p:nvPr/>
@@ -9622,6 +9623,1378 @@
 </p:sld>
 </file>
 
+<file path=ppt/slides/slide5.xml><?xml version="1.0" encoding="utf-8"?>
+<p:sld xmlns:a="http://schemas.openxmlformats.org/drawingml/2006/main" xmlns:r="http://schemas.openxmlformats.org/officeDocument/2006/relationships" xmlns:p="http://schemas.openxmlformats.org/presentationml/2006/main">
+  <p:cSld>
+    <p:spTree>
+      <p:nvGrpSpPr>
+        <p:cNvPr id="1" name=""/>
+        <p:cNvGrpSpPr/>
+        <p:nvPr/>
+      </p:nvGrpSpPr>
+      <p:grpSpPr>
+        <a:xfrm>
+          <a:off x="0" y="0"/>
+          <a:ext cx="0" cy="0"/>
+          <a:chOff x="0" y="0"/>
+          <a:chExt cx="0" cy="0"/>
+        </a:xfrm>
+      </p:grpSpPr>
+      <p:pic>
+        <p:nvPicPr>
+          <p:cNvPr id="5" name="Picture 4">
+            <a:extLst>
+              <a:ext uri="{FF2B5EF4-FFF2-40B4-BE49-F238E27FC236}">
+                <a16:creationId xmlns:a16="http://schemas.microsoft.com/office/drawing/2014/main" id="{714C3F25-E1E7-476E-85BB-60F3AC1A192C}"/>
+              </a:ext>
+            </a:extLst>
+          </p:cNvPr>
+          <p:cNvPicPr>
+            <a:picLocks noChangeAspect="1"/>
+          </p:cNvPicPr>
+          <p:nvPr/>
+        </p:nvPicPr>
+        <p:blipFill rotWithShape="1">
+          <a:blip r:embed="rId2">
+            <a:extLst>
+              <a:ext uri="{BEBA8EAE-BF5A-486C-A8C5-ECC9F3942E4B}">
+                <a14:imgProps xmlns:a14="http://schemas.microsoft.com/office/drawing/2010/main">
+                  <a14:imgLayer r:embed="rId3">
+                    <a14:imgEffect>
+                      <a14:backgroundRemoval t="3784" b="97838" l="1512" r="35853">
+                        <a14:foregroundMark x1="5832" y1="3784" x2="216" y2="29730"/>
+                        <a14:foregroundMark x1="216" y1="29730" x2="1296" y2="91892"/>
+                        <a14:foregroundMark x1="1296" y1="91892" x2="27862" y2="97297"/>
+                        <a14:foregroundMark x1="27862" y1="97297" x2="36285" y2="96216"/>
+                        <a14:foregroundMark x1="31510" y1="52552" x2="31400" y2="51548"/>
+                        <a14:foregroundMark x1="36285" y1="96216" x2="32115" y2="58086"/>
+                        <a14:foregroundMark x1="29589" y1="41556" x2="24838" y2="27027"/>
+                        <a14:foregroundMark x1="24838" y1="27027" x2="5832" y2="5405"/>
+                        <a14:foregroundMark x1="5184" y1="8108" x2="5832" y2="71351"/>
+                        <a14:foregroundMark x1="5832" y1="71351" x2="1728" y2="94054"/>
+                        <a14:foregroundMark x1="1728" y1="94054" x2="17063" y2="95676"/>
+                        <a14:foregroundMark x1="17063" y1="95676" x2="30022" y2="92973"/>
+                        <a14:foregroundMark x1="30022" y1="92973" x2="16847" y2="61622"/>
+                        <a14:foregroundMark x1="16847" y1="61622" x2="20734" y2="44324"/>
+                        <a14:foregroundMark x1="20734" y1="44324" x2="14039" y2="65946"/>
+                        <a14:foregroundMark x1="14039" y1="65946" x2="21814" y2="51351"/>
+                        <a14:foregroundMark x1="21814" y1="51351" x2="11879" y2="38919"/>
+                        <a14:foregroundMark x1="11879" y1="38919" x2="22246" y2="48649"/>
+                        <a14:foregroundMark x1="22246" y1="48649" x2="22030" y2="68649"/>
+                        <a14:foregroundMark x1="22030" y1="68649" x2="14039" y2="63243"/>
+                        <a14:foregroundMark x1="14039" y1="63243" x2="12527" y2="68649"/>
+                        <a14:foregroundMark x1="24190" y1="46486" x2="16415" y2="40541"/>
+                        <a14:foregroundMark x1="16415" y1="40541" x2="10583" y2="59459"/>
+                        <a14:foregroundMark x1="10583" y1="59459" x2="4968" y2="5405"/>
+                        <a14:foregroundMark x1="4968" y1="5405" x2="1728" y2="76757"/>
+                        <a14:foregroundMark x1="1728" y1="76757" x2="3240" y2="97838"/>
+                        <a14:foregroundMark x1="3240" y1="97838" x2="4536" y2="41081"/>
+                        <a14:foregroundMark x1="4536" y1="41081" x2="19222" y2="55676"/>
+                        <a14:foregroundMark x1="19222" y1="55676" x2="26998" y2="72973"/>
+                        <a14:foregroundMark x1="26998" y1="72973" x2="26998" y2="72973"/>
+                        <a14:foregroundMark x1="24190" y1="52432" x2="25702" y2="55676"/>
+                        <a14:foregroundMark x1="23758" y1="38919" x2="20734" y2="40541"/>
+                        <a14:foregroundMark x1="23758" y1="36216" x2="16199" y2="41081"/>
+                        <a14:foregroundMark x1="16199" y1="41081" x2="15983" y2="41622"/>
+                        <a14:foregroundMark x1="18359" y1="34595" x2="15119" y2="38378"/>
+                        <a14:foregroundMark x1="5616" y1="6486" x2="3240" y2="7027"/>
+                        <a14:foregroundMark x1="4752" y1="3784" x2="3456" y2="4324"/>
+                        <a14:foregroundMark x1="1512" y1="88108" x2="1728" y2="96757"/>
+                        <a14:backgroundMark x1="37365" y1="44324" x2="32181" y2="51351"/>
+                        <a14:backgroundMark x1="31533" y1="52432" x2="36501" y2="44865"/>
+                        <a14:backgroundMark x1="36933" y1="44324" x2="31749" y2="52432"/>
+                        <a14:backgroundMark x1="35421" y1="44324" x2="31102" y2="50811"/>
+                      </a14:backgroundRemoval>
+                    </a14:imgEffect>
+                  </a14:imgLayer>
+                </a14:imgProps>
+              </a:ext>
+              <a:ext uri="{28A0092B-C50C-407E-A947-70E740481C1C}">
+                <a14:useLocalDpi xmlns:a14="http://schemas.microsoft.com/office/drawing/2010/main" val="0"/>
+              </a:ext>
+            </a:extLst>
+          </a:blip>
+          <a:srcRect r="59127"/>
+          <a:stretch/>
+        </p:blipFill>
+        <p:spPr>
+          <a:xfrm>
+            <a:off x="5014600" y="3429000"/>
+            <a:ext cx="2541444" cy="2484451"/>
+          </a:xfrm>
+          <a:prstGeom prst="rect">
+            <a:avLst/>
+          </a:prstGeom>
+        </p:spPr>
+      </p:pic>
+      <p:cxnSp>
+        <p:nvCxnSpPr>
+          <p:cNvPr id="9" name="Straight Arrow Connector 8">
+            <a:extLst>
+              <a:ext uri="{FF2B5EF4-FFF2-40B4-BE49-F238E27FC236}">
+                <a16:creationId xmlns:a16="http://schemas.microsoft.com/office/drawing/2014/main" id="{6BD0C914-804A-4A96-BCD8-66B561DB89F3}"/>
+              </a:ext>
+            </a:extLst>
+          </p:cNvPr>
+          <p:cNvCxnSpPr>
+            <a:cxnSpLocks/>
+          </p:cNvCxnSpPr>
+          <p:nvPr/>
+        </p:nvCxnSpPr>
+        <p:spPr>
+          <a:xfrm>
+            <a:off x="5180218" y="1280501"/>
+            <a:ext cx="2191109" cy="0"/>
+          </a:xfrm>
+          <a:prstGeom prst="straightConnector1">
+            <a:avLst/>
+          </a:prstGeom>
+          <a:ln w="12700">
+            <a:tailEnd type="triangle"/>
+          </a:ln>
+        </p:spPr>
+        <p:style>
+          <a:lnRef idx="1">
+            <a:schemeClr val="dk1"/>
+          </a:lnRef>
+          <a:fillRef idx="0">
+            <a:schemeClr val="dk1"/>
+          </a:fillRef>
+          <a:effectRef idx="0">
+            <a:schemeClr val="dk1"/>
+          </a:effectRef>
+          <a:fontRef idx="minor">
+            <a:schemeClr val="tx1"/>
+          </a:fontRef>
+        </p:style>
+      </p:cxnSp>
+      <p:cxnSp>
+        <p:nvCxnSpPr>
+          <p:cNvPr id="11" name="Straight Connector 10">
+            <a:extLst>
+              <a:ext uri="{FF2B5EF4-FFF2-40B4-BE49-F238E27FC236}">
+                <a16:creationId xmlns:a16="http://schemas.microsoft.com/office/drawing/2014/main" id="{0EFC982B-3E8B-4673-B421-824C6F4BC788}"/>
+              </a:ext>
+            </a:extLst>
+          </p:cNvPr>
+          <p:cNvCxnSpPr>
+            <a:cxnSpLocks/>
+          </p:cNvCxnSpPr>
+          <p:nvPr/>
+        </p:nvCxnSpPr>
+        <p:spPr>
+          <a:xfrm>
+            <a:off x="5577033" y="1211489"/>
+            <a:ext cx="0" cy="60386"/>
+          </a:xfrm>
+          <a:prstGeom prst="line">
+            <a:avLst/>
+          </a:prstGeom>
+          <a:ln w="12700"/>
+        </p:spPr>
+        <p:style>
+          <a:lnRef idx="1">
+            <a:schemeClr val="dk1"/>
+          </a:lnRef>
+          <a:fillRef idx="0">
+            <a:schemeClr val="dk1"/>
+          </a:fillRef>
+          <a:effectRef idx="0">
+            <a:schemeClr val="dk1"/>
+          </a:effectRef>
+          <a:fontRef idx="minor">
+            <a:schemeClr val="tx1"/>
+          </a:fontRef>
+        </p:style>
+      </p:cxnSp>
+      <p:cxnSp>
+        <p:nvCxnSpPr>
+          <p:cNvPr id="12" name="Straight Connector 11">
+            <a:extLst>
+              <a:ext uri="{FF2B5EF4-FFF2-40B4-BE49-F238E27FC236}">
+                <a16:creationId xmlns:a16="http://schemas.microsoft.com/office/drawing/2014/main" id="{72E7B4C0-BFA5-4988-BC42-91945C29E028}"/>
+              </a:ext>
+            </a:extLst>
+          </p:cNvPr>
+          <p:cNvCxnSpPr>
+            <a:cxnSpLocks/>
+          </p:cNvCxnSpPr>
+          <p:nvPr/>
+        </p:nvCxnSpPr>
+        <p:spPr>
+          <a:xfrm>
+            <a:off x="6991806" y="1185610"/>
+            <a:ext cx="0" cy="86264"/>
+          </a:xfrm>
+          <a:prstGeom prst="line">
+            <a:avLst/>
+          </a:prstGeom>
+          <a:ln w="12700"/>
+        </p:spPr>
+        <p:style>
+          <a:lnRef idx="1">
+            <a:schemeClr val="dk1"/>
+          </a:lnRef>
+          <a:fillRef idx="0">
+            <a:schemeClr val="dk1"/>
+          </a:fillRef>
+          <a:effectRef idx="0">
+            <a:schemeClr val="dk1"/>
+          </a:effectRef>
+          <a:fontRef idx="minor">
+            <a:schemeClr val="tx1"/>
+          </a:fontRef>
+        </p:style>
+      </p:cxnSp>
+      <mc:AlternateContent xmlns:mc="http://schemas.openxmlformats.org/markup-compatibility/2006">
+        <mc:Choice xmlns:a14="http://schemas.microsoft.com/office/drawing/2010/main" Requires="a14">
+          <p:sp>
+            <p:nvSpPr>
+              <p:cNvPr id="14" name="TextBox 13">
+                <a:extLst>
+                  <a:ext uri="{FF2B5EF4-FFF2-40B4-BE49-F238E27FC236}">
+                    <a16:creationId xmlns:a16="http://schemas.microsoft.com/office/drawing/2014/main" id="{D6B508D8-1D67-47F8-B697-507EF3EB4533}"/>
+                  </a:ext>
+                </a:extLst>
+              </p:cNvPr>
+              <p:cNvSpPr txBox="1"/>
+              <p:nvPr/>
+            </p:nvSpPr>
+            <p:spPr>
+              <a:xfrm>
+                <a:off x="5418240" y="1241682"/>
+                <a:ext cx="317586" cy="276999"/>
+              </a:xfrm>
+              <a:prstGeom prst="rect">
+                <a:avLst/>
+              </a:prstGeom>
+              <a:noFill/>
+            </p:spPr>
+            <p:txBody>
+              <a:bodyPr wrap="none" rtlCol="0">
+                <a:spAutoFit/>
+              </a:bodyPr>
+              <a:lstStyle/>
+              <a:p>
+                <a:pPr/>
+                <a14:m>
+                  <m:oMathPara xmlns:m="http://schemas.openxmlformats.org/officeDocument/2006/math">
+                    <m:oMathParaPr>
+                      <m:jc m:val="centerGroup"/>
+                    </m:oMathParaPr>
+                    <m:oMath xmlns:m="http://schemas.openxmlformats.org/officeDocument/2006/math">
+                      <m:r>
+                        <a:rPr lang="en-US" sz="1200" i="1" smtClean="0">
+                          <a:latin typeface="Cambria Math" panose="02040503050406030204" pitchFamily="18" charset="0"/>
+                          <a:ea typeface="Cambria Math" panose="02040503050406030204" pitchFamily="18" charset="0"/>
+                        </a:rPr>
+                        <m:t>𝛼</m:t>
+                      </m:r>
+                    </m:oMath>
+                  </m:oMathPara>
+                </a14:m>
+                <a:endParaRPr lang="en-US" dirty="0"/>
+              </a:p>
+            </p:txBody>
+          </p:sp>
+        </mc:Choice>
+        <mc:Fallback>
+          <p:sp>
+            <p:nvSpPr>
+              <p:cNvPr id="14" name="TextBox 13">
+                <a:extLst>
+                  <a:ext uri="{FF2B5EF4-FFF2-40B4-BE49-F238E27FC236}">
+                    <a16:creationId xmlns:a16="http://schemas.microsoft.com/office/drawing/2014/main" id="{D6B508D8-1D67-47F8-B697-507EF3EB4533}"/>
+                  </a:ext>
+                </a:extLst>
+              </p:cNvPr>
+              <p:cNvSpPr txBox="1">
+                <a:spLocks noRot="1" noChangeAspect="1" noMove="1" noResize="1" noEditPoints="1" noAdjustHandles="1" noChangeArrowheads="1" noChangeShapeType="1" noTextEdit="1"/>
+              </p:cNvSpPr>
+              <p:nvPr/>
+            </p:nvSpPr>
+            <p:spPr>
+              <a:xfrm>
+                <a:off x="5418240" y="1241682"/>
+                <a:ext cx="317586" cy="276999"/>
+              </a:xfrm>
+              <a:prstGeom prst="rect">
+                <a:avLst/>
+              </a:prstGeom>
+              <a:blipFill>
+                <a:blip r:embed="rId4"/>
+                <a:stretch>
+                  <a:fillRect/>
+                </a:stretch>
+              </a:blipFill>
+            </p:spPr>
+            <p:txBody>
+              <a:bodyPr/>
+              <a:lstStyle/>
+              <a:p>
+                <a:r>
+                  <a:rPr lang="en-US">
+                    <a:noFill/>
+                  </a:rPr>
+                  <a:t> </a:t>
+                </a:r>
+              </a:p>
+            </p:txBody>
+          </p:sp>
+        </mc:Fallback>
+      </mc:AlternateContent>
+      <mc:AlternateContent xmlns:mc="http://schemas.openxmlformats.org/markup-compatibility/2006">
+        <mc:Choice xmlns:a14="http://schemas.microsoft.com/office/drawing/2010/main" Requires="a14">
+          <p:sp>
+            <p:nvSpPr>
+              <p:cNvPr id="15" name="TextBox 14">
+                <a:extLst>
+                  <a:ext uri="{FF2B5EF4-FFF2-40B4-BE49-F238E27FC236}">
+                    <a16:creationId xmlns:a16="http://schemas.microsoft.com/office/drawing/2014/main" id="{82DC1576-0BED-465A-9F3F-B3D56F0C0170}"/>
+                  </a:ext>
+                </a:extLst>
+              </p:cNvPr>
+              <p:cNvSpPr txBox="1"/>
+              <p:nvPr/>
+            </p:nvSpPr>
+            <p:spPr>
+              <a:xfrm>
+                <a:off x="6812864" y="1254317"/>
+                <a:ext cx="317586" cy="276999"/>
+              </a:xfrm>
+              <a:prstGeom prst="rect">
+                <a:avLst/>
+              </a:prstGeom>
+              <a:noFill/>
+            </p:spPr>
+            <p:txBody>
+              <a:bodyPr wrap="none" rtlCol="0">
+                <a:spAutoFit/>
+              </a:bodyPr>
+              <a:lstStyle/>
+              <a:p>
+                <a:pPr/>
+                <a14:m>
+                  <m:oMathPara xmlns:m="http://schemas.openxmlformats.org/officeDocument/2006/math">
+                    <m:oMathParaPr>
+                      <m:jc m:val="centerGroup"/>
+                    </m:oMathParaPr>
+                    <m:oMath xmlns:m="http://schemas.openxmlformats.org/officeDocument/2006/math">
+                      <m:r>
+                        <a:rPr lang="en-US" sz="1200" i="1" smtClean="0">
+                          <a:latin typeface="Cambria Math" panose="02040503050406030204" pitchFamily="18" charset="0"/>
+                          <a:ea typeface="Cambria Math" panose="02040503050406030204" pitchFamily="18" charset="0"/>
+                        </a:rPr>
+                        <m:t>𝛽</m:t>
+                      </m:r>
+                    </m:oMath>
+                  </m:oMathPara>
+                </a14:m>
+                <a:endParaRPr lang="en-US" sz="1200" dirty="0"/>
+              </a:p>
+            </p:txBody>
+          </p:sp>
+        </mc:Choice>
+        <mc:Fallback>
+          <p:sp>
+            <p:nvSpPr>
+              <p:cNvPr id="15" name="TextBox 14">
+                <a:extLst>
+                  <a:ext uri="{FF2B5EF4-FFF2-40B4-BE49-F238E27FC236}">
+                    <a16:creationId xmlns:a16="http://schemas.microsoft.com/office/drawing/2014/main" id="{82DC1576-0BED-465A-9F3F-B3D56F0C0170}"/>
+                  </a:ext>
+                </a:extLst>
+              </p:cNvPr>
+              <p:cNvSpPr txBox="1">
+                <a:spLocks noRot="1" noChangeAspect="1" noMove="1" noResize="1" noEditPoints="1" noAdjustHandles="1" noChangeArrowheads="1" noChangeShapeType="1" noTextEdit="1"/>
+              </p:cNvSpPr>
+              <p:nvPr/>
+            </p:nvSpPr>
+            <p:spPr>
+              <a:xfrm>
+                <a:off x="6812864" y="1254317"/>
+                <a:ext cx="317586" cy="276999"/>
+              </a:xfrm>
+              <a:prstGeom prst="rect">
+                <a:avLst/>
+              </a:prstGeom>
+              <a:blipFill>
+                <a:blip r:embed="rId5"/>
+                <a:stretch>
+                  <a:fillRect b="-4444"/>
+                </a:stretch>
+              </a:blipFill>
+            </p:spPr>
+            <p:txBody>
+              <a:bodyPr/>
+              <a:lstStyle/>
+              <a:p>
+                <a:r>
+                  <a:rPr lang="en-US">
+                    <a:noFill/>
+                  </a:rPr>
+                  <a:t> </a:t>
+                </a:r>
+              </a:p>
+            </p:txBody>
+          </p:sp>
+        </mc:Fallback>
+      </mc:AlternateContent>
+      <mc:AlternateContent xmlns:mc="http://schemas.openxmlformats.org/markup-compatibility/2006">
+        <mc:Choice xmlns:a14="http://schemas.microsoft.com/office/drawing/2010/main" Requires="a14">
+          <p:sp>
+            <p:nvSpPr>
+              <p:cNvPr id="16" name="TextBox 15">
+                <a:extLst>
+                  <a:ext uri="{FF2B5EF4-FFF2-40B4-BE49-F238E27FC236}">
+                    <a16:creationId xmlns:a16="http://schemas.microsoft.com/office/drawing/2014/main" id="{A5ADC2BA-BDC0-406E-98AD-D5C444984A7C}"/>
+                  </a:ext>
+                </a:extLst>
+              </p:cNvPr>
+              <p:cNvSpPr txBox="1"/>
+              <p:nvPr/>
+            </p:nvSpPr>
+            <p:spPr>
+              <a:xfrm>
+                <a:off x="7203014" y="1267866"/>
+                <a:ext cx="284629" cy="276999"/>
+              </a:xfrm>
+              <a:prstGeom prst="rect">
+                <a:avLst/>
+              </a:prstGeom>
+              <a:noFill/>
+            </p:spPr>
+            <p:txBody>
+              <a:bodyPr wrap="none" rtlCol="0">
+                <a:spAutoFit/>
+              </a:bodyPr>
+              <a:lstStyle/>
+              <a:p>
+                <a:pPr/>
+                <a14:m>
+                  <m:oMathPara xmlns:m="http://schemas.openxmlformats.org/officeDocument/2006/math">
+                    <m:oMathParaPr>
+                      <m:jc m:val="centerGroup"/>
+                    </m:oMathParaPr>
+                    <m:oMath xmlns:m="http://schemas.openxmlformats.org/officeDocument/2006/math">
+                      <m:r>
+                        <a:rPr lang="en-US" sz="1200" b="0" i="1" smtClean="0">
+                          <a:latin typeface="Cambria Math" panose="02040503050406030204" pitchFamily="18" charset="0"/>
+                          <a:ea typeface="Cambria Math" panose="02040503050406030204" pitchFamily="18" charset="0"/>
+                        </a:rPr>
+                        <m:t>𝑡</m:t>
+                      </m:r>
+                    </m:oMath>
+                  </m:oMathPara>
+                </a14:m>
+                <a:endParaRPr lang="en-US" sz="1200" dirty="0"/>
+              </a:p>
+            </p:txBody>
+          </p:sp>
+        </mc:Choice>
+        <mc:Fallback>
+          <p:sp>
+            <p:nvSpPr>
+              <p:cNvPr id="16" name="TextBox 15">
+                <a:extLst>
+                  <a:ext uri="{FF2B5EF4-FFF2-40B4-BE49-F238E27FC236}">
+                    <a16:creationId xmlns:a16="http://schemas.microsoft.com/office/drawing/2014/main" id="{A5ADC2BA-BDC0-406E-98AD-D5C444984A7C}"/>
+                  </a:ext>
+                </a:extLst>
+              </p:cNvPr>
+              <p:cNvSpPr txBox="1">
+                <a:spLocks noRot="1" noChangeAspect="1" noMove="1" noResize="1" noEditPoints="1" noAdjustHandles="1" noChangeArrowheads="1" noChangeShapeType="1" noTextEdit="1"/>
+              </p:cNvSpPr>
+              <p:nvPr/>
+            </p:nvSpPr>
+            <p:spPr>
+              <a:xfrm>
+                <a:off x="7203014" y="1267866"/>
+                <a:ext cx="284629" cy="276999"/>
+              </a:xfrm>
+              <a:prstGeom prst="rect">
+                <a:avLst/>
+              </a:prstGeom>
+              <a:blipFill>
+                <a:blip r:embed="rId6"/>
+                <a:stretch>
+                  <a:fillRect/>
+                </a:stretch>
+              </a:blipFill>
+            </p:spPr>
+            <p:txBody>
+              <a:bodyPr/>
+              <a:lstStyle/>
+              <a:p>
+                <a:r>
+                  <a:rPr lang="en-US">
+                    <a:noFill/>
+                  </a:rPr>
+                  <a:t> </a:t>
+                </a:r>
+              </a:p>
+            </p:txBody>
+          </p:sp>
+        </mc:Fallback>
+      </mc:AlternateContent>
+      <mc:AlternateContent xmlns:mc="http://schemas.openxmlformats.org/markup-compatibility/2006">
+        <mc:Choice xmlns:a14="http://schemas.microsoft.com/office/drawing/2010/main" Requires="a14">
+          <p:sp>
+            <p:nvSpPr>
+              <p:cNvPr id="17" name="TextBox 16">
+                <a:extLst>
+                  <a:ext uri="{FF2B5EF4-FFF2-40B4-BE49-F238E27FC236}">
+                    <a16:creationId xmlns:a16="http://schemas.microsoft.com/office/drawing/2014/main" id="{DFDE76E6-0352-4245-8C07-1C7292ABEBAD}"/>
+                  </a:ext>
+                </a:extLst>
+              </p:cNvPr>
+              <p:cNvSpPr txBox="1"/>
+              <p:nvPr/>
+            </p:nvSpPr>
+            <p:spPr>
+              <a:xfrm>
+                <a:off x="5014600" y="1293137"/>
+                <a:ext cx="327910" cy="276999"/>
+              </a:xfrm>
+              <a:prstGeom prst="rect">
+                <a:avLst/>
+              </a:prstGeom>
+              <a:noFill/>
+            </p:spPr>
+            <p:txBody>
+              <a:bodyPr wrap="none" rtlCol="0">
+                <a:spAutoFit/>
+              </a:bodyPr>
+              <a:lstStyle/>
+              <a:p>
+                <a:pPr/>
+                <a14:m>
+                  <m:oMathPara xmlns:m="http://schemas.openxmlformats.org/officeDocument/2006/math">
+                    <m:oMathParaPr>
+                      <m:jc m:val="centerGroup"/>
+                    </m:oMathParaPr>
+                    <m:oMath xmlns:m="http://schemas.openxmlformats.org/officeDocument/2006/math">
+                      <m:r>
+                        <a:rPr lang="en-US" sz="1200" b="0" i="1" smtClean="0">
+                          <a:latin typeface="Cambria Math" panose="02040503050406030204" pitchFamily="18" charset="0"/>
+                        </a:rPr>
+                        <m:t>𝑂</m:t>
+                      </m:r>
+                    </m:oMath>
+                  </m:oMathPara>
+                </a14:m>
+                <a:endParaRPr lang="en-US" sz="1200" dirty="0"/>
+              </a:p>
+            </p:txBody>
+          </p:sp>
+        </mc:Choice>
+        <mc:Fallback>
+          <p:sp>
+            <p:nvSpPr>
+              <p:cNvPr id="17" name="TextBox 16">
+                <a:extLst>
+                  <a:ext uri="{FF2B5EF4-FFF2-40B4-BE49-F238E27FC236}">
+                    <a16:creationId xmlns:a16="http://schemas.microsoft.com/office/drawing/2014/main" id="{DFDE76E6-0352-4245-8C07-1C7292ABEBAD}"/>
+                  </a:ext>
+                </a:extLst>
+              </p:cNvPr>
+              <p:cNvSpPr txBox="1">
+                <a:spLocks noRot="1" noChangeAspect="1" noMove="1" noResize="1" noEditPoints="1" noAdjustHandles="1" noChangeArrowheads="1" noChangeShapeType="1" noTextEdit="1"/>
+              </p:cNvSpPr>
+              <p:nvPr/>
+            </p:nvSpPr>
+            <p:spPr>
+              <a:xfrm>
+                <a:off x="5014600" y="1293137"/>
+                <a:ext cx="327910" cy="276999"/>
+              </a:xfrm>
+              <a:prstGeom prst="rect">
+                <a:avLst/>
+              </a:prstGeom>
+              <a:blipFill>
+                <a:blip r:embed="rId7"/>
+                <a:stretch>
+                  <a:fillRect/>
+                </a:stretch>
+              </a:blipFill>
+            </p:spPr>
+            <p:txBody>
+              <a:bodyPr/>
+              <a:lstStyle/>
+              <a:p>
+                <a:r>
+                  <a:rPr lang="en-US">
+                    <a:noFill/>
+                  </a:rPr>
+                  <a:t> </a:t>
+                </a:r>
+              </a:p>
+            </p:txBody>
+          </p:sp>
+        </mc:Fallback>
+      </mc:AlternateContent>
+      <mc:AlternateContent xmlns:mc="http://schemas.openxmlformats.org/markup-compatibility/2006">
+        <mc:Choice xmlns:a14="http://schemas.microsoft.com/office/drawing/2010/main" Requires="a14">
+          <p:sp>
+            <p:nvSpPr>
+              <p:cNvPr id="18" name="TextBox 17">
+                <a:extLst>
+                  <a:ext uri="{FF2B5EF4-FFF2-40B4-BE49-F238E27FC236}">
+                    <a16:creationId xmlns:a16="http://schemas.microsoft.com/office/drawing/2014/main" id="{BAFA15CC-A094-4DC7-BC75-7150E52D2E30}"/>
+                  </a:ext>
+                </a:extLst>
+              </p:cNvPr>
+              <p:cNvSpPr txBox="1"/>
+              <p:nvPr/>
+            </p:nvSpPr>
+            <p:spPr>
+              <a:xfrm>
+                <a:off x="5863701" y="1241682"/>
+                <a:ext cx="476412" cy="276999"/>
+              </a:xfrm>
+              <a:prstGeom prst="rect">
+                <a:avLst/>
+              </a:prstGeom>
+              <a:noFill/>
+            </p:spPr>
+            <p:txBody>
+              <a:bodyPr wrap="none" rtlCol="0">
+                <a:spAutoFit/>
+              </a:bodyPr>
+              <a:lstStyle/>
+              <a:p>
+                <a:pPr/>
+                <a14:m>
+                  <m:oMathPara xmlns:m="http://schemas.openxmlformats.org/officeDocument/2006/math">
+                    <m:oMathParaPr>
+                      <m:jc m:val="centerGroup"/>
+                    </m:oMathParaPr>
+                    <m:oMath xmlns:m="http://schemas.openxmlformats.org/officeDocument/2006/math">
+                      <m:sSub>
+                        <m:sSubPr>
+                          <m:ctrlPr>
+                            <a:rPr lang="en-US" sz="1200" b="0" i="1" smtClean="0">
+                              <a:latin typeface="Cambria Math" panose="02040503050406030204" pitchFamily="18" charset="0"/>
+                            </a:rPr>
+                          </m:ctrlPr>
+                        </m:sSubPr>
+                        <m:e>
+                          <m:r>
+                            <a:rPr lang="en-US" sz="1200" b="0" i="1" smtClean="0">
+                              <a:latin typeface="Cambria Math" panose="02040503050406030204" pitchFamily="18" charset="0"/>
+                            </a:rPr>
+                            <m:t>𝑡</m:t>
+                          </m:r>
+                        </m:e>
+                        <m:sub>
+                          <m:r>
+                            <a:rPr lang="en-US" sz="1200" b="0" i="1" smtClean="0">
+                              <a:latin typeface="Cambria Math" panose="02040503050406030204" pitchFamily="18" charset="0"/>
+                            </a:rPr>
+                            <m:t>𝑖</m:t>
+                          </m:r>
+                          <m:r>
+                            <a:rPr lang="en-US" sz="1200" b="0" i="1" smtClean="0">
+                              <a:latin typeface="Cambria Math" panose="02040503050406030204" pitchFamily="18" charset="0"/>
+                            </a:rPr>
+                            <m:t>−1</m:t>
+                          </m:r>
+                        </m:sub>
+                      </m:sSub>
+                    </m:oMath>
+                  </m:oMathPara>
+                </a14:m>
+                <a:endParaRPr lang="en-US" sz="1200" dirty="0"/>
+              </a:p>
+            </p:txBody>
+          </p:sp>
+        </mc:Choice>
+        <mc:Fallback>
+          <p:sp>
+            <p:nvSpPr>
+              <p:cNvPr id="18" name="TextBox 17">
+                <a:extLst>
+                  <a:ext uri="{FF2B5EF4-FFF2-40B4-BE49-F238E27FC236}">
+                    <a16:creationId xmlns:a16="http://schemas.microsoft.com/office/drawing/2014/main" id="{BAFA15CC-A094-4DC7-BC75-7150E52D2E30}"/>
+                  </a:ext>
+                </a:extLst>
+              </p:cNvPr>
+              <p:cNvSpPr txBox="1">
+                <a:spLocks noRot="1" noChangeAspect="1" noMove="1" noResize="1" noEditPoints="1" noAdjustHandles="1" noChangeArrowheads="1" noChangeShapeType="1" noTextEdit="1"/>
+              </p:cNvSpPr>
+              <p:nvPr/>
+            </p:nvSpPr>
+            <p:spPr>
+              <a:xfrm>
+                <a:off x="5863701" y="1241682"/>
+                <a:ext cx="476412" cy="276999"/>
+              </a:xfrm>
+              <a:prstGeom prst="rect">
+                <a:avLst/>
+              </a:prstGeom>
+              <a:blipFill>
+                <a:blip r:embed="rId8"/>
+                <a:stretch>
+                  <a:fillRect/>
+                </a:stretch>
+              </a:blipFill>
+            </p:spPr>
+            <p:txBody>
+              <a:bodyPr/>
+              <a:lstStyle/>
+              <a:p>
+                <a:r>
+                  <a:rPr lang="en-US">
+                    <a:noFill/>
+                  </a:rPr>
+                  <a:t> </a:t>
+                </a:r>
+              </a:p>
+            </p:txBody>
+          </p:sp>
+        </mc:Fallback>
+      </mc:AlternateContent>
+      <mc:AlternateContent xmlns:mc="http://schemas.openxmlformats.org/markup-compatibility/2006">
+        <mc:Choice xmlns:a14="http://schemas.microsoft.com/office/drawing/2010/main" Requires="a14">
+          <p:sp>
+            <p:nvSpPr>
+              <p:cNvPr id="19" name="TextBox 18">
+                <a:extLst>
+                  <a:ext uri="{FF2B5EF4-FFF2-40B4-BE49-F238E27FC236}">
+                    <a16:creationId xmlns:a16="http://schemas.microsoft.com/office/drawing/2014/main" id="{E61CB8C3-E497-461D-A366-F37001191A76}"/>
+                  </a:ext>
+                </a:extLst>
+              </p:cNvPr>
+              <p:cNvSpPr txBox="1"/>
+              <p:nvPr/>
+            </p:nvSpPr>
+            <p:spPr>
+              <a:xfrm>
+                <a:off x="6298614" y="1251435"/>
+                <a:ext cx="328936" cy="276999"/>
+              </a:xfrm>
+              <a:prstGeom prst="rect">
+                <a:avLst/>
+              </a:prstGeom>
+              <a:noFill/>
+            </p:spPr>
+            <p:txBody>
+              <a:bodyPr wrap="none" rtlCol="0">
+                <a:spAutoFit/>
+              </a:bodyPr>
+              <a:lstStyle/>
+              <a:p>
+                <a:pPr/>
+                <a14:m>
+                  <m:oMathPara xmlns:m="http://schemas.openxmlformats.org/officeDocument/2006/math">
+                    <m:oMathParaPr>
+                      <m:jc m:val="centerGroup"/>
+                    </m:oMathParaPr>
+                    <m:oMath xmlns:m="http://schemas.openxmlformats.org/officeDocument/2006/math">
+                      <m:sSub>
+                        <m:sSubPr>
+                          <m:ctrlPr>
+                            <a:rPr lang="en-US" sz="1200" b="0" i="1" smtClean="0">
+                              <a:latin typeface="Cambria Math" panose="02040503050406030204" pitchFamily="18" charset="0"/>
+                            </a:rPr>
+                          </m:ctrlPr>
+                        </m:sSubPr>
+                        <m:e>
+                          <m:r>
+                            <a:rPr lang="en-US" sz="1200" b="0" i="1" smtClean="0">
+                              <a:latin typeface="Cambria Math" panose="02040503050406030204" pitchFamily="18" charset="0"/>
+                            </a:rPr>
+                            <m:t>𝑡</m:t>
+                          </m:r>
+                        </m:e>
+                        <m:sub>
+                          <m:r>
+                            <a:rPr lang="en-US" sz="1200" b="0" i="1" smtClean="0">
+                              <a:latin typeface="Cambria Math" panose="02040503050406030204" pitchFamily="18" charset="0"/>
+                            </a:rPr>
+                            <m:t>𝑖</m:t>
+                          </m:r>
+                        </m:sub>
+                      </m:sSub>
+                    </m:oMath>
+                  </m:oMathPara>
+                </a14:m>
+                <a:endParaRPr lang="en-US" sz="1200" dirty="0"/>
+              </a:p>
+            </p:txBody>
+          </p:sp>
+        </mc:Choice>
+        <mc:Fallback>
+          <p:sp>
+            <p:nvSpPr>
+              <p:cNvPr id="19" name="TextBox 18">
+                <a:extLst>
+                  <a:ext uri="{FF2B5EF4-FFF2-40B4-BE49-F238E27FC236}">
+                    <a16:creationId xmlns:a16="http://schemas.microsoft.com/office/drawing/2014/main" id="{E61CB8C3-E497-461D-A366-F37001191A76}"/>
+                  </a:ext>
+                </a:extLst>
+              </p:cNvPr>
+              <p:cNvSpPr txBox="1">
+                <a:spLocks noRot="1" noChangeAspect="1" noMove="1" noResize="1" noEditPoints="1" noAdjustHandles="1" noChangeArrowheads="1" noChangeShapeType="1" noTextEdit="1"/>
+              </p:cNvSpPr>
+              <p:nvPr/>
+            </p:nvSpPr>
+            <p:spPr>
+              <a:xfrm>
+                <a:off x="6298614" y="1251435"/>
+                <a:ext cx="328936" cy="276999"/>
+              </a:xfrm>
+              <a:prstGeom prst="rect">
+                <a:avLst/>
+              </a:prstGeom>
+              <a:blipFill>
+                <a:blip r:embed="rId9"/>
+                <a:stretch>
+                  <a:fillRect/>
+                </a:stretch>
+              </a:blipFill>
+            </p:spPr>
+            <p:txBody>
+              <a:bodyPr/>
+              <a:lstStyle/>
+              <a:p>
+                <a:r>
+                  <a:rPr lang="en-US">
+                    <a:noFill/>
+                  </a:rPr>
+                  <a:t> </a:t>
+                </a:r>
+              </a:p>
+            </p:txBody>
+          </p:sp>
+        </mc:Fallback>
+      </mc:AlternateContent>
+      <p:cxnSp>
+        <p:nvCxnSpPr>
+          <p:cNvPr id="20" name="Straight Connector 19">
+            <a:extLst>
+              <a:ext uri="{FF2B5EF4-FFF2-40B4-BE49-F238E27FC236}">
+                <a16:creationId xmlns:a16="http://schemas.microsoft.com/office/drawing/2014/main" id="{2621D51D-5C74-4DE7-8B10-965E85334C8F}"/>
+              </a:ext>
+            </a:extLst>
+          </p:cNvPr>
+          <p:cNvCxnSpPr>
+            <a:cxnSpLocks/>
+          </p:cNvCxnSpPr>
+          <p:nvPr/>
+        </p:nvCxnSpPr>
+        <p:spPr>
+          <a:xfrm>
+            <a:off x="6000166" y="1280501"/>
+            <a:ext cx="445662" cy="0"/>
+          </a:xfrm>
+          <a:prstGeom prst="line">
+            <a:avLst/>
+          </a:prstGeom>
+        </p:spPr>
+        <p:style>
+          <a:lnRef idx="3">
+            <a:schemeClr val="accent1"/>
+          </a:lnRef>
+          <a:fillRef idx="0">
+            <a:schemeClr val="accent1"/>
+          </a:fillRef>
+          <a:effectRef idx="2">
+            <a:schemeClr val="accent1"/>
+          </a:effectRef>
+          <a:fontRef idx="minor">
+            <a:schemeClr val="tx1"/>
+          </a:fontRef>
+        </p:style>
+      </p:cxnSp>
+      <p:pic>
+        <p:nvPicPr>
+          <p:cNvPr id="21" name="Picture 20">
+            <a:extLst>
+              <a:ext uri="{FF2B5EF4-FFF2-40B4-BE49-F238E27FC236}">
+                <a16:creationId xmlns:a16="http://schemas.microsoft.com/office/drawing/2014/main" id="{D8BD5E08-5E19-4DD4-975F-3AEFD7639898}"/>
+              </a:ext>
+            </a:extLst>
+          </p:cNvPr>
+          <p:cNvPicPr>
+            <a:picLocks noChangeAspect="1"/>
+          </p:cNvPicPr>
+          <p:nvPr/>
+        </p:nvPicPr>
+        <p:blipFill rotWithShape="1">
+          <a:blip r:embed="rId10">
+            <a:extLst>
+              <a:ext uri="{BEBA8EAE-BF5A-486C-A8C5-ECC9F3942E4B}">
+                <a14:imgProps xmlns:a14="http://schemas.microsoft.com/office/drawing/2010/main">
+                  <a14:imgLayer r:embed="rId3">
+                    <a14:imgEffect>
+                      <a14:backgroundRemoval t="4865" b="96757" l="46220" r="93089">
+                        <a14:foregroundMark x1="56587" y1="9730" x2="57019" y2="75135"/>
+                        <a14:foregroundMark x1="57019" y1="75135" x2="48380" y2="89730"/>
+                        <a14:foregroundMark x1="48380" y1="89730" x2="55724" y2="80541"/>
+                        <a14:foregroundMark x1="55724" y1="80541" x2="64795" y2="78378"/>
+                        <a14:foregroundMark x1="64795" y1="78378" x2="73002" y2="80000"/>
+                        <a14:foregroundMark x1="73002" y1="80000" x2="90713" y2="76216"/>
+                        <a14:foregroundMark x1="90713" y1="76216" x2="71274" y2="76757"/>
+                        <a14:foregroundMark x1="71274" y1="76757" x2="88121" y2="78378"/>
+                        <a14:foregroundMark x1="88121" y1="78378" x2="62203" y2="71351"/>
+                        <a14:foregroundMark x1="62203" y1="71351" x2="72570" y2="48108"/>
+                        <a14:foregroundMark x1="72570" y1="48108" x2="74730" y2="24865"/>
+                        <a14:foregroundMark x1="74730" y1="24865" x2="62635" y2="27027"/>
+                        <a14:foregroundMark x1="62635" y1="27027" x2="74082" y2="49730"/>
+                        <a14:foregroundMark x1="74082" y1="49730" x2="85313" y2="42162"/>
+                        <a14:foregroundMark x1="85313" y1="42162" x2="79266" y2="14054"/>
+                        <a14:foregroundMark x1="79266" y1="14054" x2="87473" y2="20000"/>
+                        <a14:foregroundMark x1="63931" y1="20000" x2="56587" y2="14054"/>
+                        <a14:foregroundMark x1="56803" y1="9189" x2="59179" y2="10270"/>
+                        <a14:foregroundMark x1="59611" y1="12432" x2="69114" y2="18378"/>
+                        <a14:foregroundMark x1="66307" y1="23784" x2="69546" y2="40541"/>
+                        <a14:foregroundMark x1="68898" y1="31351" x2="62419" y2="40000"/>
+                        <a14:foregroundMark x1="62203" y1="36757" x2="73002" y2="37838"/>
+                        <a14:foregroundMark x1="72570" y1="23243" x2="76026" y2="20541"/>
+                        <a14:foregroundMark x1="68035" y1="15676" x2="71706" y2="16216"/>
+                        <a14:foregroundMark x1="77538" y1="15676" x2="65443" y2="16757"/>
+                        <a14:foregroundMark x1="74082" y1="15135" x2="84881" y2="18919"/>
+                        <a14:foregroundMark x1="84881" y1="25405" x2="76458" y2="36757"/>
+                        <a14:foregroundMark x1="70410" y1="37297" x2="71274" y2="37297"/>
+                        <a14:foregroundMark x1="76458" y1="38378" x2="79698" y2="42162"/>
+                        <a14:foregroundMark x1="81210" y1="41622" x2="79698" y2="42162"/>
+                        <a14:foregroundMark x1="81857" y1="36216" x2="83369" y2="35676"/>
+                        <a14:foregroundMark x1="82505" y1="37838" x2="81641" y2="39459"/>
+                        <a14:foregroundMark x1="86393" y1="28649" x2="86393" y2="28649"/>
+                        <a14:foregroundMark x1="88121" y1="27568" x2="88121" y2="32432"/>
+                        <a14:foregroundMark x1="87689" y1="33514" x2="87473" y2="35676"/>
+                        <a14:foregroundMark x1="88121" y1="33514" x2="90065" y2="40541"/>
+                        <a14:foregroundMark x1="91793" y1="45946" x2="91577" y2="50811"/>
+                        <a14:foregroundMark x1="90713" y1="53514" x2="90281" y2="54595"/>
+                        <a14:foregroundMark x1="89417" y1="45946" x2="90713" y2="70270"/>
+                        <a14:foregroundMark x1="90713" y1="75135" x2="90065" y2="78378"/>
+                        <a14:foregroundMark x1="89849" y1="80000" x2="88985" y2="83784"/>
+                        <a14:foregroundMark x1="87689" y1="84865" x2="85313" y2="85405"/>
+                        <a14:foregroundMark x1="90065" y1="81081" x2="90929" y2="78378"/>
+                        <a14:foregroundMark x1="91577" y1="74054" x2="91577" y2="74054"/>
+                        <a14:foregroundMark x1="92657" y1="75135" x2="93089" y2="81081"/>
+                        <a14:foregroundMark x1="92441" y1="81081" x2="91361" y2="83243"/>
+                        <a14:foregroundMark x1="90929" y1="83243" x2="90929" y2="83243"/>
+                        <a14:foregroundMark x1="90713" y1="82162" x2="88337" y2="83243"/>
+                        <a14:foregroundMark x1="83153" y1="84324" x2="82721" y2="84865"/>
+                        <a14:foregroundMark x1="82505" y1="82703" x2="82505" y2="82703"/>
+                        <a14:foregroundMark x1="76242" y1="85946" x2="67171" y2="83784"/>
+                        <a14:foregroundMark x1="57235" y1="86486" x2="54860" y2="87027"/>
+                        <a14:foregroundMark x1="52052" y1="91892" x2="47948" y2="93514"/>
+                        <a14:foregroundMark x1="47732" y1="87568" x2="47300" y2="96216"/>
+                        <a14:foregroundMark x1="75810" y1="44865" x2="75378" y2="44324"/>
+                        <a14:foregroundMark x1="47084" y1="90270" x2="47084" y2="87027"/>
+                        <a14:foregroundMark x1="46436" y1="93514" x2="46436" y2="96757"/>
+                        <a14:foregroundMark x1="56156" y1="18919" x2="53564" y2="9189"/>
+                        <a14:foregroundMark x1="53132" y1="4865" x2="62419" y2="7027"/>
+                        <a14:foregroundMark x1="66307" y1="8108" x2="75378" y2="10270"/>
+                        <a14:backgroundMark x1="52700" y1="36216" x2="44708" y2="40000"/>
+                        <a14:backgroundMark x1="44708" y1="40000" x2="54428" y2="37838"/>
+                      </a14:backgroundRemoval>
+                    </a14:imgEffect>
+                  </a14:imgLayer>
+                </a14:imgProps>
+              </a:ext>
+              <a:ext uri="{28A0092B-C50C-407E-A947-70E740481C1C}">
+                <a14:useLocalDpi xmlns:a14="http://schemas.microsoft.com/office/drawing/2010/main" val="0"/>
+              </a:ext>
+            </a:extLst>
+          </a:blip>
+          <a:srcRect l="44141" r="4943"/>
+          <a:stretch/>
+        </p:blipFill>
+        <p:spPr>
+          <a:xfrm>
+            <a:off x="192379" y="1880646"/>
+            <a:ext cx="3165894" cy="2484451"/>
+          </a:xfrm>
+          <a:prstGeom prst="rect">
+            <a:avLst/>
+          </a:prstGeom>
+        </p:spPr>
+      </p:pic>
+      <p:cxnSp>
+        <p:nvCxnSpPr>
+          <p:cNvPr id="6" name="Straight Arrow Connector 5">
+            <a:extLst>
+              <a:ext uri="{FF2B5EF4-FFF2-40B4-BE49-F238E27FC236}">
+                <a16:creationId xmlns:a16="http://schemas.microsoft.com/office/drawing/2014/main" id="{4D10EA78-5868-4134-8B49-8359AF431244}"/>
+              </a:ext>
+            </a:extLst>
+          </p:cNvPr>
+          <p:cNvCxnSpPr/>
+          <p:nvPr/>
+        </p:nvCxnSpPr>
+        <p:spPr>
+          <a:xfrm flipV="1">
+            <a:off x="2518913" y="1293137"/>
+            <a:ext cx="3481253" cy="1260282"/>
+          </a:xfrm>
+          <a:prstGeom prst="straightConnector1">
+            <a:avLst/>
+          </a:prstGeom>
+          <a:ln w="28575">
+            <a:tailEnd type="triangle"/>
+          </a:ln>
+        </p:spPr>
+        <p:style>
+          <a:lnRef idx="1">
+            <a:schemeClr val="accent2"/>
+          </a:lnRef>
+          <a:fillRef idx="0">
+            <a:schemeClr val="accent2"/>
+          </a:fillRef>
+          <a:effectRef idx="0">
+            <a:schemeClr val="accent2"/>
+          </a:effectRef>
+          <a:fontRef idx="minor">
+            <a:schemeClr val="tx1"/>
+          </a:fontRef>
+        </p:style>
+      </p:cxnSp>
+      <p:cxnSp>
+        <p:nvCxnSpPr>
+          <p:cNvPr id="23" name="Straight Arrow Connector 22">
+            <a:extLst>
+              <a:ext uri="{FF2B5EF4-FFF2-40B4-BE49-F238E27FC236}">
+                <a16:creationId xmlns:a16="http://schemas.microsoft.com/office/drawing/2014/main" id="{03FB5FE4-EF73-4F33-A5C7-576E4C2219C2}"/>
+              </a:ext>
+            </a:extLst>
+          </p:cNvPr>
+          <p:cNvCxnSpPr>
+            <a:stCxn id="19" idx="0"/>
+          </p:cNvCxnSpPr>
+          <p:nvPr/>
+        </p:nvCxnSpPr>
+        <p:spPr>
+          <a:xfrm>
+            <a:off x="6463082" y="1251435"/>
+            <a:ext cx="58488" cy="3018640"/>
+          </a:xfrm>
+          <a:prstGeom prst="straightConnector1">
+            <a:avLst/>
+          </a:prstGeom>
+          <a:ln w="28575">
+            <a:tailEnd type="triangle"/>
+          </a:ln>
+        </p:spPr>
+        <p:style>
+          <a:lnRef idx="1">
+            <a:schemeClr val="accent2"/>
+          </a:lnRef>
+          <a:fillRef idx="0">
+            <a:schemeClr val="accent2"/>
+          </a:fillRef>
+          <a:effectRef idx="0">
+            <a:schemeClr val="accent2"/>
+          </a:effectRef>
+          <a:fontRef idx="minor">
+            <a:schemeClr val="tx1"/>
+          </a:fontRef>
+        </p:style>
+      </p:cxnSp>
+      <p:cxnSp>
+        <p:nvCxnSpPr>
+          <p:cNvPr id="40" name="Straight Arrow Connector 39">
+            <a:extLst>
+              <a:ext uri="{FF2B5EF4-FFF2-40B4-BE49-F238E27FC236}">
+                <a16:creationId xmlns:a16="http://schemas.microsoft.com/office/drawing/2014/main" id="{CF6366AD-529E-4666-8BCE-B522C6C9FC63}"/>
+              </a:ext>
+            </a:extLst>
+          </p:cNvPr>
+          <p:cNvCxnSpPr/>
+          <p:nvPr/>
+        </p:nvCxnSpPr>
+        <p:spPr>
+          <a:xfrm flipH="1" flipV="1">
+            <a:off x="6298614" y="4865298"/>
+            <a:ext cx="41499" cy="353683"/>
+          </a:xfrm>
+          <a:prstGeom prst="straightConnector1">
+            <a:avLst/>
+          </a:prstGeom>
+          <a:ln w="28575">
+            <a:tailEnd type="triangle"/>
+          </a:ln>
+        </p:spPr>
+        <p:style>
+          <a:lnRef idx="1">
+            <a:schemeClr val="accent2"/>
+          </a:lnRef>
+          <a:fillRef idx="0">
+            <a:schemeClr val="accent2"/>
+          </a:fillRef>
+          <a:effectRef idx="0">
+            <a:schemeClr val="accent2"/>
+          </a:effectRef>
+          <a:fontRef idx="minor">
+            <a:schemeClr val="tx1"/>
+          </a:fontRef>
+        </p:style>
+      </p:cxnSp>
+      <p:cxnSp>
+        <p:nvCxnSpPr>
+          <p:cNvPr id="44" name="Straight Arrow Connector 43">
+            <a:extLst>
+              <a:ext uri="{FF2B5EF4-FFF2-40B4-BE49-F238E27FC236}">
+                <a16:creationId xmlns:a16="http://schemas.microsoft.com/office/drawing/2014/main" id="{07CA4378-2D7E-40B8-B56F-BA6C2D256ABE}"/>
+              </a:ext>
+            </a:extLst>
+          </p:cNvPr>
+          <p:cNvCxnSpPr/>
+          <p:nvPr/>
+        </p:nvCxnSpPr>
+        <p:spPr>
+          <a:xfrm flipH="1" flipV="1">
+            <a:off x="2182483" y="2812211"/>
+            <a:ext cx="4011283" cy="1846053"/>
+          </a:xfrm>
+          <a:prstGeom prst="straightConnector1">
+            <a:avLst/>
+          </a:prstGeom>
+          <a:ln w="28575">
+            <a:tailEnd type="triangle"/>
+          </a:ln>
+        </p:spPr>
+        <p:style>
+          <a:lnRef idx="1">
+            <a:schemeClr val="accent2"/>
+          </a:lnRef>
+          <a:fillRef idx="0">
+            <a:schemeClr val="accent2"/>
+          </a:fillRef>
+          <a:effectRef idx="0">
+            <a:schemeClr val="accent2"/>
+          </a:effectRef>
+          <a:fontRef idx="minor">
+            <a:schemeClr val="tx1"/>
+          </a:fontRef>
+        </p:style>
+      </p:cxnSp>
+      <p:sp>
+        <p:nvSpPr>
+          <p:cNvPr id="45" name="TextBox 44">
+            <a:extLst>
+              <a:ext uri="{FF2B5EF4-FFF2-40B4-BE49-F238E27FC236}">
+                <a16:creationId xmlns:a16="http://schemas.microsoft.com/office/drawing/2014/main" id="{CBFE31DE-ACB1-47EA-B972-9D34BB56E270}"/>
+              </a:ext>
+            </a:extLst>
+          </p:cNvPr>
+          <p:cNvSpPr txBox="1"/>
+          <p:nvPr/>
+        </p:nvSpPr>
+        <p:spPr>
+          <a:xfrm>
+            <a:off x="3147550" y="1580411"/>
+            <a:ext cx="1347278" cy="738664"/>
+          </a:xfrm>
+          <a:prstGeom prst="rect">
+            <a:avLst/>
+          </a:prstGeom>
+          <a:noFill/>
+        </p:spPr>
+        <p:txBody>
+          <a:bodyPr wrap="square" rtlCol="0">
+            <a:spAutoFit/>
+          </a:bodyPr>
+          <a:lstStyle/>
+          <a:p>
+            <a:r>
+              <a:rPr lang="en-US" altLang="zh-CN" sz="1400" dirty="0">
+                <a:latin typeface="Times New Roman" panose="02020603050405020304" pitchFamily="18" charset="0"/>
+                <a:ea typeface="SimSun" panose="02010600030101010101" pitchFamily="2" charset="-122"/>
+                <a:cs typeface="Times New Roman" panose="02020603050405020304" pitchFamily="18" charset="0"/>
+              </a:rPr>
+              <a:t>(1) </a:t>
+            </a:r>
+            <a:r>
+              <a:rPr lang="zh-CN" altLang="en-US" sz="1400" dirty="0">
+                <a:latin typeface="SimSun" panose="02010600030101010101" pitchFamily="2" charset="-122"/>
+                <a:ea typeface="SimSun" panose="02010600030101010101" pitchFamily="2" charset="-122"/>
+              </a:rPr>
+              <a:t>空间曲线参数曲线方程表示</a:t>
+            </a:r>
+            <a:endParaRPr lang="en-US" sz="1400" dirty="0">
+              <a:latin typeface="SimSun" panose="02010600030101010101" pitchFamily="2" charset="-122"/>
+              <a:ea typeface="SimSun" panose="02010600030101010101" pitchFamily="2" charset="-122"/>
+            </a:endParaRPr>
+          </a:p>
+        </p:txBody>
+      </p:sp>
+      <p:sp>
+        <p:nvSpPr>
+          <p:cNvPr id="46" name="TextBox 45">
+            <a:extLst>
+              <a:ext uri="{FF2B5EF4-FFF2-40B4-BE49-F238E27FC236}">
+                <a16:creationId xmlns:a16="http://schemas.microsoft.com/office/drawing/2014/main" id="{9F335F5C-A9E6-4857-AB08-5FC0AE790E67}"/>
+              </a:ext>
+            </a:extLst>
+          </p:cNvPr>
+          <p:cNvSpPr txBox="1"/>
+          <p:nvPr/>
+        </p:nvSpPr>
+        <p:spPr>
+          <a:xfrm>
+            <a:off x="6556543" y="2357504"/>
+            <a:ext cx="1347278" cy="523220"/>
+          </a:xfrm>
+          <a:prstGeom prst="rect">
+            <a:avLst/>
+          </a:prstGeom>
+          <a:noFill/>
+        </p:spPr>
+        <p:txBody>
+          <a:bodyPr wrap="square" rtlCol="0">
+            <a:spAutoFit/>
+          </a:bodyPr>
+          <a:lstStyle/>
+          <a:p>
+            <a:r>
+              <a:rPr lang="en-US" altLang="zh-CN" sz="1400" dirty="0">
+                <a:latin typeface="Times New Roman" panose="02020603050405020304" pitchFamily="18" charset="0"/>
+                <a:ea typeface="SimSun" panose="02010600030101010101" pitchFamily="2" charset="-122"/>
+                <a:cs typeface="Times New Roman" panose="02020603050405020304" pitchFamily="18" charset="0"/>
+              </a:rPr>
+              <a:t>(2)</a:t>
+            </a:r>
+            <a:r>
+              <a:rPr lang="zh-CN" altLang="en-US" sz="1400" dirty="0">
+                <a:latin typeface="SimSun" panose="02010600030101010101" pitchFamily="2" charset="-122"/>
+                <a:ea typeface="SimSun" panose="02010600030101010101" pitchFamily="2" charset="-122"/>
+              </a:rPr>
+              <a:t>参数曲线转到平面曲线</a:t>
+            </a:r>
+            <a:endParaRPr lang="en-US" sz="1400" dirty="0">
+              <a:latin typeface="SimSun" panose="02010600030101010101" pitchFamily="2" charset="-122"/>
+              <a:ea typeface="SimSun" panose="02010600030101010101" pitchFamily="2" charset="-122"/>
+            </a:endParaRPr>
+          </a:p>
+        </p:txBody>
+      </p:sp>
+      <p:sp>
+        <p:nvSpPr>
+          <p:cNvPr id="47" name="TextBox 46">
+            <a:extLst>
+              <a:ext uri="{FF2B5EF4-FFF2-40B4-BE49-F238E27FC236}">
+                <a16:creationId xmlns:a16="http://schemas.microsoft.com/office/drawing/2014/main" id="{429BE1DF-155A-4D8A-A5BB-5FDAF804BB6F}"/>
+              </a:ext>
+            </a:extLst>
+          </p:cNvPr>
+          <p:cNvSpPr txBox="1"/>
+          <p:nvPr/>
+        </p:nvSpPr>
+        <p:spPr>
+          <a:xfrm>
+            <a:off x="6627550" y="4957371"/>
+            <a:ext cx="1347278" cy="523220"/>
+          </a:xfrm>
+          <a:prstGeom prst="rect">
+            <a:avLst/>
+          </a:prstGeom>
+          <a:noFill/>
+        </p:spPr>
+        <p:txBody>
+          <a:bodyPr wrap="square" rtlCol="0">
+            <a:spAutoFit/>
+          </a:bodyPr>
+          <a:lstStyle/>
+          <a:p>
+            <a:r>
+              <a:rPr lang="en-US" altLang="zh-CN" sz="1400" dirty="0">
+                <a:latin typeface="Times New Roman" panose="02020603050405020304" pitchFamily="18" charset="0"/>
+                <a:ea typeface="SimSun" panose="02010600030101010101" pitchFamily="2" charset="-122"/>
+                <a:cs typeface="Times New Roman" panose="02020603050405020304" pitchFamily="18" charset="0"/>
+              </a:rPr>
+              <a:t>(3) </a:t>
+            </a:r>
+            <a:r>
+              <a:rPr lang="zh-CN" altLang="en-US" sz="1400" dirty="0">
+                <a:latin typeface="SimSun" panose="02010600030101010101" pitchFamily="2" charset="-122"/>
+                <a:ea typeface="SimSun" panose="02010600030101010101" pitchFamily="2" charset="-122"/>
+                <a:cs typeface="Times New Roman" panose="02020603050405020304" pitchFamily="18" charset="0"/>
+              </a:rPr>
+              <a:t>平面的边界转到平面区域</a:t>
+            </a:r>
+            <a:endParaRPr lang="en-US" sz="1400" dirty="0">
+              <a:latin typeface="SimSun" panose="02010600030101010101" pitchFamily="2" charset="-122"/>
+              <a:ea typeface="SimSun" panose="02010600030101010101" pitchFamily="2" charset="-122"/>
+            </a:endParaRPr>
+          </a:p>
+        </p:txBody>
+      </p:sp>
+      <p:sp>
+        <p:nvSpPr>
+          <p:cNvPr id="48" name="TextBox 47">
+            <a:extLst>
+              <a:ext uri="{FF2B5EF4-FFF2-40B4-BE49-F238E27FC236}">
+                <a16:creationId xmlns:a16="http://schemas.microsoft.com/office/drawing/2014/main" id="{B2D65A56-D7AC-4FC5-87D8-624775233E08}"/>
+              </a:ext>
+            </a:extLst>
+          </p:cNvPr>
+          <p:cNvSpPr txBox="1"/>
+          <p:nvPr/>
+        </p:nvSpPr>
+        <p:spPr>
+          <a:xfrm>
+            <a:off x="3387896" y="3846949"/>
+            <a:ext cx="1347278" cy="523220"/>
+          </a:xfrm>
+          <a:prstGeom prst="rect">
+            <a:avLst/>
+          </a:prstGeom>
+          <a:noFill/>
+        </p:spPr>
+        <p:txBody>
+          <a:bodyPr wrap="square" rtlCol="0">
+            <a:spAutoFit/>
+          </a:bodyPr>
+          <a:lstStyle/>
+          <a:p>
+            <a:r>
+              <a:rPr lang="en-US" altLang="zh-CN" sz="1400" dirty="0">
+                <a:latin typeface="Times New Roman" panose="02020603050405020304" pitchFamily="18" charset="0"/>
+                <a:ea typeface="SimSun" panose="02010600030101010101" pitchFamily="2" charset="-122"/>
+                <a:cs typeface="Times New Roman" panose="02020603050405020304" pitchFamily="18" charset="0"/>
+              </a:rPr>
+              <a:t>(4) </a:t>
+            </a:r>
+            <a:r>
+              <a:rPr lang="zh-CN" altLang="en-US" sz="1400" dirty="0">
+                <a:latin typeface="Times New Roman" panose="02020603050405020304" pitchFamily="18" charset="0"/>
+                <a:ea typeface="SimSun" panose="02010600030101010101" pitchFamily="2" charset="-122"/>
+                <a:cs typeface="Times New Roman" panose="02020603050405020304" pitchFamily="18" charset="0"/>
+              </a:rPr>
+              <a:t>参数</a:t>
+            </a:r>
+            <a:r>
+              <a:rPr lang="zh-CN" altLang="en-US" sz="1400" dirty="0">
+                <a:latin typeface="SimSun" panose="02010600030101010101" pitchFamily="2" charset="-122"/>
+                <a:ea typeface="SimSun" panose="02010600030101010101" pitchFamily="2" charset="-122"/>
+                <a:cs typeface="Times New Roman" panose="02020603050405020304" pitchFamily="18" charset="0"/>
+              </a:rPr>
+              <a:t>平面转到空间曲面</a:t>
+            </a:r>
+            <a:endParaRPr lang="en-US" sz="1400" dirty="0">
+              <a:latin typeface="SimSun" panose="02010600030101010101" pitchFamily="2" charset="-122"/>
+              <a:ea typeface="SimSun" panose="02010600030101010101" pitchFamily="2" charset="-122"/>
+            </a:endParaRPr>
+          </a:p>
+        </p:txBody>
+      </p:sp>
+    </p:spTree>
+    <p:extLst>
+      <p:ext uri="{BB962C8B-B14F-4D97-AF65-F5344CB8AC3E}">
+        <p14:creationId xmlns:p14="http://schemas.microsoft.com/office/powerpoint/2010/main" val="2407457433"/>
+      </p:ext>
+    </p:extLst>
+  </p:cSld>
+  <p:clrMapOvr>
+    <a:masterClrMapping/>
+  </p:clrMapOvr>
+</p:sld>
+</file>
+
 <file path=ppt/theme/theme1.xml><?xml version="1.0" encoding="utf-8"?>
 <a:theme xmlns:a="http://schemas.openxmlformats.org/drawingml/2006/main" name="Office Theme">
   <a:themeElements>
